--- a/doc/phase3/communications/ojl-1st-comm-yanagi.pptx
+++ b/doc/phase3/communications/ojl-1st-comm-yanagi.pptx
@@ -6,21 +6,23 @@
     <p:sldMasterId id="2147483660" r:id="rId2"/>
   </p:sldMasterIdLst>
   <p:notesMasterIdLst>
-    <p:notesMasterId r:id="rId12"/>
+    <p:notesMasterId r:id="rId14"/>
   </p:notesMasterIdLst>
   <p:handoutMasterIdLst>
-    <p:handoutMasterId r:id="rId13"/>
+    <p:handoutMasterId r:id="rId15"/>
   </p:handoutMasterIdLst>
   <p:sldIdLst>
     <p:sldId id="256" r:id="rId3"/>
     <p:sldId id="262" r:id="rId4"/>
     <p:sldId id="265" r:id="rId5"/>
     <p:sldId id="266" r:id="rId6"/>
-    <p:sldId id="267" r:id="rId7"/>
-    <p:sldId id="268" r:id="rId8"/>
-    <p:sldId id="269" r:id="rId9"/>
-    <p:sldId id="263" r:id="rId10"/>
-    <p:sldId id="264" r:id="rId11"/>
+    <p:sldId id="270" r:id="rId7"/>
+    <p:sldId id="267" r:id="rId8"/>
+    <p:sldId id="272" r:id="rId9"/>
+    <p:sldId id="268" r:id="rId10"/>
+    <p:sldId id="269" r:id="rId11"/>
+    <p:sldId id="263" r:id="rId12"/>
+    <p:sldId id="264" r:id="rId13"/>
   </p:sldIdLst>
   <p:sldSz cx="9144000" cy="6858000" type="screen4x3"/>
   <p:notesSz cx="6858000" cy="9144000"/>
@@ -205,7 +207,7 @@
             <a:fld id="{BDAC545C-2A1F-4A7D-9F18-5EB7AF8DBD78}" type="datetimeFigureOut">
               <a:rPr kumimoji="1" lang="ja-JP" altLang="en-US" smtClean="0"/>
               <a:pPr/>
-              <a:t>2009/2/26</a:t>
+              <a:t>2009/2/27</a:t>
             </a:fld>
             <a:endParaRPr kumimoji="1" lang="ja-JP" altLang="en-US"/>
           </a:p>
@@ -367,7 +369,7 @@
             <a:fld id="{C1E0337A-A7BF-4960-B233-1F7C5F39E37B}" type="datetimeFigureOut">
               <a:rPr kumimoji="1" lang="ja-JP" altLang="en-US" smtClean="0"/>
               <a:pPr/>
-              <a:t>2009/2/26</a:t>
+              <a:t>2009/2/27</a:t>
             </a:fld>
             <a:endParaRPr kumimoji="1" lang="ja-JP" altLang="en-US"/>
           </a:p>
@@ -741,7 +743,7 @@
             <a:fld id="{AA4ACE21-550E-47E0-940B-7B5295AC8B55}" type="slidenum">
               <a:rPr kumimoji="1" lang="ja-JP" altLang="en-US" smtClean="0"/>
               <a:pPr/>
-              <a:t>8</a:t>
+              <a:t>10</a:t>
             </a:fld>
             <a:endParaRPr kumimoji="1" lang="ja-JP" altLang="en-US"/>
           </a:p>
@@ -831,7 +833,7 @@
             <a:fld id="{AA4ACE21-550E-47E0-940B-7B5295AC8B55}" type="slidenum">
               <a:rPr kumimoji="1" lang="ja-JP" altLang="en-US" smtClean="0"/>
               <a:pPr/>
-              <a:t>9</a:t>
+              <a:t>11</a:t>
             </a:fld>
             <a:endParaRPr kumimoji="1" lang="ja-JP" altLang="en-US"/>
           </a:p>
@@ -1025,7 +1027,7 @@
             <a:fld id="{FAD4F7FC-4522-4EF1-A2AD-0330D1E36FF4}" type="datetime1">
               <a:rPr kumimoji="1" lang="ja-JP" altLang="en-US" smtClean="0"/>
               <a:pPr/>
-              <a:t>2009/2/26</a:t>
+              <a:t>2009/2/27</a:t>
             </a:fld>
             <a:endParaRPr kumimoji="1" lang="ja-JP" altLang="en-US"/>
           </a:p>
@@ -1224,7 +1226,7 @@
             <a:fld id="{9ABEFCAD-8FD8-4C40-A33A-550E73C6DE98}" type="datetime1">
               <a:rPr kumimoji="1" lang="ja-JP" altLang="en-US" smtClean="0"/>
               <a:pPr/>
-              <a:t>2009/2/26</a:t>
+              <a:t>2009/2/27</a:t>
             </a:fld>
             <a:endParaRPr kumimoji="1" lang="ja-JP" altLang="en-US"/>
           </a:p>
@@ -1433,7 +1435,7 @@
             <a:fld id="{FC6DC775-F871-46D6-A450-9E2869C67FEF}" type="datetime1">
               <a:rPr kumimoji="1" lang="ja-JP" altLang="en-US" smtClean="0"/>
               <a:pPr/>
-              <a:t>2009/2/26</a:t>
+              <a:t>2009/2/27</a:t>
             </a:fld>
             <a:endParaRPr kumimoji="1" lang="ja-JP" altLang="en-US"/>
           </a:p>
@@ -1782,7 +1784,7 @@
             <a:fld id="{FAD4F7FC-4522-4EF1-A2AD-0330D1E36FF4}" type="datetime1">
               <a:rPr kumimoji="1" lang="ja-JP" altLang="en-US" smtClean="0"/>
               <a:pPr/>
-              <a:t>2009/2/26</a:t>
+              <a:t>2009/2/27</a:t>
             </a:fld>
             <a:endParaRPr kumimoji="1" lang="ja-JP" altLang="en-US"/>
           </a:p>
@@ -1928,7 +1930,7 @@
             <a:fld id="{CBF20F69-7E39-44E6-801E-110BBE34D657}" type="datetime1">
               <a:rPr lang="ja-JP" altLang="en-US" smtClean="0"/>
               <a:pPr/>
-              <a:t>2009/2/26</a:t>
+              <a:t>2009/2/27</a:t>
             </a:fld>
             <a:endParaRPr lang="ja-JP" altLang="en-US"/>
           </a:p>
@@ -2378,7 +2380,7 @@
             <a:fld id="{3AD7B0C4-6425-4825-AF55-D95475845133}" type="datetime1">
               <a:rPr kumimoji="1" lang="ja-JP" altLang="en-US" smtClean="0"/>
               <a:pPr/>
-              <a:t>2009/2/26</a:t>
+              <a:t>2009/2/27</a:t>
             </a:fld>
             <a:endParaRPr kumimoji="1" lang="ja-JP" altLang="en-US"/>
           </a:p>
@@ -2686,7 +2688,7 @@
             <a:fld id="{F617022F-667C-42D5-A4B9-1B4AAB32BECC}" type="datetime1">
               <a:rPr kumimoji="1" lang="ja-JP" altLang="en-US" smtClean="0"/>
               <a:pPr/>
-              <a:t>2009/2/26</a:t>
+              <a:t>2009/2/27</a:t>
             </a:fld>
             <a:endParaRPr kumimoji="1" lang="ja-JP" altLang="en-US"/>
           </a:p>
@@ -2988,7 +2990,7 @@
             <a:fld id="{396FF158-522E-4A0D-B7CC-7DB595F3FAA9}" type="datetime1">
               <a:rPr kumimoji="1" lang="ja-JP" altLang="en-US" smtClean="0"/>
               <a:pPr/>
-              <a:t>2009/2/26</a:t>
+              <a:t>2009/2/27</a:t>
             </a:fld>
             <a:endParaRPr kumimoji="1" lang="ja-JP" altLang="en-US"/>
           </a:p>
@@ -3185,7 +3187,7 @@
             <a:fld id="{C630AA30-71C1-42E1-BA0F-5366384F05B0}" type="datetime1">
               <a:rPr kumimoji="1" lang="ja-JP" altLang="en-US" smtClean="0"/>
               <a:pPr/>
-              <a:t>2009/2/26</a:t>
+              <a:t>2009/2/27</a:t>
             </a:fld>
             <a:endParaRPr kumimoji="1" lang="ja-JP" altLang="en-US"/>
           </a:p>
@@ -3285,7 +3287,7 @@
             <a:fld id="{5F50DBA8-0059-402F-989A-FE3D98C36725}" type="datetime1">
               <a:rPr kumimoji="1" lang="ja-JP" altLang="en-US" smtClean="0"/>
               <a:pPr/>
-              <a:t>2009/2/26</a:t>
+              <a:t>2009/2/27</a:t>
             </a:fld>
             <a:endParaRPr kumimoji="1" lang="ja-JP" altLang="en-US"/>
           </a:p>
@@ -3423,7 +3425,7 @@
             <a:fld id="{2B44553D-E5EB-4D77-8482-DF0E1391C1D1}" type="datetime1">
               <a:rPr kumimoji="1" lang="ja-JP" altLang="en-US" smtClean="0"/>
               <a:pPr/>
-              <a:t>2009/2/26</a:t>
+              <a:t>2009/2/27</a:t>
             </a:fld>
             <a:endParaRPr kumimoji="1" lang="ja-JP" altLang="en-US"/>
           </a:p>
@@ -3817,7 +3819,7 @@
             <a:fld id="{CBF20F69-7E39-44E6-801E-110BBE34D657}" type="datetime1">
               <a:rPr lang="ja-JP" altLang="en-US" smtClean="0"/>
               <a:pPr/>
-              <a:t>2009/2/26</a:t>
+              <a:t>2009/2/27</a:t>
             </a:fld>
             <a:endParaRPr lang="ja-JP" altLang="en-US"/>
           </a:p>
@@ -4214,7 +4216,7 @@
             <a:fld id="{55CBB9F3-BAB8-4179-A684-25636C26C7A2}" type="datetime1">
               <a:rPr kumimoji="1" lang="ja-JP" altLang="en-US" smtClean="0"/>
               <a:pPr/>
-              <a:t>2009/2/26</a:t>
+              <a:t>2009/2/27</a:t>
             </a:fld>
             <a:endParaRPr kumimoji="1" lang="ja-JP" altLang="en-US"/>
           </a:p>
@@ -4468,7 +4470,7 @@
             <a:fld id="{9ABEFCAD-8FD8-4C40-A33A-550E73C6DE98}" type="datetime1">
               <a:rPr kumimoji="1" lang="ja-JP" altLang="en-US" smtClean="0"/>
               <a:pPr/>
-              <a:t>2009/2/26</a:t>
+              <a:t>2009/2/27</a:t>
             </a:fld>
             <a:endParaRPr kumimoji="1" lang="ja-JP" altLang="en-US"/>
           </a:p>
@@ -4687,7 +4689,7 @@
             <a:fld id="{FC6DC775-F871-46D6-A450-9E2869C67FEF}" type="datetime1">
               <a:rPr kumimoji="1" lang="ja-JP" altLang="en-US" smtClean="0"/>
               <a:pPr/>
-              <a:t>2009/2/26</a:t>
+              <a:t>2009/2/27</a:t>
             </a:fld>
             <a:endParaRPr kumimoji="1" lang="ja-JP" altLang="en-US"/>
           </a:p>
@@ -5075,7 +5077,7 @@
             <a:fld id="{3AD7B0C4-6425-4825-AF55-D95475845133}" type="datetime1">
               <a:rPr kumimoji="1" lang="ja-JP" altLang="en-US" smtClean="0"/>
               <a:pPr/>
-              <a:t>2009/2/26</a:t>
+              <a:t>2009/2/27</a:t>
             </a:fld>
             <a:endParaRPr kumimoji="1" lang="ja-JP" altLang="en-US"/>
           </a:p>
@@ -5424,7 +5426,7 @@
             <a:fld id="{F617022F-667C-42D5-A4B9-1B4AAB32BECC}" type="datetime1">
               <a:rPr kumimoji="1" lang="ja-JP" altLang="en-US" smtClean="0"/>
               <a:pPr/>
-              <a:t>2009/2/26</a:t>
+              <a:t>2009/2/27</a:t>
             </a:fld>
             <a:endParaRPr kumimoji="1" lang="ja-JP" altLang="en-US"/>
           </a:p>
@@ -5907,7 +5909,7 @@
             <a:fld id="{396FF158-522E-4A0D-B7CC-7DB595F3FAA9}" type="datetime1">
               <a:rPr kumimoji="1" lang="ja-JP" altLang="en-US" smtClean="0"/>
               <a:pPr/>
-              <a:t>2009/2/26</a:t>
+              <a:t>2009/2/27</a:t>
             </a:fld>
             <a:endParaRPr kumimoji="1" lang="ja-JP" altLang="en-US"/>
           </a:p>
@@ -6022,7 +6024,7 @@
             <a:fld id="{C630AA30-71C1-42E1-BA0F-5366384F05B0}" type="datetime1">
               <a:rPr kumimoji="1" lang="ja-JP" altLang="en-US" smtClean="0"/>
               <a:pPr/>
-              <a:t>2009/2/26</a:t>
+              <a:t>2009/2/27</a:t>
             </a:fld>
             <a:endParaRPr kumimoji="1" lang="ja-JP" altLang="en-US"/>
           </a:p>
@@ -6114,7 +6116,7 @@
             <a:fld id="{5F50DBA8-0059-402F-989A-FE3D98C36725}" type="datetime1">
               <a:rPr kumimoji="1" lang="ja-JP" altLang="en-US" smtClean="0"/>
               <a:pPr/>
-              <a:t>2009/2/26</a:t>
+              <a:t>2009/2/27</a:t>
             </a:fld>
             <a:endParaRPr kumimoji="1" lang="ja-JP" altLang="en-US"/>
           </a:p>
@@ -6420,7 +6422,7 @@
             <a:fld id="{2B44553D-E5EB-4D77-8482-DF0E1391C1D1}" type="datetime1">
               <a:rPr kumimoji="1" lang="ja-JP" altLang="en-US" smtClean="0"/>
               <a:pPr/>
-              <a:t>2009/2/26</a:t>
+              <a:t>2009/2/27</a:t>
             </a:fld>
             <a:endParaRPr kumimoji="1" lang="ja-JP" altLang="en-US"/>
           </a:p>
@@ -6674,7 +6676,7 @@
             <a:fld id="{55CBB9F3-BAB8-4179-A684-25636C26C7A2}" type="datetime1">
               <a:rPr kumimoji="1" lang="ja-JP" altLang="en-US" smtClean="0"/>
               <a:pPr/>
-              <a:t>2009/2/26</a:t>
+              <a:t>2009/2/27</a:t>
             </a:fld>
             <a:endParaRPr kumimoji="1" lang="ja-JP" altLang="en-US"/>
           </a:p>
@@ -6914,7 +6916,7 @@
             <a:fld id="{B3297207-145D-40CB-A3A8-2847F948A6DB}" type="datetime1">
               <a:rPr lang="ja-JP" altLang="en-US" smtClean="0"/>
               <a:pPr/>
-              <a:t>2009/2/26</a:t>
+              <a:t>2009/2/27</a:t>
             </a:fld>
             <a:endParaRPr lang="ja-JP" altLang="en-US"/>
           </a:p>
@@ -7448,7 +7450,7 @@
             <a:fld id="{B3297207-145D-40CB-A3A8-2847F948A6DB}" type="datetime1">
               <a:rPr lang="ja-JP" altLang="en-US" smtClean="0"/>
               <a:pPr/>
-              <a:t>2009/2/26</a:t>
+              <a:t>2009/2/27</a:t>
             </a:fld>
             <a:endParaRPr lang="ja-JP" altLang="en-US"/>
           </a:p>
@@ -8099,6 +8101,515 @@
 </p:sld>
 </file>
 
+<file path=ppt/slides/slide10.xml><?xml version="1.0" encoding="utf-8"?>
+<p:sld xmlns:a="http://schemas.openxmlformats.org/drawingml/2006/main" xmlns:r="http://schemas.openxmlformats.org/officeDocument/2006/relationships" xmlns:p="http://schemas.openxmlformats.org/presentationml/2006/main">
+  <p:cSld>
+    <p:spTree>
+      <p:nvGrpSpPr>
+        <p:cNvPr id="1" name=""/>
+        <p:cNvGrpSpPr/>
+        <p:nvPr/>
+      </p:nvGrpSpPr>
+      <p:grpSpPr>
+        <a:xfrm>
+          <a:off x="0" y="0"/>
+          <a:ext cx="0" cy="0"/>
+          <a:chOff x="0" y="0"/>
+          <a:chExt cx="0" cy="0"/>
+        </a:xfrm>
+      </p:grpSpPr>
+      <p:sp>
+        <p:nvSpPr>
+          <p:cNvPr id="2" name="タイトル 1"/>
+          <p:cNvSpPr>
+            <a:spLocks noGrp="1"/>
+          </p:cNvSpPr>
+          <p:nvPr>
+            <p:ph type="title"/>
+          </p:nvPr>
+        </p:nvSpPr>
+        <p:spPr/>
+        <p:txBody>
+          <a:bodyPr/>
+          <a:lstStyle/>
+          <a:p>
+            <a:r>
+              <a:rPr kumimoji="1" lang="ja-JP" altLang="en-US" dirty="0" smtClean="0"/>
+              <a:t>今後の予定</a:t>
+            </a:r>
+            <a:endParaRPr kumimoji="1" lang="ja-JP" altLang="en-US" dirty="0"/>
+          </a:p>
+        </p:txBody>
+      </p:sp>
+      <p:sp>
+        <p:nvSpPr>
+          <p:cNvPr id="4" name="スライド番号プレースホルダ 3"/>
+          <p:cNvSpPr>
+            <a:spLocks noGrp="1"/>
+          </p:cNvSpPr>
+          <p:nvPr>
+            <p:ph type="sldNum" sz="quarter" idx="12"/>
+          </p:nvPr>
+        </p:nvSpPr>
+        <p:spPr/>
+        <p:txBody>
+          <a:bodyPr>
+            <a:normAutofit fontScale="85000" lnSpcReduction="20000"/>
+          </a:bodyPr>
+          <a:lstStyle/>
+          <a:p>
+            <a:fld id="{A67DFC8C-1F5E-4254-A57A-68887A1C3919}" type="slidenum">
+              <a:rPr lang="ja-JP" altLang="en-US" smtClean="0"/>
+              <a:pPr/>
+              <a:t>10</a:t>
+            </a:fld>
+            <a:endParaRPr lang="ja-JP" altLang="en-US"/>
+          </a:p>
+        </p:txBody>
+      </p:sp>
+      <p:graphicFrame>
+        <p:nvGraphicFramePr>
+          <p:cNvPr id="5" name="コンテンツ プレースホルダ 4"/>
+          <p:cNvGraphicFramePr>
+            <a:graphicFrameLocks noGrp="1"/>
+          </p:cNvGraphicFramePr>
+          <p:nvPr>
+            <p:ph sz="quarter" idx="1"/>
+          </p:nvPr>
+        </p:nvGraphicFramePr>
+        <p:xfrm>
+          <a:off x="612775" y="2000240"/>
+          <a:ext cx="7959754" cy="3596640"/>
+        </p:xfrm>
+        <a:graphic>
+          <a:graphicData uri="http://schemas.openxmlformats.org/drawingml/2006/table">
+            <a:tbl>
+              <a:tblPr firstCol="1">
+                <a:tableStyleId>{5C22544A-7EE6-4342-B048-85BDC9FD1C3A}</a:tableStyleId>
+              </a:tblPr>
+              <a:tblGrid>
+                <a:gridCol w="2316151"/>
+                <a:gridCol w="5643603"/>
+              </a:tblGrid>
+              <a:tr h="370840">
+                <a:tc>
+                  <a:txBody>
+                    <a:bodyPr/>
+                    <a:lstStyle/>
+                    <a:p>
+                      <a:pPr algn="ctr"/>
+                      <a:r>
+                        <a:rPr kumimoji="1" lang="ja-JP" altLang="en-US" sz="2800" dirty="0" smtClean="0"/>
+                        <a:t>フェーズ</a:t>
+                      </a:r>
+                      <a:r>
+                        <a:rPr kumimoji="1" lang="en-US" altLang="ja-JP" sz="2800" dirty="0" smtClean="0"/>
+                        <a:t>4</a:t>
+                      </a:r>
+                    </a:p>
+                    <a:p>
+                      <a:pPr algn="ctr"/>
+                      <a:r>
+                        <a:rPr kumimoji="1" lang="ja-JP" altLang="en-US" sz="2800" dirty="0" smtClean="0"/>
+                        <a:t>（</a:t>
+                      </a:r>
+                      <a:r>
+                        <a:rPr kumimoji="1" lang="en-US" altLang="ja-JP" sz="2800" dirty="0" smtClean="0"/>
+                        <a:t>2009</a:t>
+                      </a:r>
+                      <a:r>
+                        <a:rPr kumimoji="1" lang="ja-JP" altLang="en-US" sz="2800" dirty="0" smtClean="0"/>
+                        <a:t>年度</a:t>
+                      </a:r>
+                      <a:r>
+                        <a:rPr kumimoji="1" lang="en-US" altLang="ja-JP" sz="2800" dirty="0" smtClean="0"/>
+                        <a:t/>
+                      </a:r>
+                      <a:br>
+                        <a:rPr kumimoji="1" lang="en-US" altLang="ja-JP" sz="2800" dirty="0" smtClean="0"/>
+                      </a:br>
+                      <a:r>
+                        <a:rPr kumimoji="1" lang="ja-JP" altLang="en-US" sz="2800" dirty="0" smtClean="0"/>
+                        <a:t>前期</a:t>
+                      </a:r>
+                      <a:r>
+                        <a:rPr kumimoji="1" lang="ja-JP" altLang="en-US" sz="2800" dirty="0" smtClean="0"/>
+                        <a:t>）</a:t>
+                      </a:r>
+                      <a:endParaRPr kumimoji="1" lang="ja-JP" altLang="en-US" sz="2800" dirty="0"/>
+                    </a:p>
+                  </a:txBody>
+                  <a:tcPr marL="90593" marR="90593"/>
+                </a:tc>
+                <a:tc>
+                  <a:txBody>
+                    <a:bodyPr/>
+                    <a:lstStyle/>
+                    <a:p>
+                      <a:pPr>
+                        <a:buFont typeface="Wingdings" pitchFamily="2" charset="2"/>
+                        <a:buChar char="l"/>
+                      </a:pPr>
+                      <a:r>
+                        <a:rPr kumimoji="1" lang="ja-JP" altLang="en-US" sz="2800" dirty="0" smtClean="0"/>
+                        <a:t>要件定義の継続実施</a:t>
+                      </a:r>
+                      <a:endParaRPr kumimoji="1" lang="en-US" altLang="ja-JP" sz="2800" dirty="0" smtClean="0"/>
+                    </a:p>
+                    <a:p>
+                      <a:pPr>
+                        <a:buFont typeface="Wingdings" pitchFamily="2" charset="2"/>
+                        <a:buChar char="l"/>
+                      </a:pPr>
+                      <a:r>
+                        <a:rPr kumimoji="1" lang="ja-JP" altLang="en-US" sz="2800" dirty="0" smtClean="0"/>
+                        <a:t>プロトタイプの実装</a:t>
+                      </a:r>
+                      <a:endParaRPr kumimoji="1" lang="en-US" altLang="ja-JP" sz="2800" dirty="0" smtClean="0"/>
+                    </a:p>
+                    <a:p>
+                      <a:pPr>
+                        <a:buFont typeface="Wingdings" pitchFamily="2" charset="2"/>
+                        <a:buChar char="l"/>
+                      </a:pPr>
+                      <a:r>
+                        <a:rPr kumimoji="1" lang="ja-JP" altLang="en-US" sz="2800" dirty="0" smtClean="0"/>
+                        <a:t>正式版リリースに向けて</a:t>
+                      </a:r>
+                      <a:r>
+                        <a:rPr kumimoji="1" lang="ja-JP" altLang="en-US" sz="2800" dirty="0" smtClean="0"/>
+                        <a:t>、</a:t>
+                      </a:r>
+                      <a:r>
+                        <a:rPr kumimoji="1" lang="en-US" altLang="ja-JP" sz="2800" dirty="0" smtClean="0"/>
+                        <a:t/>
+                      </a:r>
+                      <a:br>
+                        <a:rPr kumimoji="1" lang="en-US" altLang="ja-JP" sz="2800" dirty="0" smtClean="0"/>
+                      </a:br>
+                      <a:r>
+                        <a:rPr kumimoji="1" lang="ja-JP" altLang="en-US" sz="2800" dirty="0" smtClean="0"/>
+                        <a:t>　テスト</a:t>
+                      </a:r>
+                      <a:r>
+                        <a:rPr kumimoji="1" lang="ja-JP" altLang="en-US" sz="2800" dirty="0" smtClean="0"/>
+                        <a:t>の実施</a:t>
+                      </a:r>
+                      <a:endParaRPr kumimoji="1" lang="ja-JP" altLang="en-US" sz="2800" dirty="0"/>
+                    </a:p>
+                  </a:txBody>
+                  <a:tcPr marL="90593" marR="90593"/>
+                </a:tc>
+              </a:tr>
+              <a:tr h="370840">
+                <a:tc>
+                  <a:txBody>
+                    <a:bodyPr/>
+                    <a:lstStyle/>
+                    <a:p>
+                      <a:pPr algn="ctr"/>
+                      <a:r>
+                        <a:rPr kumimoji="1" lang="ja-JP" altLang="en-US" sz="2800" dirty="0" smtClean="0"/>
+                        <a:t>フェーズ</a:t>
+                      </a:r>
+                      <a:r>
+                        <a:rPr kumimoji="1" lang="en-US" altLang="ja-JP" sz="2800" dirty="0" smtClean="0"/>
+                        <a:t>5</a:t>
+                      </a:r>
+                    </a:p>
+                    <a:p>
+                      <a:pPr algn="ctr"/>
+                      <a:r>
+                        <a:rPr kumimoji="1" lang="ja-JP" altLang="en-US" sz="2800" dirty="0" smtClean="0"/>
+                        <a:t>（</a:t>
+                      </a:r>
+                      <a:r>
+                        <a:rPr kumimoji="1" lang="en-US" altLang="ja-JP" sz="2800" dirty="0" smtClean="0"/>
+                        <a:t>2009</a:t>
+                      </a:r>
+                      <a:r>
+                        <a:rPr kumimoji="1" lang="ja-JP" altLang="en-US" sz="2800" dirty="0" smtClean="0"/>
+                        <a:t>年度</a:t>
+                      </a:r>
+                      <a:r>
+                        <a:rPr kumimoji="1" lang="en-US" altLang="ja-JP" sz="2800" dirty="0" smtClean="0"/>
+                        <a:t/>
+                      </a:r>
+                      <a:br>
+                        <a:rPr kumimoji="1" lang="en-US" altLang="ja-JP" sz="2800" dirty="0" smtClean="0"/>
+                      </a:br>
+                      <a:r>
+                        <a:rPr kumimoji="1" lang="ja-JP" altLang="en-US" sz="2800" dirty="0" smtClean="0"/>
+                        <a:t>後期</a:t>
+                      </a:r>
+                      <a:r>
+                        <a:rPr kumimoji="1" lang="ja-JP" altLang="en-US" sz="2800" dirty="0" smtClean="0"/>
+                        <a:t>）</a:t>
+                      </a:r>
+                      <a:endParaRPr kumimoji="1" lang="ja-JP" altLang="en-US" sz="2800" dirty="0"/>
+                    </a:p>
+                  </a:txBody>
+                  <a:tcPr marL="90593" marR="90593"/>
+                </a:tc>
+                <a:tc>
+                  <a:txBody>
+                    <a:bodyPr/>
+                    <a:lstStyle/>
+                    <a:p>
+                      <a:pPr>
+                        <a:buFont typeface="Wingdings" pitchFamily="2" charset="2"/>
+                        <a:buChar char="l"/>
+                      </a:pPr>
+                      <a:r>
+                        <a:rPr kumimoji="1" lang="ja-JP" altLang="en-US" sz="2800" dirty="0" smtClean="0"/>
+                        <a:t>可視化ルールモジュール</a:t>
+                      </a:r>
+                      <a:r>
+                        <a:rPr kumimoji="1" lang="ja-JP" altLang="en-US" sz="2800" dirty="0" smtClean="0"/>
+                        <a:t>の</a:t>
+                      </a:r>
+                      <a:r>
+                        <a:rPr kumimoji="1" lang="en-US" altLang="ja-JP" sz="2800" dirty="0" smtClean="0"/>
+                        <a:t/>
+                      </a:r>
+                      <a:br>
+                        <a:rPr kumimoji="1" lang="en-US" altLang="ja-JP" sz="2800" dirty="0" smtClean="0"/>
+                      </a:br>
+                      <a:r>
+                        <a:rPr kumimoji="1" lang="ja-JP" altLang="en-US" sz="2800" dirty="0" smtClean="0"/>
+                        <a:t>　リファクタリング</a:t>
+                      </a:r>
+                      <a:endParaRPr kumimoji="1" lang="en-US" altLang="ja-JP" sz="2800" dirty="0" smtClean="0"/>
+                    </a:p>
+                    <a:p>
+                      <a:pPr lvl="1">
+                        <a:buFont typeface="Wingdings" pitchFamily="2" charset="2"/>
+                        <a:buChar char="l"/>
+                      </a:pPr>
+                      <a:r>
+                        <a:rPr kumimoji="1" lang="ja-JP" altLang="en-US" sz="2800" dirty="0" smtClean="0"/>
+                        <a:t>現在の構造は拡張にむかない</a:t>
+                      </a:r>
+                      <a:endParaRPr kumimoji="1" lang="en-US" altLang="ja-JP" sz="2800" dirty="0" smtClean="0"/>
+                    </a:p>
+                    <a:p>
+                      <a:pPr>
+                        <a:buFont typeface="Wingdings" pitchFamily="2" charset="2"/>
+                        <a:buChar char="l"/>
+                      </a:pPr>
+                      <a:r>
+                        <a:rPr kumimoji="1" lang="ja-JP" altLang="en-US" sz="2800" dirty="0" smtClean="0"/>
+                        <a:t>可視化ルールの拡張</a:t>
+                      </a:r>
+                      <a:endParaRPr kumimoji="1" lang="ja-JP" altLang="en-US" sz="2800" dirty="0"/>
+                    </a:p>
+                  </a:txBody>
+                  <a:tcPr marL="90593" marR="90593"/>
+                </a:tc>
+              </a:tr>
+            </a:tbl>
+          </a:graphicData>
+        </a:graphic>
+      </p:graphicFrame>
+    </p:spTree>
+  </p:cSld>
+  <p:clrMapOvr>
+    <a:masterClrMapping/>
+  </p:clrMapOvr>
+  <p:timing>
+    <p:tnLst>
+      <p:par>
+        <p:cTn id="1" dur="indefinite" restart="never" nodeType="tmRoot"/>
+      </p:par>
+    </p:tnLst>
+  </p:timing>
+</p:sld>
+</file>
+
+<file path=ppt/slides/slide11.xml><?xml version="1.0" encoding="utf-8"?>
+<p:sld xmlns:a="http://schemas.openxmlformats.org/drawingml/2006/main" xmlns:r="http://schemas.openxmlformats.org/officeDocument/2006/relationships" xmlns:p="http://schemas.openxmlformats.org/presentationml/2006/main">
+  <p:cSld>
+    <p:spTree>
+      <p:nvGrpSpPr>
+        <p:cNvPr id="1" name=""/>
+        <p:cNvGrpSpPr/>
+        <p:nvPr/>
+      </p:nvGrpSpPr>
+      <p:grpSpPr>
+        <a:xfrm>
+          <a:off x="0" y="0"/>
+          <a:ext cx="0" cy="0"/>
+          <a:chOff x="0" y="0"/>
+          <a:chExt cx="0" cy="0"/>
+        </a:xfrm>
+      </p:grpSpPr>
+      <p:sp>
+        <p:nvSpPr>
+          <p:cNvPr id="2" name="タイトル 1"/>
+          <p:cNvSpPr>
+            <a:spLocks noGrp="1"/>
+          </p:cNvSpPr>
+          <p:nvPr>
+            <p:ph type="title"/>
+          </p:nvPr>
+        </p:nvSpPr>
+        <p:spPr/>
+        <p:txBody>
+          <a:bodyPr/>
+          <a:lstStyle/>
+          <a:p>
+            <a:r>
+              <a:rPr kumimoji="1" lang="ja-JP" altLang="en-US" dirty="0" smtClean="0"/>
+              <a:t>まとめ</a:t>
+            </a:r>
+            <a:endParaRPr kumimoji="1" lang="ja-JP" altLang="en-US" dirty="0"/>
+          </a:p>
+        </p:txBody>
+      </p:sp>
+      <p:sp>
+        <p:nvSpPr>
+          <p:cNvPr id="4" name="スライド番号プレースホルダ 3"/>
+          <p:cNvSpPr>
+            <a:spLocks noGrp="1"/>
+          </p:cNvSpPr>
+          <p:nvPr>
+            <p:ph type="sldNum" sz="quarter" idx="12"/>
+          </p:nvPr>
+        </p:nvSpPr>
+        <p:spPr/>
+        <p:txBody>
+          <a:bodyPr>
+            <a:normAutofit fontScale="85000" lnSpcReduction="20000"/>
+          </a:bodyPr>
+          <a:lstStyle/>
+          <a:p>
+            <a:fld id="{A67DFC8C-1F5E-4254-A57A-68887A1C3919}" type="slidenum">
+              <a:rPr lang="ja-JP" altLang="en-US" smtClean="0"/>
+              <a:pPr/>
+              <a:t>11</a:t>
+            </a:fld>
+            <a:endParaRPr lang="ja-JP" altLang="en-US"/>
+          </a:p>
+        </p:txBody>
+      </p:sp>
+      <p:sp>
+        <p:nvSpPr>
+          <p:cNvPr id="3" name="コンテンツ プレースホルダ 2"/>
+          <p:cNvSpPr>
+            <a:spLocks noGrp="1"/>
+          </p:cNvSpPr>
+          <p:nvPr>
+            <p:ph sz="quarter" idx="1"/>
+          </p:nvPr>
+        </p:nvSpPr>
+        <p:spPr/>
+        <p:txBody>
+          <a:bodyPr/>
+          <a:lstStyle/>
+          <a:p>
+            <a:r>
+              <a:rPr kumimoji="1" lang="ja-JP" altLang="en-US" dirty="0" smtClean="0"/>
+              <a:t>マルチコア環境でのデバッグには、トレースログの可視化が必要</a:t>
+            </a:r>
+            <a:endParaRPr kumimoji="1" lang="en-US" altLang="ja-JP" dirty="0" smtClean="0"/>
+          </a:p>
+          <a:p>
+            <a:pPr lvl="1"/>
+            <a:r>
+              <a:rPr lang="ja-JP" altLang="en-US" dirty="0" smtClean="0"/>
+              <a:t>本</a:t>
+            </a:r>
+            <a:r>
+              <a:rPr lang="en-US" altLang="ja-JP" dirty="0" smtClean="0"/>
+              <a:t>OJL</a:t>
+            </a:r>
+            <a:r>
+              <a:rPr lang="ja-JP" altLang="en-US" dirty="0" smtClean="0"/>
+              <a:t>は可視化ツールの開発が目的</a:t>
+            </a:r>
+            <a:endParaRPr lang="en-US" altLang="ja-JP" dirty="0" smtClean="0"/>
+          </a:p>
+          <a:p>
+            <a:pPr lvl="1"/>
+            <a:r>
+              <a:rPr kumimoji="1" lang="ja-JP" altLang="en-US" dirty="0" smtClean="0"/>
+              <a:t>フェーズ分割して実施</a:t>
+            </a:r>
+            <a:endParaRPr kumimoji="1" lang="en-US" altLang="ja-JP" dirty="0" smtClean="0"/>
+          </a:p>
+          <a:p>
+            <a:r>
+              <a:rPr kumimoji="1" lang="en-US" altLang="ja-JP" dirty="0" smtClean="0"/>
+              <a:t>2008</a:t>
+            </a:r>
+            <a:r>
+              <a:rPr kumimoji="1" lang="ja-JP" altLang="en-US" dirty="0" smtClean="0"/>
+              <a:t>年度</a:t>
+            </a:r>
+            <a:r>
+              <a:rPr kumimoji="1" lang="ja-JP" altLang="en-US" dirty="0" smtClean="0"/>
+              <a:t>後期</a:t>
+            </a:r>
+            <a:r>
+              <a:rPr kumimoji="1" lang="en-US" altLang="ja-JP" dirty="0" smtClean="0"/>
+              <a:t/>
+            </a:r>
+            <a:br>
+              <a:rPr kumimoji="1" lang="en-US" altLang="ja-JP" dirty="0" smtClean="0"/>
+            </a:br>
+            <a:r>
+              <a:rPr kumimoji="1" lang="ja-JP" altLang="en-US" dirty="0" smtClean="0"/>
+              <a:t>テスト</a:t>
+            </a:r>
+            <a:r>
+              <a:rPr kumimoji="1" lang="ja-JP" altLang="en-US" dirty="0" smtClean="0"/>
+              <a:t>と機能拡張のための要件定義を実施</a:t>
+            </a:r>
+            <a:endParaRPr kumimoji="1" lang="en-US" altLang="ja-JP" dirty="0" smtClean="0"/>
+          </a:p>
+          <a:p>
+            <a:r>
+              <a:rPr lang="en-US" altLang="ja-JP" dirty="0" smtClean="0"/>
+              <a:t>2009</a:t>
+            </a:r>
+            <a:r>
+              <a:rPr lang="ja-JP" altLang="en-US" dirty="0" smtClean="0"/>
+              <a:t>年度</a:t>
+            </a:r>
+            <a:r>
+              <a:rPr lang="en-US" altLang="ja-JP" dirty="0" smtClean="0"/>
+              <a:t/>
+            </a:r>
+            <a:br>
+              <a:rPr lang="en-US" altLang="ja-JP" dirty="0" smtClean="0"/>
+            </a:br>
+            <a:r>
+              <a:rPr lang="ja-JP" altLang="en-US" dirty="0" smtClean="0"/>
+              <a:t>機能</a:t>
+            </a:r>
+            <a:r>
+              <a:rPr lang="ja-JP" altLang="en-US" dirty="0" smtClean="0"/>
+              <a:t>拡張と正式版リリースを目指す</a:t>
+            </a:r>
+            <a:endParaRPr kumimoji="1" lang="ja-JP" altLang="en-US" dirty="0"/>
+          </a:p>
+        </p:txBody>
+      </p:sp>
+    </p:spTree>
+  </p:cSld>
+  <p:clrMapOvr>
+    <a:masterClrMapping/>
+  </p:clrMapOvr>
+  <p:timing>
+    <p:tnLst>
+      <p:par>
+        <p:cTn id="1" dur="indefinite" restart="never" nodeType="tmRoot"/>
+      </p:par>
+    </p:tnLst>
+  </p:timing>
+</p:sld>
+</file>
+
 <file path=ppt/slides/slide2.xml><?xml version="1.0" encoding="utf-8"?>
 <p:sld xmlns:a="http://schemas.openxmlformats.org/drawingml/2006/main" xmlns:r="http://schemas.openxmlformats.org/officeDocument/2006/relationships" xmlns:p="http://schemas.openxmlformats.org/presentationml/2006/main">
   <p:cSld>
@@ -8151,10 +8662,85 @@
         </p:nvSpPr>
         <p:spPr/>
         <p:txBody>
-          <a:bodyPr/>
+          <a:bodyPr>
+            <a:normAutofit/>
+          </a:bodyPr>
           <a:lstStyle/>
           <a:p>
-            <a:endParaRPr kumimoji="1" lang="ja-JP" altLang="en-US"/>
+            <a:r>
+              <a:rPr kumimoji="1" lang="en-US" altLang="ja-JP" dirty="0" smtClean="0"/>
+              <a:t>TLV</a:t>
+            </a:r>
+            <a:r>
+              <a:rPr lang="ja-JP" altLang="en-US" dirty="0" smtClean="0"/>
+              <a:t>は機能拡張を続行</a:t>
+            </a:r>
+            <a:endParaRPr lang="en-US" altLang="ja-JP" dirty="0" smtClean="0"/>
+          </a:p>
+          <a:p>
+            <a:pPr lvl="1"/>
+            <a:r>
+              <a:rPr lang="ja-JP" altLang="en-US" dirty="0" smtClean="0"/>
+              <a:t>どんな要求</a:t>
+            </a:r>
+            <a:r>
+              <a:rPr lang="ja-JP" altLang="en-US" dirty="0" smtClean="0"/>
+              <a:t>が</a:t>
+            </a:r>
+            <a:r>
+              <a:rPr lang="ja-JP" altLang="en-US" dirty="0" smtClean="0"/>
+              <a:t>考えられる</a:t>
+            </a:r>
+            <a:r>
+              <a:rPr lang="ja-JP" altLang="en-US" dirty="0" smtClean="0"/>
+              <a:t>か？</a:t>
+            </a:r>
+            <a:endParaRPr lang="en-US" altLang="ja-JP" dirty="0" smtClean="0"/>
+          </a:p>
+          <a:p>
+            <a:pPr lvl="1"/>
+            <a:r>
+              <a:rPr kumimoji="1" lang="ja-JP" altLang="en-US" dirty="0" smtClean="0"/>
+              <a:t>要求の実現にあたり問題点があるか？</a:t>
+            </a:r>
+            <a:endParaRPr kumimoji="1" lang="en-US" altLang="ja-JP" dirty="0" smtClean="0"/>
+          </a:p>
+          <a:p>
+            <a:pPr lvl="1"/>
+            <a:r>
+              <a:rPr kumimoji="1" lang="en-US" altLang="ja-JP" dirty="0" smtClean="0">
+                <a:sym typeface="Wingdings" pitchFamily="2" charset="2"/>
+              </a:rPr>
+              <a:t></a:t>
+            </a:r>
+            <a:r>
+              <a:rPr kumimoji="1" lang="ja-JP" altLang="en-US" dirty="0" smtClean="0">
+                <a:sym typeface="Wingdings" pitchFamily="2" charset="2"/>
+              </a:rPr>
+              <a:t>プロトタイプ実装による要求抽出</a:t>
+            </a:r>
+            <a:endParaRPr kumimoji="1" lang="en-US" altLang="ja-JP" dirty="0" smtClean="0">
+              <a:sym typeface="Wingdings" pitchFamily="2" charset="2"/>
+            </a:endParaRPr>
+          </a:p>
+          <a:p>
+            <a:pPr lvl="1"/>
+            <a:endParaRPr kumimoji="1" lang="en-US" altLang="ja-JP" dirty="0" smtClean="0"/>
+          </a:p>
+          <a:p>
+            <a:r>
+              <a:rPr lang="ja-JP" altLang="en-US" dirty="0" smtClean="0"/>
+              <a:t>代表的な要求：</a:t>
+            </a:r>
+            <a:r>
+              <a:rPr lang="en-US" altLang="ja-JP" dirty="0" smtClean="0"/>
+              <a:t>CPU</a:t>
+            </a:r>
+            <a:r>
+              <a:rPr lang="ja-JP" altLang="en-US" dirty="0" smtClean="0"/>
+              <a:t>ごとのタスク表示</a:t>
+            </a:r>
+            <a:endParaRPr kumimoji="1" lang="ja-JP" altLang="en-US" dirty="0"/>
           </a:p>
         </p:txBody>
       </p:sp>
@@ -8182,11 +8768,48 @@
           </a:p>
         </p:txBody>
       </p:sp>
+      <p:cxnSp>
+        <p:nvCxnSpPr>
+          <p:cNvPr id="7" name="直線コネクタ 6"/>
+          <p:cNvCxnSpPr/>
+          <p:nvPr/>
+        </p:nvCxnSpPr>
+        <p:spPr>
+          <a:xfrm>
+            <a:off x="1357290" y="3643314"/>
+            <a:ext cx="5143536" cy="1588"/>
+          </a:xfrm>
+          <a:prstGeom prst="line">
+            <a:avLst/>
+          </a:prstGeom>
+        </p:spPr>
+        <p:style>
+          <a:lnRef idx="3">
+            <a:schemeClr val="accent2"/>
+          </a:lnRef>
+          <a:fillRef idx="0">
+            <a:schemeClr val="accent2"/>
+          </a:fillRef>
+          <a:effectRef idx="2">
+            <a:schemeClr val="accent2"/>
+          </a:effectRef>
+          <a:fontRef idx="minor">
+            <a:schemeClr val="tx1"/>
+          </a:fontRef>
+        </p:style>
+      </p:cxnSp>
     </p:spTree>
   </p:cSld>
   <p:clrMapOvr>
     <a:masterClrMapping/>
   </p:clrMapOvr>
+  <p:timing>
+    <p:tnLst>
+      <p:par>
+        <p:cTn id="1" dur="indefinite" restart="never" nodeType="tmRoot"/>
+      </p:par>
+    </p:tnLst>
+  </p:timing>
 </p:sld>
 </file>
 
@@ -8249,37 +8872,21 @@
           <a:p>
             <a:r>
               <a:rPr kumimoji="1" lang="ja-JP" altLang="en-US" dirty="0" smtClean="0"/>
-              <a:t>タスク</a:t>
-            </a:r>
+              <a:t>タスクのマイグレートをわかりやすく表示</a:t>
+            </a:r>
+            <a:endParaRPr kumimoji="1" lang="en-US" altLang="ja-JP" dirty="0" smtClean="0"/>
+          </a:p>
+          <a:p>
+            <a:r>
+              <a:rPr lang="ja-JP" altLang="en-US" dirty="0" smtClean="0"/>
+              <a:t>負荷分散がちゃんとできているか確認</a:t>
+            </a:r>
+            <a:endParaRPr kumimoji="1" lang="en-US" altLang="ja-JP" dirty="0" smtClean="0"/>
+          </a:p>
+          <a:p>
             <a:r>
               <a:rPr kumimoji="1" lang="ja-JP" altLang="en-US" dirty="0" smtClean="0"/>
-              <a:t>のマイグレートをわかりやすく</a:t>
-            </a:r>
-            <a:r>
-              <a:rPr kumimoji="1" lang="ja-JP" altLang="en-US" dirty="0" smtClean="0"/>
-              <a:t>表示</a:t>
-            </a:r>
-            <a:endParaRPr kumimoji="1" lang="en-US" altLang="ja-JP" dirty="0" smtClean="0"/>
-          </a:p>
-          <a:p>
-            <a:r>
-              <a:rPr lang="ja-JP" altLang="en-US" dirty="0" smtClean="0"/>
-              <a:t>負荷</a:t>
-            </a:r>
-            <a:r>
-              <a:rPr lang="ja-JP" altLang="en-US" dirty="0" smtClean="0"/>
-              <a:t>分散がちゃんとできているか確認</a:t>
-            </a:r>
-            <a:endParaRPr kumimoji="1" lang="en-US" altLang="ja-JP" dirty="0" smtClean="0"/>
-          </a:p>
-          <a:p>
-            <a:r>
-              <a:rPr kumimoji="1" lang="ja-JP" altLang="en-US" dirty="0" smtClean="0"/>
-              <a:t>現在</a:t>
-            </a:r>
-            <a:r>
-              <a:rPr kumimoji="1" lang="ja-JP" altLang="en-US" dirty="0" smtClean="0"/>
-              <a:t>の表示方法</a:t>
+              <a:t>現在の表示方法</a:t>
             </a:r>
             <a:endParaRPr kumimoji="1" lang="en-US" altLang="ja-JP" dirty="0" smtClean="0"/>
           </a:p>
@@ -9781,6 +10388,1922 @@
           <a:lstStyle/>
           <a:p>
             <a:r>
+              <a:rPr lang="en-US" altLang="ja-JP" dirty="0" smtClean="0"/>
+              <a:t>TLV</a:t>
+            </a:r>
+            <a:r>
+              <a:rPr lang="ja-JP" altLang="en-US" dirty="0" smtClean="0"/>
+              <a:t>概要図</a:t>
+            </a:r>
+            <a:endParaRPr kumimoji="1" lang="ja-JP" altLang="en-US" dirty="0"/>
+          </a:p>
+        </p:txBody>
+      </p:sp>
+      <p:sp>
+        <p:nvSpPr>
+          <p:cNvPr id="4" name="スライド番号プレースホルダ 3"/>
+          <p:cNvSpPr>
+            <a:spLocks noGrp="1"/>
+          </p:cNvSpPr>
+          <p:nvPr>
+            <p:ph type="sldNum" sz="quarter" idx="12"/>
+          </p:nvPr>
+        </p:nvSpPr>
+        <p:spPr/>
+        <p:txBody>
+          <a:bodyPr/>
+          <a:lstStyle/>
+          <a:p>
+            <a:fld id="{A67DFC8C-1F5E-4254-A57A-68887A1C3919}" type="slidenum">
+              <a:rPr lang="ja-JP" altLang="en-US" smtClean="0"/>
+              <a:pPr/>
+              <a:t>5</a:t>
+            </a:fld>
+            <a:endParaRPr lang="ja-JP" altLang="en-US"/>
+          </a:p>
+        </p:txBody>
+      </p:sp>
+      <p:grpSp>
+        <p:nvGrpSpPr>
+          <p:cNvPr id="117" name="グループ化 116"/>
+          <p:cNvGrpSpPr/>
+          <p:nvPr/>
+        </p:nvGrpSpPr>
+        <p:grpSpPr>
+          <a:xfrm>
+            <a:off x="1624017" y="1447800"/>
+            <a:ext cx="5966725" cy="5192730"/>
+            <a:chOff x="1624017" y="1447800"/>
+            <a:chExt cx="5966725" cy="5192730"/>
+          </a:xfrm>
+        </p:grpSpPr>
+        <p:grpSp>
+          <p:nvGrpSpPr>
+            <p:cNvPr id="53" name="グループ化 52"/>
+            <p:cNvGrpSpPr/>
+            <p:nvPr/>
+          </p:nvGrpSpPr>
+          <p:grpSpPr>
+            <a:xfrm>
+              <a:off x="1624018" y="5643578"/>
+              <a:ext cx="2162164" cy="711200"/>
+              <a:chOff x="838200" y="5970606"/>
+              <a:chExt cx="1524000" cy="711200"/>
+            </a:xfrm>
+          </p:grpSpPr>
+          <p:sp>
+            <p:nvSpPr>
+              <p:cNvPr id="19" name="AutoShape 15"/>
+              <p:cNvSpPr>
+                <a:spLocks noChangeArrowheads="1"/>
+              </p:cNvSpPr>
+              <p:nvPr/>
+            </p:nvSpPr>
+            <p:spPr bwMode="auto">
+              <a:xfrm>
+                <a:off x="838200" y="5970606"/>
+                <a:ext cx="1524000" cy="711200"/>
+              </a:xfrm>
+              <a:prstGeom prst="roundRect">
+                <a:avLst>
+                  <a:gd name="adj" fmla="val 11574"/>
+                </a:avLst>
+              </a:prstGeom>
+              <a:ln>
+                <a:headEnd/>
+                <a:tailEnd/>
+              </a:ln>
+            </p:spPr>
+            <p:style>
+              <a:lnRef idx="1">
+                <a:schemeClr val="accent4"/>
+              </a:lnRef>
+              <a:fillRef idx="2">
+                <a:schemeClr val="accent4"/>
+              </a:fillRef>
+              <a:effectRef idx="1">
+                <a:schemeClr val="accent4"/>
+              </a:effectRef>
+              <a:fontRef idx="minor">
+                <a:schemeClr val="dk1"/>
+              </a:fontRef>
+            </p:style>
+            <p:txBody>
+              <a:bodyPr wrap="none" lIns="90000" tIns="46800" rIns="90000" bIns="46800" anchor="ctr"/>
+              <a:lstStyle/>
+              <a:p>
+                <a:pPr algn="ctr">
+                  <a:buClrTx/>
+                  <a:buFontTx/>
+                  <a:buNone/>
+                </a:pPr>
+                <a:endParaRPr lang="ja-JP" altLang="ja-JP" sz="2000">
+                  <a:solidFill>
+                    <a:srgbClr val="FF0000"/>
+                  </a:solidFill>
+                </a:endParaRPr>
+              </a:p>
+            </p:txBody>
+          </p:sp>
+          <p:sp>
+            <p:nvSpPr>
+              <p:cNvPr id="38" name="Rectangle 39"/>
+              <p:cNvSpPr>
+                <a:spLocks noChangeArrowheads="1"/>
+              </p:cNvSpPr>
+              <p:nvPr/>
+            </p:nvSpPr>
+            <p:spPr bwMode="auto">
+              <a:xfrm>
+                <a:off x="1905000" y="5996006"/>
+                <a:ext cx="457200" cy="457200"/>
+              </a:xfrm>
+              <a:prstGeom prst="rect">
+                <a:avLst/>
+              </a:prstGeom>
+              <a:noFill/>
+              <a:ln w="9525" algn="ctr">
+                <a:noFill/>
+                <a:miter lim="800000"/>
+                <a:headEnd/>
+                <a:tailEnd/>
+              </a:ln>
+              <a:effectLst/>
+            </p:spPr>
+            <p:txBody>
+              <a:bodyPr wrap="none" anchor="ctr"/>
+              <a:lstStyle/>
+              <a:p>
+                <a:endParaRPr lang="ja-JP" altLang="en-US" sz="2000"/>
+              </a:p>
+            </p:txBody>
+          </p:sp>
+        </p:grpSp>
+        <p:grpSp>
+          <p:nvGrpSpPr>
+            <p:cNvPr id="50" name="グループ化 49"/>
+            <p:cNvGrpSpPr/>
+            <p:nvPr/>
+          </p:nvGrpSpPr>
+          <p:grpSpPr>
+            <a:xfrm>
+              <a:off x="1624018" y="4214818"/>
+              <a:ext cx="2162164" cy="1369371"/>
+              <a:chOff x="838200" y="3606800"/>
+              <a:chExt cx="1524000" cy="965200"/>
+            </a:xfrm>
+          </p:grpSpPr>
+          <p:sp>
+            <p:nvSpPr>
+              <p:cNvPr id="9" name="AutoShape 4"/>
+              <p:cNvSpPr>
+                <a:spLocks noChangeArrowheads="1"/>
+              </p:cNvSpPr>
+              <p:nvPr/>
+            </p:nvSpPr>
+            <p:spPr bwMode="auto">
+              <a:xfrm>
+                <a:off x="838200" y="3606800"/>
+                <a:ext cx="1524000" cy="914400"/>
+              </a:xfrm>
+              <a:prstGeom prst="roundRect">
+                <a:avLst>
+                  <a:gd name="adj" fmla="val 11574"/>
+                </a:avLst>
+              </a:prstGeom>
+              <a:ln>
+                <a:headEnd/>
+                <a:tailEnd/>
+              </a:ln>
+            </p:spPr>
+            <p:style>
+              <a:lnRef idx="1">
+                <a:schemeClr val="accent3"/>
+              </a:lnRef>
+              <a:fillRef idx="2">
+                <a:schemeClr val="accent3"/>
+              </a:fillRef>
+              <a:effectRef idx="1">
+                <a:schemeClr val="accent3"/>
+              </a:effectRef>
+              <a:fontRef idx="minor">
+                <a:schemeClr val="dk1"/>
+              </a:fontRef>
+            </p:style>
+            <p:txBody>
+              <a:bodyPr wrap="none" lIns="90000" tIns="46800" rIns="90000" bIns="46800" anchor="ctr"/>
+              <a:lstStyle/>
+              <a:p>
+                <a:pPr algn="ctr">
+                  <a:buClrTx/>
+                  <a:buFontTx/>
+                  <a:buNone/>
+                </a:pPr>
+                <a:endParaRPr lang="ja-JP" altLang="ja-JP" sz="2000">
+                  <a:solidFill>
+                    <a:schemeClr val="bg1"/>
+                  </a:solidFill>
+                </a:endParaRPr>
+              </a:p>
+            </p:txBody>
+          </p:sp>
+          <p:sp>
+            <p:nvSpPr>
+              <p:cNvPr id="39" name="Rectangle 40"/>
+              <p:cNvSpPr>
+                <a:spLocks noChangeArrowheads="1"/>
+              </p:cNvSpPr>
+              <p:nvPr/>
+            </p:nvSpPr>
+            <p:spPr bwMode="auto">
+              <a:xfrm>
+                <a:off x="1905000" y="4114800"/>
+                <a:ext cx="457200" cy="457200"/>
+              </a:xfrm>
+              <a:prstGeom prst="rect">
+                <a:avLst/>
+              </a:prstGeom>
+              <a:noFill/>
+              <a:ln w="9525" algn="ctr">
+                <a:noFill/>
+                <a:miter lim="800000"/>
+                <a:headEnd/>
+                <a:tailEnd/>
+              </a:ln>
+              <a:effectLst/>
+            </p:spPr>
+            <p:txBody>
+              <a:bodyPr wrap="none" anchor="ctr"/>
+              <a:lstStyle/>
+              <a:p>
+                <a:endParaRPr lang="ja-JP" altLang="en-US" sz="2000"/>
+              </a:p>
+            </p:txBody>
+          </p:sp>
+        </p:grpSp>
+        <p:grpSp>
+          <p:nvGrpSpPr>
+            <p:cNvPr id="49" name="グループ化 48"/>
+            <p:cNvGrpSpPr/>
+            <p:nvPr/>
+          </p:nvGrpSpPr>
+          <p:grpSpPr>
+            <a:xfrm>
+              <a:off x="1624017" y="1879600"/>
+              <a:ext cx="2155981" cy="2263780"/>
+              <a:chOff x="838200" y="1879600"/>
+              <a:chExt cx="1524000" cy="1600200"/>
+            </a:xfrm>
+          </p:grpSpPr>
+          <p:sp>
+            <p:nvSpPr>
+              <p:cNvPr id="29" name="AutoShape 27"/>
+              <p:cNvSpPr>
+                <a:spLocks noChangeArrowheads="1"/>
+              </p:cNvSpPr>
+              <p:nvPr/>
+            </p:nvSpPr>
+            <p:spPr bwMode="auto">
+              <a:xfrm>
+                <a:off x="838200" y="1879600"/>
+                <a:ext cx="1524000" cy="1600200"/>
+              </a:xfrm>
+              <a:prstGeom prst="roundRect">
+                <a:avLst>
+                  <a:gd name="adj" fmla="val 9509"/>
+                </a:avLst>
+              </a:prstGeom>
+              <a:ln>
+                <a:headEnd/>
+                <a:tailEnd/>
+              </a:ln>
+            </p:spPr>
+            <p:style>
+              <a:lnRef idx="1">
+                <a:schemeClr val="accent1"/>
+              </a:lnRef>
+              <a:fillRef idx="2">
+                <a:schemeClr val="accent1"/>
+              </a:fillRef>
+              <a:effectRef idx="1">
+                <a:schemeClr val="accent1"/>
+              </a:effectRef>
+              <a:fontRef idx="minor">
+                <a:schemeClr val="dk1"/>
+              </a:fontRef>
+            </p:style>
+            <p:txBody>
+              <a:bodyPr wrap="none" lIns="90000" tIns="46800" rIns="90000" bIns="46800"/>
+              <a:lstStyle/>
+              <a:p>
+                <a:pPr algn="ctr">
+                  <a:buClrTx/>
+                  <a:buFontTx/>
+                  <a:buNone/>
+                </a:pPr>
+                <a:endParaRPr lang="ja-JP" altLang="ja-JP" sz="2000">
+                  <a:solidFill>
+                    <a:srgbClr val="FF0000"/>
+                  </a:solidFill>
+                </a:endParaRPr>
+              </a:p>
+            </p:txBody>
+          </p:sp>
+          <p:sp>
+            <p:nvSpPr>
+              <p:cNvPr id="32" name="Rectangle 30"/>
+              <p:cNvSpPr>
+                <a:spLocks noChangeArrowheads="1"/>
+              </p:cNvSpPr>
+              <p:nvPr/>
+            </p:nvSpPr>
+            <p:spPr bwMode="auto">
+              <a:xfrm>
+                <a:off x="1863725" y="2743200"/>
+                <a:ext cx="498475" cy="457200"/>
+              </a:xfrm>
+              <a:prstGeom prst="rect">
+                <a:avLst/>
+              </a:prstGeom>
+              <a:noFill/>
+              <a:ln w="9525" algn="ctr">
+                <a:noFill/>
+                <a:miter lim="800000"/>
+                <a:headEnd/>
+                <a:tailEnd/>
+              </a:ln>
+              <a:effectLst/>
+            </p:spPr>
+            <p:txBody>
+              <a:bodyPr wrap="none" anchor="ctr"/>
+              <a:lstStyle/>
+              <a:p>
+                <a:endParaRPr lang="ja-JP" altLang="en-US" sz="2000"/>
+              </a:p>
+            </p:txBody>
+          </p:sp>
+        </p:grpSp>
+        <p:sp>
+          <p:nvSpPr>
+            <p:cNvPr id="6" name="AutoShape 50"/>
+            <p:cNvSpPr>
+              <a:spLocks noChangeArrowheads="1"/>
+            </p:cNvSpPr>
+            <p:nvPr/>
+          </p:nvSpPr>
+          <p:spPr bwMode="auto">
+            <a:xfrm>
+              <a:off x="4143371" y="2643182"/>
+              <a:ext cx="2812871" cy="3214710"/>
+            </a:xfrm>
+            <a:prstGeom prst="roundRect">
+              <a:avLst>
+                <a:gd name="adj" fmla="val 8940"/>
+              </a:avLst>
+            </a:prstGeom>
+            <a:gradFill rotWithShape="1">
+              <a:gsLst>
+                <a:gs pos="0">
+                  <a:srgbClr val="FFCC00"/>
+                </a:gs>
+                <a:gs pos="100000">
+                  <a:srgbClr val="FFDB43"/>
+                </a:gs>
+              </a:gsLst>
+              <a:lin ang="5400000" scaled="1"/>
+            </a:gradFill>
+            <a:ln w="38100" algn="ctr">
+              <a:solidFill>
+                <a:srgbClr val="FF9900"/>
+              </a:solidFill>
+              <a:round/>
+              <a:headEnd/>
+              <a:tailEnd/>
+            </a:ln>
+            <a:effectLst>
+              <a:outerShdw dist="35921" dir="2700000" algn="ctr" rotWithShape="0">
+                <a:schemeClr val="bg2">
+                  <a:alpha val="50000"/>
+                </a:schemeClr>
+              </a:outerShdw>
+            </a:effectLst>
+          </p:spPr>
+          <p:txBody>
+            <a:bodyPr wrap="none" lIns="90000" tIns="0" rIns="90000" bIns="10800"/>
+            <a:lstStyle/>
+            <a:p>
+              <a:pPr algn="ctr">
+                <a:buClrTx/>
+                <a:buFontTx/>
+                <a:buNone/>
+              </a:pPr>
+              <a:r>
+                <a:rPr lang="en-US" altLang="ja-JP" sz="2000" b="1" dirty="0">
+                  <a:solidFill>
+                    <a:srgbClr val="FF6600"/>
+                  </a:solidFill>
+                </a:rPr>
+                <a:t>TLV</a:t>
+              </a:r>
+            </a:p>
+          </p:txBody>
+        </p:sp>
+        <p:sp>
+          <p:nvSpPr>
+            <p:cNvPr id="10" name="AutoShape 5"/>
+            <p:cNvSpPr>
+              <a:spLocks noChangeArrowheads="1"/>
+            </p:cNvSpPr>
+            <p:nvPr/>
+          </p:nvSpPr>
+          <p:spPr bwMode="auto">
+            <a:xfrm>
+              <a:off x="1725618" y="4316418"/>
+              <a:ext cx="1917688" cy="1032601"/>
+            </a:xfrm>
+            <a:prstGeom prst="flowChartMultidocument">
+              <a:avLst/>
+            </a:prstGeom>
+            <a:solidFill>
+              <a:schemeClr val="bg1"/>
+            </a:solidFill>
+            <a:ln w="9525" algn="ctr">
+              <a:solidFill>
+                <a:schemeClr val="tx1"/>
+              </a:solidFill>
+              <a:miter lim="800000"/>
+              <a:headEnd/>
+              <a:tailEnd/>
+            </a:ln>
+            <a:effectLst>
+              <a:outerShdw dist="35921" dir="2700000" algn="ctr" rotWithShape="0">
+                <a:schemeClr val="bg2">
+                  <a:alpha val="50000"/>
+                </a:schemeClr>
+              </a:outerShdw>
+            </a:effectLst>
+          </p:spPr>
+          <p:txBody>
+            <a:bodyPr wrap="none" lIns="90000" tIns="46800" rIns="90000" bIns="46800" anchor="ctr"/>
+            <a:lstStyle/>
+            <a:p>
+              <a:pPr algn="ctr">
+                <a:spcBef>
+                  <a:spcPct val="0"/>
+                </a:spcBef>
+                <a:buClrTx/>
+                <a:buFontTx/>
+                <a:buNone/>
+              </a:pPr>
+              <a:r>
+                <a:rPr lang="ja-JP" altLang="en-US" sz="2000" dirty="0"/>
+                <a:t>可視化ルール</a:t>
+              </a:r>
+            </a:p>
+            <a:p>
+              <a:pPr algn="ctr">
+                <a:spcBef>
+                  <a:spcPct val="0"/>
+                </a:spcBef>
+                <a:buClrTx/>
+                <a:buFontTx/>
+                <a:buNone/>
+              </a:pPr>
+              <a:r>
+                <a:rPr lang="ja-JP" altLang="en-US" sz="2000" dirty="0"/>
+                <a:t>ファイル</a:t>
+              </a:r>
+            </a:p>
+          </p:txBody>
+        </p:sp>
+        <p:grpSp>
+          <p:nvGrpSpPr>
+            <p:cNvPr id="11" name="Group 44"/>
+            <p:cNvGrpSpPr>
+              <a:grpSpLocks/>
+            </p:cNvGrpSpPr>
+            <p:nvPr/>
+          </p:nvGrpSpPr>
+          <p:grpSpPr bwMode="auto">
+            <a:xfrm>
+              <a:off x="4927858" y="5929330"/>
+              <a:ext cx="1250857" cy="711200"/>
+              <a:chOff x="1862" y="3536"/>
+              <a:chExt cx="466" cy="448"/>
+            </a:xfrm>
+          </p:grpSpPr>
+          <p:pic>
+            <p:nvPicPr>
+              <p:cNvPr id="12" name="Picture 6" descr="MCj04289610000[1]"/>
+              <p:cNvPicPr>
+                <a:picLocks noChangeAspect="1" noChangeArrowheads="1"/>
+              </p:cNvPicPr>
+              <p:nvPr/>
+            </p:nvPicPr>
+            <p:blipFill>
+              <a:blip r:embed="rId2"/>
+              <a:srcRect/>
+              <a:stretch>
+                <a:fillRect/>
+              </a:stretch>
+            </p:blipFill>
+            <p:spPr bwMode="auto">
+              <a:xfrm>
+                <a:off x="1862" y="3536"/>
+                <a:ext cx="466" cy="448"/>
+              </a:xfrm>
+              <a:prstGeom prst="rect">
+                <a:avLst/>
+              </a:prstGeom>
+              <a:noFill/>
+              <a:effectLst>
+                <a:outerShdw dist="35921" dir="2700000" algn="ctr" rotWithShape="0">
+                  <a:srgbClr val="808080">
+                    <a:alpha val="50000"/>
+                  </a:srgbClr>
+                </a:outerShdw>
+              </a:effectLst>
+            </p:spPr>
+          </p:pic>
+          <p:sp>
+            <p:nvSpPr>
+              <p:cNvPr id="13" name="Rectangle 7"/>
+              <p:cNvSpPr>
+                <a:spLocks noChangeArrowheads="1"/>
+              </p:cNvSpPr>
+              <p:nvPr/>
+            </p:nvSpPr>
+            <p:spPr bwMode="auto">
+              <a:xfrm>
+                <a:off x="1889" y="3581"/>
+                <a:ext cx="266" cy="253"/>
+              </a:xfrm>
+              <a:prstGeom prst="rect">
+                <a:avLst/>
+              </a:prstGeom>
+              <a:noFill/>
+              <a:ln w="9525" algn="ctr">
+                <a:noFill/>
+                <a:miter lim="800000"/>
+                <a:headEnd/>
+                <a:tailEnd/>
+              </a:ln>
+              <a:effectLst/>
+            </p:spPr>
+            <p:txBody>
+              <a:bodyPr wrap="square" lIns="90000" tIns="46800" rIns="90000" bIns="46800">
+                <a:spAutoFit/>
+              </a:bodyPr>
+              <a:lstStyle/>
+              <a:p>
+                <a:pPr algn="ctr">
+                  <a:buClrTx/>
+                  <a:buFontTx/>
+                  <a:buNone/>
+                </a:pPr>
+                <a:r>
+                  <a:rPr lang="ja-JP" altLang="en-US" sz="2000" b="1" dirty="0">
+                    <a:solidFill>
+                      <a:schemeClr val="bg1"/>
+                    </a:solidFill>
+                  </a:rPr>
+                  <a:t>表示</a:t>
+                </a:r>
+              </a:p>
+            </p:txBody>
+          </p:sp>
+        </p:grpSp>
+        <p:sp>
+          <p:nvSpPr>
+            <p:cNvPr id="14" name="AutoShape 9"/>
+            <p:cNvSpPr>
+              <a:spLocks noChangeArrowheads="1"/>
+            </p:cNvSpPr>
+            <p:nvPr/>
+          </p:nvSpPr>
+          <p:spPr bwMode="auto">
+            <a:xfrm>
+              <a:off x="4371972" y="4500570"/>
+              <a:ext cx="2486044" cy="497209"/>
+            </a:xfrm>
+            <a:prstGeom prst="flowChartProcess">
+              <a:avLst/>
+            </a:prstGeom>
+            <a:solidFill>
+              <a:srgbClr val="CCFFFF"/>
+            </a:solidFill>
+            <a:ln w="9525" algn="ctr">
+              <a:solidFill>
+                <a:schemeClr val="tx1"/>
+              </a:solidFill>
+              <a:miter lim="800000"/>
+              <a:headEnd/>
+              <a:tailEnd/>
+            </a:ln>
+            <a:effectLst/>
+          </p:spPr>
+          <p:txBody>
+            <a:bodyPr wrap="none" lIns="90000" tIns="46800" rIns="90000" bIns="46800" anchor="ctr"/>
+            <a:lstStyle/>
+            <a:p>
+              <a:pPr algn="ctr">
+                <a:spcBef>
+                  <a:spcPct val="0"/>
+                </a:spcBef>
+                <a:buClrTx/>
+                <a:buFontTx/>
+                <a:buNone/>
+              </a:pPr>
+              <a:r>
+                <a:rPr lang="ja-JP" altLang="en-US" sz="2000" dirty="0"/>
+                <a:t>図形データ生成</a:t>
+              </a:r>
+            </a:p>
+          </p:txBody>
+        </p:sp>
+        <p:cxnSp>
+          <p:nvCxnSpPr>
+            <p:cNvPr id="15" name="AutoShape 10"/>
+            <p:cNvCxnSpPr>
+              <a:cxnSpLocks noChangeShapeType="1"/>
+            </p:cNvCxnSpPr>
+            <p:nvPr/>
+          </p:nvCxnSpPr>
+          <p:spPr bwMode="auto">
+            <a:xfrm rot="5400000">
+              <a:off x="4572794" y="2713826"/>
+              <a:ext cx="571504" cy="1588"/>
+            </a:xfrm>
+            <a:prstGeom prst="straightConnector1">
+              <a:avLst/>
+            </a:prstGeom>
+            <a:ln>
+              <a:headEnd/>
+              <a:tailEnd type="triangle" w="med" len="med"/>
+            </a:ln>
+          </p:spPr>
+          <p:style>
+            <a:lnRef idx="3">
+              <a:schemeClr val="accent1"/>
+            </a:lnRef>
+            <a:fillRef idx="0">
+              <a:schemeClr val="accent1"/>
+            </a:fillRef>
+            <a:effectRef idx="2">
+              <a:schemeClr val="accent1"/>
+            </a:effectRef>
+            <a:fontRef idx="minor">
+              <a:schemeClr val="tx1"/>
+            </a:fontRef>
+          </p:style>
+        </p:cxnSp>
+        <p:cxnSp>
+          <p:nvCxnSpPr>
+            <p:cNvPr id="16" name="AutoShape 11"/>
+            <p:cNvCxnSpPr>
+              <a:cxnSpLocks noChangeShapeType="1"/>
+            </p:cNvCxnSpPr>
+            <p:nvPr/>
+          </p:nvCxnSpPr>
+          <p:spPr bwMode="auto">
+            <a:xfrm rot="5400000">
+              <a:off x="6394066" y="2749942"/>
+              <a:ext cx="500066" cy="794"/>
+            </a:xfrm>
+            <a:prstGeom prst="straightConnector1">
+              <a:avLst/>
+            </a:prstGeom>
+            <a:ln>
+              <a:headEnd/>
+              <a:tailEnd type="triangle" w="med" len="med"/>
+            </a:ln>
+          </p:spPr>
+          <p:style>
+            <a:lnRef idx="3">
+              <a:schemeClr val="accent1"/>
+            </a:lnRef>
+            <a:fillRef idx="0">
+              <a:schemeClr val="accent1"/>
+            </a:fillRef>
+            <a:effectRef idx="2">
+              <a:schemeClr val="accent1"/>
+            </a:effectRef>
+            <a:fontRef idx="minor">
+              <a:schemeClr val="tx1"/>
+            </a:fontRef>
+          </p:style>
+        </p:cxnSp>
+        <p:cxnSp>
+          <p:nvCxnSpPr>
+            <p:cNvPr id="17" name="AutoShape 12"/>
+            <p:cNvCxnSpPr>
+              <a:cxnSpLocks noChangeShapeType="1"/>
+              <a:stCxn id="33" idx="4"/>
+              <a:endCxn id="14" idx="0"/>
+            </p:cNvCxnSpPr>
+            <p:nvPr/>
+          </p:nvCxnSpPr>
+          <p:spPr bwMode="auto">
+            <a:xfrm rot="5400000">
+              <a:off x="5512613" y="4393407"/>
+              <a:ext cx="209544" cy="4782"/>
+            </a:xfrm>
+            <a:prstGeom prst="straightConnector1">
+              <a:avLst/>
+            </a:prstGeom>
+            <a:noFill/>
+            <a:ln w="57150">
+              <a:solidFill>
+                <a:srgbClr val="333333"/>
+              </a:solidFill>
+              <a:round/>
+              <a:headEnd/>
+              <a:tailEnd type="triangle" w="med" len="med"/>
+            </a:ln>
+            <a:effectLst/>
+          </p:spPr>
+        </p:cxnSp>
+        <p:cxnSp>
+          <p:nvCxnSpPr>
+            <p:cNvPr id="18" name="AutoShape 13"/>
+            <p:cNvCxnSpPr>
+              <a:cxnSpLocks noChangeShapeType="1"/>
+            </p:cNvCxnSpPr>
+            <p:nvPr/>
+          </p:nvCxnSpPr>
+          <p:spPr bwMode="auto">
+            <a:xfrm>
+              <a:off x="3786182" y="4786322"/>
+              <a:ext cx="571504" cy="1588"/>
+            </a:xfrm>
+            <a:prstGeom prst="straightConnector1">
+              <a:avLst/>
+            </a:prstGeom>
+            <a:ln>
+              <a:headEnd/>
+              <a:tailEnd type="triangle" w="med" len="med"/>
+            </a:ln>
+          </p:spPr>
+          <p:style>
+            <a:lnRef idx="3">
+              <a:schemeClr val="accent3"/>
+            </a:lnRef>
+            <a:fillRef idx="0">
+              <a:schemeClr val="accent3"/>
+            </a:fillRef>
+            <a:effectRef idx="2">
+              <a:schemeClr val="accent3"/>
+            </a:effectRef>
+            <a:fontRef idx="minor">
+              <a:schemeClr val="tx1"/>
+            </a:fontRef>
+          </p:style>
+        </p:cxnSp>
+        <p:sp>
+          <p:nvSpPr>
+            <p:cNvPr id="20" name="AutoShape 16"/>
+            <p:cNvSpPr>
+              <a:spLocks noChangeArrowheads="1"/>
+            </p:cNvSpPr>
+            <p:nvPr/>
+          </p:nvSpPr>
+          <p:spPr bwMode="auto">
+            <a:xfrm>
+              <a:off x="1725618" y="5745178"/>
+              <a:ext cx="1917688" cy="508000"/>
+            </a:xfrm>
+            <a:prstGeom prst="flowChartDocument">
+              <a:avLst/>
+            </a:prstGeom>
+            <a:solidFill>
+              <a:schemeClr val="bg1"/>
+            </a:solidFill>
+            <a:ln w="9525" algn="ctr">
+              <a:solidFill>
+                <a:schemeClr val="tx1"/>
+              </a:solidFill>
+              <a:miter lim="800000"/>
+              <a:headEnd/>
+              <a:tailEnd/>
+            </a:ln>
+            <a:effectLst>
+              <a:outerShdw dist="35921" dir="2700000" algn="ctr" rotWithShape="0">
+                <a:schemeClr val="bg2">
+                  <a:alpha val="50000"/>
+                </a:schemeClr>
+              </a:outerShdw>
+            </a:effectLst>
+          </p:spPr>
+          <p:txBody>
+            <a:bodyPr wrap="none" lIns="90000" tIns="46800" rIns="90000" bIns="46800" anchor="ctr"/>
+            <a:lstStyle/>
+            <a:p>
+              <a:pPr algn="ctr">
+                <a:spcBef>
+                  <a:spcPct val="0"/>
+                </a:spcBef>
+                <a:buClrTx/>
+                <a:buFontTx/>
+                <a:buNone/>
+              </a:pPr>
+              <a:r>
+                <a:rPr lang="en-US" altLang="ja-JP" sz="2000" dirty="0"/>
+                <a:t>TLV</a:t>
+              </a:r>
+              <a:r>
+                <a:rPr lang="ja-JP" altLang="en-US" sz="2000" dirty="0"/>
+                <a:t>ファイル</a:t>
+              </a:r>
+            </a:p>
+          </p:txBody>
+        </p:sp>
+        <p:cxnSp>
+          <p:nvCxnSpPr>
+            <p:cNvPr id="21" name="AutoShape 17"/>
+            <p:cNvCxnSpPr>
+              <a:cxnSpLocks noChangeShapeType="1"/>
+            </p:cNvCxnSpPr>
+            <p:nvPr/>
+          </p:nvCxnSpPr>
+          <p:spPr bwMode="auto">
+            <a:xfrm>
+              <a:off x="3786182" y="5715016"/>
+              <a:ext cx="642942" cy="1588"/>
+            </a:xfrm>
+            <a:prstGeom prst="straightConnector1">
+              <a:avLst/>
+            </a:prstGeom>
+            <a:ln>
+              <a:headEnd type="triangle" w="med" len="med"/>
+              <a:tailEnd type="triangle" w="med" len="med"/>
+            </a:ln>
+          </p:spPr>
+          <p:style>
+            <a:lnRef idx="3">
+              <a:schemeClr val="accent4"/>
+            </a:lnRef>
+            <a:fillRef idx="0">
+              <a:schemeClr val="accent4"/>
+            </a:fillRef>
+            <a:effectRef idx="2">
+              <a:schemeClr val="accent4"/>
+            </a:effectRef>
+            <a:fontRef idx="minor">
+              <a:schemeClr val="tx1"/>
+            </a:fontRef>
+          </p:style>
+        </p:cxnSp>
+        <p:sp>
+          <p:nvSpPr>
+            <p:cNvPr id="23" name="AutoShape 19"/>
+            <p:cNvSpPr>
+              <a:spLocks noChangeArrowheads="1"/>
+            </p:cNvSpPr>
+            <p:nvPr/>
+          </p:nvSpPr>
+          <p:spPr bwMode="auto">
+            <a:xfrm>
+              <a:off x="4362447" y="3024181"/>
+              <a:ext cx="2495569" cy="497043"/>
+            </a:xfrm>
+            <a:prstGeom prst="flowChartProcess">
+              <a:avLst/>
+            </a:prstGeom>
+            <a:solidFill>
+              <a:srgbClr val="CCFFFF"/>
+            </a:solidFill>
+            <a:ln w="9525" algn="ctr">
+              <a:solidFill>
+                <a:schemeClr val="tx1"/>
+              </a:solidFill>
+              <a:miter lim="800000"/>
+              <a:headEnd/>
+              <a:tailEnd/>
+            </a:ln>
+            <a:effectLst/>
+          </p:spPr>
+          <p:txBody>
+            <a:bodyPr wrap="none" lIns="90000" tIns="46800" rIns="90000" bIns="46800" anchor="ctr"/>
+            <a:lstStyle/>
+            <a:p>
+              <a:pPr algn="ctr">
+                <a:spcBef>
+                  <a:spcPct val="0"/>
+                </a:spcBef>
+                <a:buClrTx/>
+                <a:buFontTx/>
+                <a:buNone/>
+              </a:pPr>
+              <a:r>
+                <a:rPr lang="ja-JP" altLang="en-US" sz="2000" dirty="0"/>
+                <a:t>標準形式変換</a:t>
+              </a:r>
+            </a:p>
+          </p:txBody>
+        </p:sp>
+        <p:cxnSp>
+          <p:nvCxnSpPr>
+            <p:cNvPr id="24" name="AutoShape 20"/>
+            <p:cNvCxnSpPr>
+              <a:cxnSpLocks noChangeShapeType="1"/>
+            </p:cNvCxnSpPr>
+            <p:nvPr/>
+          </p:nvCxnSpPr>
+          <p:spPr bwMode="auto">
+            <a:xfrm>
+              <a:off x="3786182" y="3286124"/>
+              <a:ext cx="571504" cy="1588"/>
+            </a:xfrm>
+            <a:prstGeom prst="straightConnector1">
+              <a:avLst/>
+            </a:prstGeom>
+            <a:ln>
+              <a:headEnd/>
+              <a:tailEnd type="triangle" w="med" len="med"/>
+            </a:ln>
+          </p:spPr>
+          <p:style>
+            <a:lnRef idx="3">
+              <a:schemeClr val="accent1"/>
+            </a:lnRef>
+            <a:fillRef idx="0">
+              <a:schemeClr val="accent1"/>
+            </a:fillRef>
+            <a:effectRef idx="2">
+              <a:schemeClr val="accent1"/>
+            </a:effectRef>
+            <a:fontRef idx="minor">
+              <a:schemeClr val="tx1"/>
+            </a:fontRef>
+          </p:style>
+        </p:cxnSp>
+        <p:sp>
+          <p:nvSpPr>
+            <p:cNvPr id="25" name="AutoShape 21"/>
+            <p:cNvSpPr>
+              <a:spLocks noChangeArrowheads="1"/>
+            </p:cNvSpPr>
+            <p:nvPr/>
+          </p:nvSpPr>
+          <p:spPr bwMode="auto">
+            <a:xfrm>
+              <a:off x="5786446" y="1447800"/>
+              <a:ext cx="1804296" cy="1052506"/>
+            </a:xfrm>
+            <a:prstGeom prst="roundRect">
+              <a:avLst>
+                <a:gd name="adj" fmla="val 16667"/>
+              </a:avLst>
+            </a:prstGeom>
+            <a:ln>
+              <a:headEnd/>
+              <a:tailEnd/>
+            </a:ln>
+          </p:spPr>
+          <p:style>
+            <a:lnRef idx="1">
+              <a:schemeClr val="accent1"/>
+            </a:lnRef>
+            <a:fillRef idx="2">
+              <a:schemeClr val="accent1"/>
+            </a:fillRef>
+            <a:effectRef idx="1">
+              <a:schemeClr val="accent1"/>
+            </a:effectRef>
+            <a:fontRef idx="minor">
+              <a:schemeClr val="dk1"/>
+            </a:fontRef>
+          </p:style>
+          <p:txBody>
+            <a:bodyPr wrap="none" lIns="90000" tIns="46800" rIns="90000" bIns="46800" anchor="ctr"/>
+            <a:lstStyle/>
+            <a:p>
+              <a:pPr algn="ctr">
+                <a:buClrTx/>
+                <a:buFontTx/>
+                <a:buNone/>
+              </a:pPr>
+              <a:endParaRPr lang="ja-JP" altLang="ja-JP" sz="2000">
+                <a:solidFill>
+                  <a:srgbClr val="FF0000"/>
+                </a:solidFill>
+              </a:endParaRPr>
+            </a:p>
+          </p:txBody>
+        </p:sp>
+        <p:sp>
+          <p:nvSpPr>
+            <p:cNvPr id="26" name="AutoShape 22"/>
+            <p:cNvSpPr>
+              <a:spLocks noChangeArrowheads="1"/>
+            </p:cNvSpPr>
+            <p:nvPr/>
+          </p:nvSpPr>
+          <p:spPr bwMode="auto">
+            <a:xfrm>
+              <a:off x="3923364" y="1447800"/>
+              <a:ext cx="1762139" cy="1018630"/>
+            </a:xfrm>
+            <a:prstGeom prst="roundRect">
+              <a:avLst>
+                <a:gd name="adj" fmla="val 16667"/>
+              </a:avLst>
+            </a:prstGeom>
+            <a:ln>
+              <a:headEnd/>
+              <a:tailEnd/>
+            </a:ln>
+          </p:spPr>
+          <p:style>
+            <a:lnRef idx="1">
+              <a:schemeClr val="accent1"/>
+            </a:lnRef>
+            <a:fillRef idx="2">
+              <a:schemeClr val="accent1"/>
+            </a:fillRef>
+            <a:effectRef idx="1">
+              <a:schemeClr val="accent1"/>
+            </a:effectRef>
+            <a:fontRef idx="minor">
+              <a:schemeClr val="dk1"/>
+            </a:fontRef>
+          </p:style>
+          <p:txBody>
+            <a:bodyPr wrap="none" lIns="90000" tIns="46800" rIns="90000" bIns="46800" anchor="ctr"/>
+            <a:lstStyle/>
+            <a:p>
+              <a:pPr algn="ctr">
+                <a:buClrTx/>
+                <a:buFontTx/>
+                <a:buNone/>
+              </a:pPr>
+              <a:endParaRPr lang="ja-JP" altLang="ja-JP" sz="2000">
+                <a:solidFill>
+                  <a:srgbClr val="FF0000"/>
+                </a:solidFill>
+              </a:endParaRPr>
+            </a:p>
+          </p:txBody>
+        </p:sp>
+        <p:sp>
+          <p:nvSpPr>
+            <p:cNvPr id="27" name="AutoShape 23"/>
+            <p:cNvSpPr>
+              <a:spLocks noChangeArrowheads="1"/>
+            </p:cNvSpPr>
+            <p:nvPr/>
+          </p:nvSpPr>
+          <p:spPr bwMode="auto">
+            <a:xfrm flipH="1">
+              <a:off x="4000496" y="1546224"/>
+              <a:ext cx="1648493" cy="739767"/>
+            </a:xfrm>
+            <a:prstGeom prst="verticalScroll">
+              <a:avLst>
+                <a:gd name="adj" fmla="val 8204"/>
+              </a:avLst>
+            </a:prstGeom>
+            <a:solidFill>
+              <a:srgbClr val="FFFFCC"/>
+            </a:solidFill>
+            <a:ln w="9525" algn="ctr">
+              <a:solidFill>
+                <a:schemeClr val="tx1"/>
+              </a:solidFill>
+              <a:round/>
+              <a:headEnd/>
+              <a:tailEnd/>
+            </a:ln>
+            <a:effectLst>
+              <a:outerShdw dist="35921" dir="2700000" algn="ctr" rotWithShape="0">
+                <a:schemeClr val="bg2">
+                  <a:alpha val="50000"/>
+                </a:schemeClr>
+              </a:outerShdw>
+            </a:effectLst>
+          </p:spPr>
+          <p:txBody>
+            <a:bodyPr wrap="none" lIns="90000" tIns="46800" rIns="90000" bIns="46800" anchor="ctr"/>
+            <a:lstStyle/>
+            <a:p>
+              <a:pPr algn="ctr">
+                <a:spcBef>
+                  <a:spcPct val="0"/>
+                </a:spcBef>
+                <a:buClrTx/>
+                <a:buFontTx/>
+                <a:buNone/>
+              </a:pPr>
+              <a:r>
+                <a:rPr lang="ja-JP" altLang="en-US" sz="2000" dirty="0"/>
+                <a:t>トレースログ</a:t>
+              </a:r>
+            </a:p>
+            <a:p>
+              <a:pPr algn="ctr">
+                <a:spcBef>
+                  <a:spcPct val="0"/>
+                </a:spcBef>
+                <a:buClrTx/>
+                <a:buFontTx/>
+                <a:buNone/>
+              </a:pPr>
+              <a:r>
+                <a:rPr lang="ja-JP" altLang="en-US" sz="2000" dirty="0"/>
+                <a:t>ファイル</a:t>
+              </a:r>
+            </a:p>
+          </p:txBody>
+        </p:sp>
+        <p:sp>
+          <p:nvSpPr>
+            <p:cNvPr id="28" name="AutoShape 24"/>
+            <p:cNvSpPr>
+              <a:spLocks noChangeArrowheads="1"/>
+            </p:cNvSpPr>
+            <p:nvPr/>
+          </p:nvSpPr>
+          <p:spPr bwMode="auto">
+            <a:xfrm>
+              <a:off x="5857884" y="1549398"/>
+              <a:ext cx="1616062" cy="808031"/>
+            </a:xfrm>
+            <a:prstGeom prst="flowChartDocument">
+              <a:avLst/>
+            </a:prstGeom>
+            <a:solidFill>
+              <a:schemeClr val="bg1"/>
+            </a:solidFill>
+            <a:ln w="9525" algn="ctr">
+              <a:solidFill>
+                <a:schemeClr val="tx1"/>
+              </a:solidFill>
+              <a:miter lim="800000"/>
+              <a:headEnd/>
+              <a:tailEnd/>
+            </a:ln>
+            <a:effectLst>
+              <a:outerShdw dist="35921" dir="2700000" algn="ctr" rotWithShape="0">
+                <a:schemeClr val="bg2">
+                  <a:alpha val="50000"/>
+                </a:schemeClr>
+              </a:outerShdw>
+            </a:effectLst>
+          </p:spPr>
+          <p:txBody>
+            <a:bodyPr wrap="none" lIns="90000" tIns="46800" rIns="90000" bIns="46800" anchor="ctr"/>
+            <a:lstStyle/>
+            <a:p>
+              <a:pPr algn="ctr">
+                <a:spcBef>
+                  <a:spcPct val="0"/>
+                </a:spcBef>
+                <a:buClrTx/>
+                <a:buFontTx/>
+                <a:buNone/>
+              </a:pPr>
+              <a:r>
+                <a:rPr lang="ja-JP" altLang="en-US" sz="2000" dirty="0"/>
+                <a:t>リソース</a:t>
+              </a:r>
+            </a:p>
+            <a:p>
+              <a:pPr algn="ctr">
+                <a:spcBef>
+                  <a:spcPct val="0"/>
+                </a:spcBef>
+                <a:buClrTx/>
+                <a:buFontTx/>
+                <a:buNone/>
+              </a:pPr>
+              <a:r>
+                <a:rPr lang="ja-JP" altLang="en-US" sz="2000" dirty="0"/>
+                <a:t>ファイル</a:t>
+              </a:r>
+            </a:p>
+          </p:txBody>
+        </p:sp>
+        <p:sp>
+          <p:nvSpPr>
+            <p:cNvPr id="30" name="AutoShape 28"/>
+            <p:cNvSpPr>
+              <a:spLocks noChangeArrowheads="1"/>
+            </p:cNvSpPr>
+            <p:nvPr/>
+          </p:nvSpPr>
+          <p:spPr bwMode="auto">
+            <a:xfrm>
+              <a:off x="1758956" y="3071810"/>
+              <a:ext cx="1917704" cy="958852"/>
+            </a:xfrm>
+            <a:prstGeom prst="flowChartMultidocument">
+              <a:avLst/>
+            </a:prstGeom>
+            <a:solidFill>
+              <a:schemeClr val="bg1"/>
+            </a:solidFill>
+            <a:ln w="9525" algn="ctr">
+              <a:solidFill>
+                <a:schemeClr val="tx1"/>
+              </a:solidFill>
+              <a:miter lim="800000"/>
+              <a:headEnd/>
+              <a:tailEnd/>
+            </a:ln>
+            <a:effectLst>
+              <a:outerShdw dist="35921" dir="2700000" algn="ctr" rotWithShape="0">
+                <a:schemeClr val="bg2">
+                  <a:alpha val="50000"/>
+                </a:schemeClr>
+              </a:outerShdw>
+            </a:effectLst>
+          </p:spPr>
+          <p:txBody>
+            <a:bodyPr wrap="none" lIns="90000" tIns="46800" rIns="90000" bIns="46800" anchor="ctr"/>
+            <a:lstStyle/>
+            <a:p>
+              <a:pPr algn="ctr">
+                <a:spcBef>
+                  <a:spcPct val="0"/>
+                </a:spcBef>
+                <a:buClrTx/>
+                <a:buFontTx/>
+                <a:buNone/>
+              </a:pPr>
+              <a:r>
+                <a:rPr lang="ja-JP" altLang="en-US" sz="2000" dirty="0"/>
+                <a:t>変換ルール</a:t>
+              </a:r>
+            </a:p>
+            <a:p>
+              <a:pPr algn="ctr">
+                <a:spcBef>
+                  <a:spcPct val="0"/>
+                </a:spcBef>
+                <a:buClrTx/>
+                <a:buFontTx/>
+                <a:buNone/>
+              </a:pPr>
+              <a:r>
+                <a:rPr lang="ja-JP" altLang="en-US" sz="2000" dirty="0"/>
+                <a:t>ファイル</a:t>
+              </a:r>
+            </a:p>
+          </p:txBody>
+        </p:sp>
+        <p:sp>
+          <p:nvSpPr>
+            <p:cNvPr id="31" name="AutoShape 29"/>
+            <p:cNvSpPr>
+              <a:spLocks noChangeArrowheads="1"/>
+            </p:cNvSpPr>
+            <p:nvPr/>
+          </p:nvSpPr>
+          <p:spPr bwMode="auto">
+            <a:xfrm>
+              <a:off x="1776418" y="2031998"/>
+              <a:ext cx="1938326" cy="971540"/>
+            </a:xfrm>
+            <a:prstGeom prst="flowChartMultidocument">
+              <a:avLst/>
+            </a:prstGeom>
+            <a:solidFill>
+              <a:schemeClr val="bg1"/>
+            </a:solidFill>
+            <a:ln w="9525" algn="ctr">
+              <a:solidFill>
+                <a:schemeClr val="tx1"/>
+              </a:solidFill>
+              <a:miter lim="800000"/>
+              <a:headEnd/>
+              <a:tailEnd/>
+            </a:ln>
+            <a:effectLst>
+              <a:outerShdw dist="35921" dir="2700000" algn="ctr" rotWithShape="0">
+                <a:schemeClr val="bg2">
+                  <a:alpha val="50000"/>
+                </a:schemeClr>
+              </a:outerShdw>
+            </a:effectLst>
+          </p:spPr>
+          <p:txBody>
+            <a:bodyPr wrap="none" lIns="90000" tIns="46800" rIns="90000" bIns="46800" anchor="ctr"/>
+            <a:lstStyle/>
+            <a:p>
+              <a:pPr algn="ctr">
+                <a:spcBef>
+                  <a:spcPct val="0"/>
+                </a:spcBef>
+                <a:buClrTx/>
+                <a:buFontTx/>
+                <a:buNone/>
+              </a:pPr>
+              <a:r>
+                <a:rPr lang="ja-JP" altLang="en-US" sz="2000" dirty="0"/>
+                <a:t>リソースヘッダ</a:t>
+              </a:r>
+            </a:p>
+            <a:p>
+              <a:pPr algn="ctr">
+                <a:spcBef>
+                  <a:spcPct val="0"/>
+                </a:spcBef>
+                <a:buClrTx/>
+                <a:buFontTx/>
+                <a:buNone/>
+              </a:pPr>
+              <a:r>
+                <a:rPr lang="ja-JP" altLang="en-US" sz="2000" dirty="0"/>
+                <a:t>ファイル</a:t>
+              </a:r>
+            </a:p>
+          </p:txBody>
+        </p:sp>
+        <p:sp>
+          <p:nvSpPr>
+            <p:cNvPr id="33" name="AutoShape 33"/>
+            <p:cNvSpPr>
+              <a:spLocks noChangeArrowheads="1"/>
+            </p:cNvSpPr>
+            <p:nvPr/>
+          </p:nvSpPr>
+          <p:spPr bwMode="auto">
+            <a:xfrm>
+              <a:off x="4357686" y="3786190"/>
+              <a:ext cx="2524180" cy="504836"/>
+            </a:xfrm>
+            <a:prstGeom prst="flowChartInputOutput">
+              <a:avLst/>
+            </a:prstGeom>
+            <a:solidFill>
+              <a:srgbClr val="FFFFCC"/>
+            </a:solidFill>
+            <a:ln w="9525" algn="ctr">
+              <a:solidFill>
+                <a:schemeClr val="tx1"/>
+              </a:solidFill>
+              <a:miter lim="800000"/>
+              <a:headEnd/>
+              <a:tailEnd/>
+            </a:ln>
+            <a:effectLst/>
+          </p:spPr>
+          <p:txBody>
+            <a:bodyPr wrap="none" lIns="90000" tIns="46800" rIns="90000" bIns="46800" anchor="ctr"/>
+            <a:lstStyle/>
+            <a:p>
+              <a:pPr algn="ctr">
+                <a:spcBef>
+                  <a:spcPct val="0"/>
+                </a:spcBef>
+                <a:buClrTx/>
+                <a:buFontTx/>
+                <a:buNone/>
+              </a:pPr>
+              <a:r>
+                <a:rPr lang="ja-JP" altLang="en-US" sz="2000" dirty="0"/>
+                <a:t>標準形式</a:t>
+              </a:r>
+            </a:p>
+            <a:p>
+              <a:pPr algn="ctr">
+                <a:spcBef>
+                  <a:spcPct val="0"/>
+                </a:spcBef>
+                <a:buClrTx/>
+                <a:buFontTx/>
+                <a:buNone/>
+              </a:pPr>
+              <a:r>
+                <a:rPr lang="ja-JP" altLang="en-US" sz="2000" dirty="0"/>
+                <a:t>トレースログ</a:t>
+              </a:r>
+            </a:p>
+          </p:txBody>
+        </p:sp>
+        <p:sp>
+          <p:nvSpPr>
+            <p:cNvPr id="34" name="Rectangle 34"/>
+            <p:cNvSpPr>
+              <a:spLocks noChangeArrowheads="1"/>
+            </p:cNvSpPr>
+            <p:nvPr/>
+          </p:nvSpPr>
+          <p:spPr bwMode="auto">
+            <a:xfrm>
+              <a:off x="4676772" y="3024182"/>
+              <a:ext cx="304800" cy="228600"/>
+            </a:xfrm>
+            <a:prstGeom prst="rect">
+              <a:avLst/>
+            </a:prstGeom>
+            <a:noFill/>
+            <a:ln w="9525" algn="ctr">
+              <a:noFill/>
+              <a:miter lim="800000"/>
+              <a:headEnd/>
+              <a:tailEnd/>
+            </a:ln>
+            <a:effectLst/>
+          </p:spPr>
+          <p:txBody>
+            <a:bodyPr wrap="none" lIns="90000" tIns="46800" rIns="90000" bIns="46800" anchor="ctr"/>
+            <a:lstStyle/>
+            <a:p>
+              <a:endParaRPr lang="ja-JP" altLang="en-US" sz="2000"/>
+            </a:p>
+          </p:txBody>
+        </p:sp>
+        <p:sp>
+          <p:nvSpPr>
+            <p:cNvPr id="35" name="Rectangle 35"/>
+            <p:cNvSpPr>
+              <a:spLocks noChangeArrowheads="1"/>
+            </p:cNvSpPr>
+            <p:nvPr/>
+          </p:nvSpPr>
+          <p:spPr bwMode="auto">
+            <a:xfrm>
+              <a:off x="5972172" y="3024182"/>
+              <a:ext cx="304800" cy="228600"/>
+            </a:xfrm>
+            <a:prstGeom prst="rect">
+              <a:avLst/>
+            </a:prstGeom>
+            <a:noFill/>
+            <a:ln w="9525" algn="ctr">
+              <a:noFill/>
+              <a:miter lim="800000"/>
+              <a:headEnd/>
+              <a:tailEnd/>
+            </a:ln>
+            <a:effectLst/>
+          </p:spPr>
+          <p:txBody>
+            <a:bodyPr wrap="none" lIns="90000" tIns="46800" rIns="90000" bIns="46800" anchor="ctr"/>
+            <a:lstStyle/>
+            <a:p>
+              <a:endParaRPr lang="ja-JP" altLang="en-US" sz="2000"/>
+            </a:p>
+          </p:txBody>
+        </p:sp>
+        <p:cxnSp>
+          <p:nvCxnSpPr>
+            <p:cNvPr id="36" name="AutoShape 36"/>
+            <p:cNvCxnSpPr>
+              <a:cxnSpLocks noChangeShapeType="1"/>
+              <a:stCxn id="23" idx="2"/>
+              <a:endCxn id="33" idx="1"/>
+            </p:cNvCxnSpPr>
+            <p:nvPr/>
+          </p:nvCxnSpPr>
+          <p:spPr bwMode="auto">
+            <a:xfrm rot="16200000" flipH="1">
+              <a:off x="5482521" y="3648935"/>
+              <a:ext cx="264966" cy="9544"/>
+            </a:xfrm>
+            <a:prstGeom prst="straightConnector1">
+              <a:avLst/>
+            </a:prstGeom>
+            <a:noFill/>
+            <a:ln w="57150">
+              <a:solidFill>
+                <a:srgbClr val="333333"/>
+              </a:solidFill>
+              <a:round/>
+              <a:headEnd/>
+              <a:tailEnd type="triangle" w="med" len="med"/>
+            </a:ln>
+            <a:effectLst/>
+          </p:spPr>
+        </p:cxnSp>
+        <p:sp>
+          <p:nvSpPr>
+            <p:cNvPr id="37" name="AutoShape 8"/>
+            <p:cNvSpPr>
+              <a:spLocks noChangeArrowheads="1"/>
+            </p:cNvSpPr>
+            <p:nvPr/>
+          </p:nvSpPr>
+          <p:spPr bwMode="auto">
+            <a:xfrm>
+              <a:off x="4371972" y="5214950"/>
+              <a:ext cx="2486044" cy="497209"/>
+            </a:xfrm>
+            <a:prstGeom prst="flowChartInputOutput">
+              <a:avLst/>
+            </a:prstGeom>
+            <a:solidFill>
+              <a:srgbClr val="FFFFCC"/>
+            </a:solidFill>
+            <a:ln w="9525" algn="ctr">
+              <a:solidFill>
+                <a:schemeClr val="tx1"/>
+              </a:solidFill>
+              <a:miter lim="800000"/>
+              <a:headEnd/>
+              <a:tailEnd/>
+            </a:ln>
+            <a:effectLst/>
+          </p:spPr>
+          <p:txBody>
+            <a:bodyPr wrap="none" lIns="90000" tIns="46800" rIns="90000" bIns="46800" anchor="ctr"/>
+            <a:lstStyle/>
+            <a:p>
+              <a:pPr algn="ctr">
+                <a:spcBef>
+                  <a:spcPct val="0"/>
+                </a:spcBef>
+                <a:buClrTx/>
+                <a:buFontTx/>
+                <a:buNone/>
+              </a:pPr>
+              <a:r>
+                <a:rPr lang="en-US" altLang="ja-JP" sz="2000" dirty="0"/>
+                <a:t>TLV</a:t>
+              </a:r>
+              <a:r>
+                <a:rPr lang="ja-JP" altLang="en-US" sz="2000" dirty="0"/>
+                <a:t>データ</a:t>
+              </a:r>
+            </a:p>
+          </p:txBody>
+        </p:sp>
+        <p:cxnSp>
+          <p:nvCxnSpPr>
+            <p:cNvPr id="40" name="AutoShape 46"/>
+            <p:cNvCxnSpPr>
+              <a:cxnSpLocks noChangeShapeType="1"/>
+              <a:stCxn id="14" idx="2"/>
+              <a:endCxn id="37" idx="1"/>
+            </p:cNvCxnSpPr>
+            <p:nvPr/>
+          </p:nvCxnSpPr>
+          <p:spPr bwMode="auto">
+            <a:xfrm rot="5400000">
+              <a:off x="5506409" y="5106364"/>
+              <a:ext cx="217171" cy="1588"/>
+            </a:xfrm>
+            <a:prstGeom prst="straightConnector1">
+              <a:avLst/>
+            </a:prstGeom>
+            <a:noFill/>
+            <a:ln w="57150">
+              <a:solidFill>
+                <a:srgbClr val="333333"/>
+              </a:solidFill>
+              <a:round/>
+              <a:headEnd/>
+              <a:tailEnd type="triangle" w="med" len="med"/>
+            </a:ln>
+            <a:effectLst/>
+          </p:spPr>
+        </p:cxnSp>
+        <p:cxnSp>
+          <p:nvCxnSpPr>
+            <p:cNvPr id="92" name="AutoShape 46"/>
+            <p:cNvCxnSpPr>
+              <a:cxnSpLocks noChangeShapeType="1"/>
+            </p:cNvCxnSpPr>
+            <p:nvPr/>
+          </p:nvCxnSpPr>
+          <p:spPr bwMode="auto">
+            <a:xfrm rot="5400000">
+              <a:off x="5499900" y="5857098"/>
+              <a:ext cx="285752" cy="1588"/>
+            </a:xfrm>
+            <a:prstGeom prst="straightConnector1">
+              <a:avLst/>
+            </a:prstGeom>
+            <a:noFill/>
+            <a:ln w="57150">
+              <a:solidFill>
+                <a:srgbClr val="333333"/>
+              </a:solidFill>
+              <a:round/>
+              <a:headEnd/>
+              <a:tailEnd type="triangle" w="med" len="med"/>
+            </a:ln>
+            <a:effectLst/>
+          </p:spPr>
+        </p:cxnSp>
+      </p:grpSp>
+      <p:sp>
+        <p:nvSpPr>
+          <p:cNvPr id="118" name="円/楕円 117"/>
+          <p:cNvSpPr/>
+          <p:nvPr/>
+        </p:nvSpPr>
+        <p:spPr>
+          <a:xfrm>
+            <a:off x="5715008" y="1428736"/>
+            <a:ext cx="2000264" cy="857256"/>
+          </a:xfrm>
+          <a:prstGeom prst="ellipse">
+            <a:avLst/>
+          </a:prstGeom>
+          <a:noFill/>
+        </p:spPr>
+        <p:style>
+          <a:lnRef idx="2">
+            <a:schemeClr val="accent2"/>
+          </a:lnRef>
+          <a:fillRef idx="1">
+            <a:schemeClr val="lt1"/>
+          </a:fillRef>
+          <a:effectRef idx="0">
+            <a:schemeClr val="accent2"/>
+          </a:effectRef>
+          <a:fontRef idx="minor">
+            <a:schemeClr val="dk1"/>
+          </a:fontRef>
+        </p:style>
+        <p:txBody>
+          <a:bodyPr rtlCol="0" anchor="ctr"/>
+          <a:lstStyle/>
+          <a:p>
+            <a:pPr algn="ctr"/>
+            <a:endParaRPr kumimoji="1" lang="ja-JP" altLang="en-US"/>
+          </a:p>
+        </p:txBody>
+      </p:sp>
+      <p:sp>
+        <p:nvSpPr>
+          <p:cNvPr id="119" name="円/楕円 118"/>
+          <p:cNvSpPr/>
+          <p:nvPr/>
+        </p:nvSpPr>
+        <p:spPr>
+          <a:xfrm>
+            <a:off x="1500166" y="3071810"/>
+            <a:ext cx="2357454" cy="1000132"/>
+          </a:xfrm>
+          <a:prstGeom prst="ellipse">
+            <a:avLst/>
+          </a:prstGeom>
+          <a:noFill/>
+        </p:spPr>
+        <p:style>
+          <a:lnRef idx="2">
+            <a:schemeClr val="accent2"/>
+          </a:lnRef>
+          <a:fillRef idx="1">
+            <a:schemeClr val="lt1"/>
+          </a:fillRef>
+          <a:effectRef idx="0">
+            <a:schemeClr val="accent2"/>
+          </a:effectRef>
+          <a:fontRef idx="minor">
+            <a:schemeClr val="dk1"/>
+          </a:fontRef>
+        </p:style>
+        <p:txBody>
+          <a:bodyPr rtlCol="0" anchor="ctr"/>
+          <a:lstStyle/>
+          <a:p>
+            <a:pPr algn="ctr"/>
+            <a:endParaRPr kumimoji="1" lang="ja-JP" altLang="en-US"/>
+          </a:p>
+        </p:txBody>
+      </p:sp>
+      <p:sp>
+        <p:nvSpPr>
+          <p:cNvPr id="159" name="円/楕円 158"/>
+          <p:cNvSpPr/>
+          <p:nvPr/>
+        </p:nvSpPr>
+        <p:spPr>
+          <a:xfrm>
+            <a:off x="1500166" y="4357694"/>
+            <a:ext cx="2357454" cy="1000132"/>
+          </a:xfrm>
+          <a:prstGeom prst="ellipse">
+            <a:avLst/>
+          </a:prstGeom>
+          <a:noFill/>
+        </p:spPr>
+        <p:style>
+          <a:lnRef idx="2">
+            <a:schemeClr val="accent2"/>
+          </a:lnRef>
+          <a:fillRef idx="1">
+            <a:schemeClr val="lt1"/>
+          </a:fillRef>
+          <a:effectRef idx="0">
+            <a:schemeClr val="accent2"/>
+          </a:effectRef>
+          <a:fontRef idx="minor">
+            <a:schemeClr val="dk1"/>
+          </a:fontRef>
+        </p:style>
+        <p:txBody>
+          <a:bodyPr rtlCol="0" anchor="ctr"/>
+          <a:lstStyle/>
+          <a:p>
+            <a:pPr algn="ctr"/>
+            <a:endParaRPr kumimoji="1" lang="ja-JP" altLang="en-US"/>
+          </a:p>
+        </p:txBody>
+      </p:sp>
+    </p:spTree>
+  </p:cSld>
+  <p:clrMapOvr>
+    <a:masterClrMapping/>
+  </p:clrMapOvr>
+  <p:timing>
+    <p:tnLst>
+      <p:par>
+        <p:cTn id="1" dur="indefinite" restart="never" nodeType="tmRoot">
+          <p:childTnLst>
+            <p:seq concurrent="1" nextAc="seek">
+              <p:cTn id="2" dur="indefinite" nodeType="mainSeq">
+                <p:childTnLst>
+                  <p:par>
+                    <p:cTn id="3" fill="hold">
+                      <p:stCondLst>
+                        <p:cond delay="indefinite"/>
+                      </p:stCondLst>
+                      <p:childTnLst>
+                        <p:par>
+                          <p:cTn id="4" fill="hold">
+                            <p:stCondLst>
+                              <p:cond delay="0"/>
+                            </p:stCondLst>
+                            <p:childTnLst>
+                              <p:par>
+                                <p:cTn id="5" presetID="22" presetClass="entr" presetSubtype="4" fill="hold" grpId="0" nodeType="clickEffect">
+                                  <p:stCondLst>
+                                    <p:cond delay="0"/>
+                                  </p:stCondLst>
+                                  <p:childTnLst>
+                                    <p:set>
+                                      <p:cBhvr>
+                                        <p:cTn id="6" dur="1" fill="hold">
+                                          <p:stCondLst>
+                                            <p:cond delay="0"/>
+                                          </p:stCondLst>
+                                        </p:cTn>
+                                        <p:tgtEl>
+                                          <p:spTgt spid="119"/>
+                                        </p:tgtEl>
+                                        <p:attrNameLst>
+                                          <p:attrName>style.visibility</p:attrName>
+                                        </p:attrNameLst>
+                                      </p:cBhvr>
+                                      <p:to>
+                                        <p:strVal val="visible"/>
+                                      </p:to>
+                                    </p:set>
+                                    <p:animEffect transition="in" filter="wipe(down)">
+                                      <p:cBhvr>
+                                        <p:cTn id="7" dur="500"/>
+                                        <p:tgtEl>
+                                          <p:spTgt spid="119"/>
+                                        </p:tgtEl>
+                                      </p:cBhvr>
+                                    </p:animEffect>
+                                  </p:childTnLst>
+                                </p:cTn>
+                              </p:par>
+                              <p:par>
+                                <p:cTn id="8" presetID="22" presetClass="entr" presetSubtype="4" fill="hold" grpId="0" nodeType="withEffect">
+                                  <p:stCondLst>
+                                    <p:cond delay="0"/>
+                                  </p:stCondLst>
+                                  <p:childTnLst>
+                                    <p:set>
+                                      <p:cBhvr>
+                                        <p:cTn id="9" dur="1" fill="hold">
+                                          <p:stCondLst>
+                                            <p:cond delay="0"/>
+                                          </p:stCondLst>
+                                        </p:cTn>
+                                        <p:tgtEl>
+                                          <p:spTgt spid="159"/>
+                                        </p:tgtEl>
+                                        <p:attrNameLst>
+                                          <p:attrName>style.visibility</p:attrName>
+                                        </p:attrNameLst>
+                                      </p:cBhvr>
+                                      <p:to>
+                                        <p:strVal val="visible"/>
+                                      </p:to>
+                                    </p:set>
+                                    <p:animEffect transition="in" filter="wipe(down)">
+                                      <p:cBhvr>
+                                        <p:cTn id="10" dur="500"/>
+                                        <p:tgtEl>
+                                          <p:spTgt spid="159"/>
+                                        </p:tgtEl>
+                                      </p:cBhvr>
+                                    </p:animEffect>
+                                  </p:childTnLst>
+                                </p:cTn>
+                              </p:par>
+                              <p:par>
+                                <p:cTn id="11" presetID="22" presetClass="entr" presetSubtype="4" fill="hold" grpId="0" nodeType="withEffect">
+                                  <p:stCondLst>
+                                    <p:cond delay="0"/>
+                                  </p:stCondLst>
+                                  <p:childTnLst>
+                                    <p:set>
+                                      <p:cBhvr>
+                                        <p:cTn id="12" dur="1" fill="hold">
+                                          <p:stCondLst>
+                                            <p:cond delay="0"/>
+                                          </p:stCondLst>
+                                        </p:cTn>
+                                        <p:tgtEl>
+                                          <p:spTgt spid="118"/>
+                                        </p:tgtEl>
+                                        <p:attrNameLst>
+                                          <p:attrName>style.visibility</p:attrName>
+                                        </p:attrNameLst>
+                                      </p:cBhvr>
+                                      <p:to>
+                                        <p:strVal val="visible"/>
+                                      </p:to>
+                                    </p:set>
+                                    <p:animEffect transition="in" filter="wipe(down)">
+                                      <p:cBhvr>
+                                        <p:cTn id="13" dur="500"/>
+                                        <p:tgtEl>
+                                          <p:spTgt spid="118"/>
+                                        </p:tgtEl>
+                                      </p:cBhvr>
+                                    </p:animEffect>
+                                  </p:childTnLst>
+                                </p:cTn>
+                              </p:par>
+                            </p:childTnLst>
+                          </p:cTn>
+                        </p:par>
+                      </p:childTnLst>
+                    </p:cTn>
+                  </p:par>
+                </p:childTnLst>
+              </p:cTn>
+              <p:prevCondLst>
+                <p:cond evt="onPrev" delay="0">
+                  <p:tgtEl>
+                    <p:sldTgt/>
+                  </p:tgtEl>
+                </p:cond>
+              </p:prevCondLst>
+              <p:nextCondLst>
+                <p:cond evt="onNext" delay="0">
+                  <p:tgtEl>
+                    <p:sldTgt/>
+                  </p:tgtEl>
+                </p:cond>
+              </p:nextCondLst>
+            </p:seq>
+          </p:childTnLst>
+        </p:cTn>
+      </p:par>
+    </p:tnLst>
+    <p:bldLst>
+      <p:bldP spid="118" grpId="0" animBg="1"/>
+      <p:bldP spid="119" grpId="0" animBg="1"/>
+      <p:bldP spid="159" grpId="0" animBg="1"/>
+    </p:bldLst>
+  </p:timing>
+</p:sld>
+</file>
+
+<file path=ppt/slides/slide6.xml><?xml version="1.0" encoding="utf-8"?>
+<p:sld xmlns:a="http://schemas.openxmlformats.org/drawingml/2006/main" xmlns:r="http://schemas.openxmlformats.org/officeDocument/2006/relationships" xmlns:p="http://schemas.openxmlformats.org/presentationml/2006/main">
+  <p:cSld>
+    <p:spTree>
+      <p:nvGrpSpPr>
+        <p:cNvPr id="1" name=""/>
+        <p:cNvGrpSpPr/>
+        <p:nvPr/>
+      </p:nvGrpSpPr>
+      <p:grpSpPr>
+        <a:xfrm>
+          <a:off x="0" y="0"/>
+          <a:ext cx="0" cy="0"/>
+          <a:chOff x="0" y="0"/>
+          <a:chExt cx="0" cy="0"/>
+        </a:xfrm>
+      </p:grpSpPr>
+      <p:sp>
+        <p:nvSpPr>
+          <p:cNvPr id="2" name="タイトル 1"/>
+          <p:cNvSpPr>
+            <a:spLocks noGrp="1"/>
+          </p:cNvSpPr>
+          <p:nvPr>
+            <p:ph type="title"/>
+          </p:nvPr>
+        </p:nvSpPr>
+        <p:spPr/>
+        <p:txBody>
+          <a:bodyPr/>
+          <a:lstStyle/>
+          <a:p>
+            <a:r>
               <a:rPr kumimoji="1" lang="ja-JP" altLang="en-US" dirty="0" smtClean="0"/>
               <a:t>プロトタイプ実装</a:t>
             </a:r>
@@ -9800,20 +12323,41 @@
         </p:nvSpPr>
         <p:spPr/>
         <p:txBody>
-          <a:bodyPr/>
+          <a:bodyPr>
+            <a:normAutofit/>
+          </a:bodyPr>
           <a:lstStyle/>
           <a:p>
             <a:r>
+              <a:rPr kumimoji="1" lang="en-US" altLang="ja-JP" dirty="0" smtClean="0"/>
+              <a:t>TLV</a:t>
+            </a:r>
+            <a:r>
               <a:rPr kumimoji="1" lang="ja-JP" altLang="en-US" dirty="0" smtClean="0"/>
-              <a:t>リソースファイル（</a:t>
-            </a:r>
-            <a:r>
-              <a:rPr kumimoji="1" lang="en-US" altLang="ja-JP" dirty="0" err="1" smtClean="0"/>
-              <a:t>tf</a:t>
-            </a:r>
+              <a:t>本体には手を加えない</a:t>
+            </a:r>
+            <a:endParaRPr kumimoji="1" lang="en-US" altLang="ja-JP" dirty="0" smtClean="0"/>
+          </a:p>
+          <a:p>
+            <a:pPr lvl="1"/>
+            <a:r>
+              <a:rPr lang="en-US" altLang="ja-JP" dirty="0" smtClean="0">
+                <a:sym typeface="Wingdings" pitchFamily="2" charset="2"/>
+              </a:rPr>
+              <a:t></a:t>
+            </a:r>
+            <a:r>
+              <a:rPr lang="ja-JP" altLang="en-US" dirty="0" smtClean="0">
+                <a:sym typeface="Wingdings" pitchFamily="2" charset="2"/>
+              </a:rPr>
+              <a:t>速やかに実装を行うため</a:t>
+            </a:r>
+            <a:endParaRPr kumimoji="1" lang="en-US" altLang="ja-JP" dirty="0" smtClean="0"/>
+          </a:p>
+          <a:p>
             <a:r>
               <a:rPr kumimoji="1" lang="ja-JP" altLang="en-US" dirty="0" smtClean="0"/>
-              <a:t>ファイル）</a:t>
+              <a:t>リソースファイル</a:t>
             </a:r>
             <a:endParaRPr kumimoji="1" lang="en-US" altLang="ja-JP" dirty="0" smtClean="0"/>
           </a:p>
@@ -9821,7 +12365,7 @@
             <a:pPr lvl="1"/>
             <a:r>
               <a:rPr kumimoji="1" lang="ja-JP" altLang="en-US" dirty="0" smtClean="0"/>
-              <a:t>タスク個数</a:t>
+              <a:t>行数：タスク数</a:t>
             </a:r>
             <a:r>
               <a:rPr kumimoji="1" lang="en-US" altLang="ja-JP" dirty="0" smtClean="0">
@@ -9831,7 +12375,7 @@
             </a:r>
             <a:r>
               <a:rPr kumimoji="1" lang="ja-JP" altLang="en-US" dirty="0" smtClean="0"/>
-              <a:t>タスク個数</a:t>
+              <a:t>タスク数</a:t>
             </a:r>
             <a:r>
               <a:rPr kumimoji="1" lang="en-US" altLang="ja-JP" dirty="0" smtClean="0"/>
@@ -9839,67 +12383,9 @@
             </a:r>
             <a:r>
               <a:rPr kumimoji="1" lang="ja-JP" altLang="en-US" dirty="0" smtClean="0"/>
-              <a:t>個数</a:t>
+              <a:t>数</a:t>
             </a:r>
             <a:endParaRPr kumimoji="1" lang="en-US" altLang="ja-JP" dirty="0" smtClean="0"/>
-          </a:p>
-          <a:p>
-            <a:pPr lvl="1"/>
-            <a:r>
-              <a:rPr lang="ja-JP" altLang="en-US" dirty="0" smtClean="0"/>
-              <a:t>行の追加</a:t>
-            </a:r>
-            <a:endParaRPr lang="en-US" altLang="ja-JP" dirty="0" smtClean="0"/>
-          </a:p>
-          <a:p>
-            <a:r>
-              <a:rPr lang="ja-JP" altLang="en-US" dirty="0" smtClean="0"/>
-              <a:t>変換ルールファイル</a:t>
-            </a:r>
-            <a:endParaRPr lang="en-US" altLang="ja-JP" dirty="0" smtClean="0"/>
-          </a:p>
-          <a:p>
-            <a:pPr lvl="1"/>
-            <a:r>
-              <a:rPr kumimoji="1" lang="ja-JP" altLang="en-US" dirty="0" smtClean="0"/>
-              <a:t>新しい状態</a:t>
-            </a:r>
-            <a:r>
-              <a:rPr kumimoji="1" lang="en-US" altLang="ja-JP" dirty="0" smtClean="0"/>
-              <a:t>NONEXISTENT</a:t>
-            </a:r>
-            <a:r>
-              <a:rPr kumimoji="1" lang="ja-JP" altLang="en-US" dirty="0" smtClean="0"/>
-              <a:t>の追加</a:t>
-            </a:r>
-            <a:endParaRPr kumimoji="1" lang="en-US" altLang="ja-JP" dirty="0" smtClean="0"/>
-          </a:p>
-          <a:p>
-            <a:pPr lvl="1"/>
-            <a:r>
-              <a:rPr kumimoji="1" lang="ja-JP" altLang="en-US" dirty="0" smtClean="0"/>
-              <a:t>マイグレート先の状態は元の状態を継承</a:t>
-            </a:r>
-            <a:endParaRPr kumimoji="1" lang="en-US" altLang="ja-JP" dirty="0" smtClean="0"/>
-          </a:p>
-          <a:p>
-            <a:r>
-              <a:rPr lang="ja-JP" altLang="en-US" dirty="0" smtClean="0"/>
-              <a:t>可視化ルールファイル</a:t>
-            </a:r>
-            <a:endParaRPr lang="en-US" altLang="ja-JP" dirty="0" smtClean="0"/>
-          </a:p>
-          <a:p>
-            <a:pPr lvl="1"/>
-            <a:r>
-              <a:rPr kumimoji="1" lang="en-US" altLang="ja-JP" dirty="0" smtClean="0"/>
-              <a:t>NONEXISTENT</a:t>
-            </a:r>
-            <a:r>
-              <a:rPr kumimoji="1" lang="ja-JP" altLang="en-US" dirty="0" smtClean="0"/>
-              <a:t>なら何も表示しない</a:t>
-            </a:r>
-            <a:endParaRPr kumimoji="1" lang="ja-JP" altLang="en-US" dirty="0"/>
           </a:p>
         </p:txBody>
       </p:sp>
@@ -9921,12 +12407,1515 @@
             <a:fld id="{A67DFC8C-1F5E-4254-A57A-68887A1C3919}" type="slidenum">
               <a:rPr lang="ja-JP" altLang="en-US" smtClean="0"/>
               <a:pPr/>
-              <a:t>5</a:t>
+              <a:t>6</a:t>
             </a:fld>
             <a:endParaRPr lang="ja-JP" altLang="en-US"/>
           </a:p>
         </p:txBody>
       </p:sp>
+      <p:grpSp>
+        <p:nvGrpSpPr>
+          <p:cNvPr id="5" name="グループ化 116"/>
+          <p:cNvGrpSpPr>
+            <a:grpSpLocks noChangeAspect="1"/>
+          </p:cNvGrpSpPr>
+          <p:nvPr/>
+        </p:nvGrpSpPr>
+        <p:grpSpPr>
+          <a:xfrm>
+            <a:off x="5929322" y="3929066"/>
+            <a:ext cx="2983363" cy="2596365"/>
+            <a:chOff x="1624017" y="1447800"/>
+            <a:chExt cx="5966725" cy="5192730"/>
+          </a:xfrm>
+        </p:grpSpPr>
+        <p:grpSp>
+          <p:nvGrpSpPr>
+            <p:cNvPr id="6" name="グループ化 52"/>
+            <p:cNvGrpSpPr/>
+            <p:nvPr/>
+          </p:nvGrpSpPr>
+          <p:grpSpPr>
+            <a:xfrm>
+              <a:off x="1624018" y="5643578"/>
+              <a:ext cx="2162164" cy="711200"/>
+              <a:chOff x="838200" y="5970606"/>
+              <a:chExt cx="1524000" cy="711200"/>
+            </a:xfrm>
+          </p:grpSpPr>
+          <p:sp>
+            <p:nvSpPr>
+              <p:cNvPr id="40" name="AutoShape 15"/>
+              <p:cNvSpPr>
+                <a:spLocks noChangeArrowheads="1"/>
+              </p:cNvSpPr>
+              <p:nvPr/>
+            </p:nvSpPr>
+            <p:spPr bwMode="auto">
+              <a:xfrm>
+                <a:off x="838200" y="5970606"/>
+                <a:ext cx="1524000" cy="711200"/>
+              </a:xfrm>
+              <a:prstGeom prst="roundRect">
+                <a:avLst>
+                  <a:gd name="adj" fmla="val 11574"/>
+                </a:avLst>
+              </a:prstGeom>
+              <a:ln>
+                <a:headEnd/>
+                <a:tailEnd/>
+              </a:ln>
+            </p:spPr>
+            <p:style>
+              <a:lnRef idx="1">
+                <a:schemeClr val="accent4"/>
+              </a:lnRef>
+              <a:fillRef idx="2">
+                <a:schemeClr val="accent4"/>
+              </a:fillRef>
+              <a:effectRef idx="1">
+                <a:schemeClr val="accent4"/>
+              </a:effectRef>
+              <a:fontRef idx="minor">
+                <a:schemeClr val="dk1"/>
+              </a:fontRef>
+            </p:style>
+            <p:txBody>
+              <a:bodyPr wrap="none" lIns="90000" tIns="46800" rIns="90000" bIns="46800" anchor="ctr"/>
+              <a:lstStyle/>
+              <a:p>
+                <a:pPr algn="ctr">
+                  <a:buClrTx/>
+                  <a:buFontTx/>
+                  <a:buNone/>
+                </a:pPr>
+                <a:endParaRPr lang="ja-JP" altLang="ja-JP" sz="1000">
+                  <a:solidFill>
+                    <a:srgbClr val="FF0000"/>
+                  </a:solidFill>
+                </a:endParaRPr>
+              </a:p>
+            </p:txBody>
+          </p:sp>
+          <p:sp>
+            <p:nvSpPr>
+              <p:cNvPr id="41" name="Rectangle 39"/>
+              <p:cNvSpPr>
+                <a:spLocks noChangeArrowheads="1"/>
+              </p:cNvSpPr>
+              <p:nvPr/>
+            </p:nvSpPr>
+            <p:spPr bwMode="auto">
+              <a:xfrm>
+                <a:off x="1905000" y="5996006"/>
+                <a:ext cx="457200" cy="457200"/>
+              </a:xfrm>
+              <a:prstGeom prst="rect">
+                <a:avLst/>
+              </a:prstGeom>
+              <a:noFill/>
+              <a:ln w="9525" algn="ctr">
+                <a:noFill/>
+                <a:miter lim="800000"/>
+                <a:headEnd/>
+                <a:tailEnd/>
+              </a:ln>
+              <a:effectLst/>
+            </p:spPr>
+            <p:txBody>
+              <a:bodyPr wrap="none" anchor="ctr"/>
+              <a:lstStyle/>
+              <a:p>
+                <a:endParaRPr lang="ja-JP" altLang="en-US" sz="1000"/>
+              </a:p>
+            </p:txBody>
+          </p:sp>
+        </p:grpSp>
+        <p:grpSp>
+          <p:nvGrpSpPr>
+            <p:cNvPr id="7" name="グループ化 49"/>
+            <p:cNvGrpSpPr/>
+            <p:nvPr/>
+          </p:nvGrpSpPr>
+          <p:grpSpPr>
+            <a:xfrm>
+              <a:off x="1624018" y="4214818"/>
+              <a:ext cx="2162164" cy="1369371"/>
+              <a:chOff x="838200" y="3606800"/>
+              <a:chExt cx="1524000" cy="965200"/>
+            </a:xfrm>
+          </p:grpSpPr>
+          <p:sp>
+            <p:nvSpPr>
+              <p:cNvPr id="38" name="AutoShape 4"/>
+              <p:cNvSpPr>
+                <a:spLocks noChangeArrowheads="1"/>
+              </p:cNvSpPr>
+              <p:nvPr/>
+            </p:nvSpPr>
+            <p:spPr bwMode="auto">
+              <a:xfrm>
+                <a:off x="838200" y="3606800"/>
+                <a:ext cx="1524000" cy="914400"/>
+              </a:xfrm>
+              <a:prstGeom prst="roundRect">
+                <a:avLst>
+                  <a:gd name="adj" fmla="val 11574"/>
+                </a:avLst>
+              </a:prstGeom>
+              <a:ln>
+                <a:headEnd/>
+                <a:tailEnd/>
+              </a:ln>
+            </p:spPr>
+            <p:style>
+              <a:lnRef idx="1">
+                <a:schemeClr val="accent3"/>
+              </a:lnRef>
+              <a:fillRef idx="2">
+                <a:schemeClr val="accent3"/>
+              </a:fillRef>
+              <a:effectRef idx="1">
+                <a:schemeClr val="accent3"/>
+              </a:effectRef>
+              <a:fontRef idx="minor">
+                <a:schemeClr val="dk1"/>
+              </a:fontRef>
+            </p:style>
+            <p:txBody>
+              <a:bodyPr wrap="none" lIns="90000" tIns="46800" rIns="90000" bIns="46800" anchor="ctr"/>
+              <a:lstStyle/>
+              <a:p>
+                <a:pPr algn="ctr">
+                  <a:buClrTx/>
+                  <a:buFontTx/>
+                  <a:buNone/>
+                </a:pPr>
+                <a:endParaRPr lang="ja-JP" altLang="ja-JP" sz="1000">
+                  <a:solidFill>
+                    <a:schemeClr val="bg1"/>
+                  </a:solidFill>
+                </a:endParaRPr>
+              </a:p>
+            </p:txBody>
+          </p:sp>
+          <p:sp>
+            <p:nvSpPr>
+              <p:cNvPr id="39" name="Rectangle 40"/>
+              <p:cNvSpPr>
+                <a:spLocks noChangeArrowheads="1"/>
+              </p:cNvSpPr>
+              <p:nvPr/>
+            </p:nvSpPr>
+            <p:spPr bwMode="auto">
+              <a:xfrm>
+                <a:off x="1905000" y="4114800"/>
+                <a:ext cx="457200" cy="457200"/>
+              </a:xfrm>
+              <a:prstGeom prst="rect">
+                <a:avLst/>
+              </a:prstGeom>
+              <a:noFill/>
+              <a:ln w="9525" algn="ctr">
+                <a:noFill/>
+                <a:miter lim="800000"/>
+                <a:headEnd/>
+                <a:tailEnd/>
+              </a:ln>
+              <a:effectLst/>
+            </p:spPr>
+            <p:txBody>
+              <a:bodyPr wrap="none" anchor="ctr"/>
+              <a:lstStyle/>
+              <a:p>
+                <a:endParaRPr lang="ja-JP" altLang="en-US" sz="1000"/>
+              </a:p>
+            </p:txBody>
+          </p:sp>
+        </p:grpSp>
+        <p:grpSp>
+          <p:nvGrpSpPr>
+            <p:cNvPr id="8" name="グループ化 48"/>
+            <p:cNvGrpSpPr/>
+            <p:nvPr/>
+          </p:nvGrpSpPr>
+          <p:grpSpPr>
+            <a:xfrm>
+              <a:off x="1624017" y="1879600"/>
+              <a:ext cx="2155981" cy="2263780"/>
+              <a:chOff x="838200" y="1879600"/>
+              <a:chExt cx="1524000" cy="1600200"/>
+            </a:xfrm>
+          </p:grpSpPr>
+          <p:sp>
+            <p:nvSpPr>
+              <p:cNvPr id="36" name="AutoShape 27"/>
+              <p:cNvSpPr>
+                <a:spLocks noChangeArrowheads="1"/>
+              </p:cNvSpPr>
+              <p:nvPr/>
+            </p:nvSpPr>
+            <p:spPr bwMode="auto">
+              <a:xfrm>
+                <a:off x="838200" y="1879600"/>
+                <a:ext cx="1524000" cy="1600200"/>
+              </a:xfrm>
+              <a:prstGeom prst="roundRect">
+                <a:avLst>
+                  <a:gd name="adj" fmla="val 9509"/>
+                </a:avLst>
+              </a:prstGeom>
+              <a:ln>
+                <a:headEnd/>
+                <a:tailEnd/>
+              </a:ln>
+            </p:spPr>
+            <p:style>
+              <a:lnRef idx="1">
+                <a:schemeClr val="accent1"/>
+              </a:lnRef>
+              <a:fillRef idx="2">
+                <a:schemeClr val="accent1"/>
+              </a:fillRef>
+              <a:effectRef idx="1">
+                <a:schemeClr val="accent1"/>
+              </a:effectRef>
+              <a:fontRef idx="minor">
+                <a:schemeClr val="dk1"/>
+              </a:fontRef>
+            </p:style>
+            <p:txBody>
+              <a:bodyPr wrap="none" lIns="90000" tIns="46800" rIns="90000" bIns="46800"/>
+              <a:lstStyle/>
+              <a:p>
+                <a:pPr algn="ctr">
+                  <a:buClrTx/>
+                  <a:buFontTx/>
+                  <a:buNone/>
+                </a:pPr>
+                <a:endParaRPr lang="ja-JP" altLang="ja-JP" sz="1000">
+                  <a:solidFill>
+                    <a:srgbClr val="FF0000"/>
+                  </a:solidFill>
+                </a:endParaRPr>
+              </a:p>
+            </p:txBody>
+          </p:sp>
+          <p:sp>
+            <p:nvSpPr>
+              <p:cNvPr id="37" name="Rectangle 30"/>
+              <p:cNvSpPr>
+                <a:spLocks noChangeArrowheads="1"/>
+              </p:cNvSpPr>
+              <p:nvPr/>
+            </p:nvSpPr>
+            <p:spPr bwMode="auto">
+              <a:xfrm>
+                <a:off x="1863725" y="2743200"/>
+                <a:ext cx="498475" cy="457200"/>
+              </a:xfrm>
+              <a:prstGeom prst="rect">
+                <a:avLst/>
+              </a:prstGeom>
+              <a:noFill/>
+              <a:ln w="9525" algn="ctr">
+                <a:noFill/>
+                <a:miter lim="800000"/>
+                <a:headEnd/>
+                <a:tailEnd/>
+              </a:ln>
+              <a:effectLst/>
+            </p:spPr>
+            <p:txBody>
+              <a:bodyPr wrap="none" anchor="ctr"/>
+              <a:lstStyle/>
+              <a:p>
+                <a:endParaRPr lang="ja-JP" altLang="en-US" sz="1000"/>
+              </a:p>
+            </p:txBody>
+          </p:sp>
+        </p:grpSp>
+        <p:sp>
+          <p:nvSpPr>
+            <p:cNvPr id="9" name="AutoShape 50"/>
+            <p:cNvSpPr>
+              <a:spLocks noChangeArrowheads="1"/>
+            </p:cNvSpPr>
+            <p:nvPr/>
+          </p:nvSpPr>
+          <p:spPr bwMode="auto">
+            <a:xfrm>
+              <a:off x="4143371" y="2643182"/>
+              <a:ext cx="2812871" cy="3214710"/>
+            </a:xfrm>
+            <a:prstGeom prst="roundRect">
+              <a:avLst>
+                <a:gd name="adj" fmla="val 8940"/>
+              </a:avLst>
+            </a:prstGeom>
+            <a:gradFill rotWithShape="1">
+              <a:gsLst>
+                <a:gs pos="0">
+                  <a:srgbClr val="FFCC00"/>
+                </a:gs>
+                <a:gs pos="100000">
+                  <a:srgbClr val="FFDB43"/>
+                </a:gs>
+              </a:gsLst>
+              <a:lin ang="5400000" scaled="1"/>
+            </a:gradFill>
+            <a:ln w="38100" algn="ctr">
+              <a:solidFill>
+                <a:srgbClr val="FF9900"/>
+              </a:solidFill>
+              <a:round/>
+              <a:headEnd/>
+              <a:tailEnd/>
+            </a:ln>
+            <a:effectLst>
+              <a:outerShdw dist="35921" dir="2700000" algn="ctr" rotWithShape="0">
+                <a:schemeClr val="bg2">
+                  <a:alpha val="50000"/>
+                </a:schemeClr>
+              </a:outerShdw>
+            </a:effectLst>
+          </p:spPr>
+          <p:txBody>
+            <a:bodyPr wrap="none" lIns="90000" tIns="0" rIns="90000" bIns="10800"/>
+            <a:lstStyle/>
+            <a:p>
+              <a:pPr algn="ctr">
+                <a:buClrTx/>
+                <a:buFontTx/>
+                <a:buNone/>
+              </a:pPr>
+              <a:r>
+                <a:rPr lang="en-US" altLang="ja-JP" sz="1000" b="1" dirty="0">
+                  <a:solidFill>
+                    <a:srgbClr val="FF6600"/>
+                  </a:solidFill>
+                </a:rPr>
+                <a:t>TLV</a:t>
+              </a:r>
+            </a:p>
+          </p:txBody>
+        </p:sp>
+        <p:sp>
+          <p:nvSpPr>
+            <p:cNvPr id="10" name="AutoShape 5"/>
+            <p:cNvSpPr>
+              <a:spLocks noChangeArrowheads="1"/>
+            </p:cNvSpPr>
+            <p:nvPr/>
+          </p:nvSpPr>
+          <p:spPr bwMode="auto">
+            <a:xfrm>
+              <a:off x="1725618" y="4316418"/>
+              <a:ext cx="1917688" cy="1032601"/>
+            </a:xfrm>
+            <a:prstGeom prst="flowChartMultidocument">
+              <a:avLst/>
+            </a:prstGeom>
+            <a:solidFill>
+              <a:schemeClr val="bg1"/>
+            </a:solidFill>
+            <a:ln w="9525" algn="ctr">
+              <a:solidFill>
+                <a:schemeClr val="tx1"/>
+              </a:solidFill>
+              <a:miter lim="800000"/>
+              <a:headEnd/>
+              <a:tailEnd/>
+            </a:ln>
+            <a:effectLst>
+              <a:outerShdw dist="35921" dir="2700000" algn="ctr" rotWithShape="0">
+                <a:schemeClr val="bg2">
+                  <a:alpha val="50000"/>
+                </a:schemeClr>
+              </a:outerShdw>
+            </a:effectLst>
+          </p:spPr>
+          <p:txBody>
+            <a:bodyPr wrap="none" lIns="90000" tIns="46800" rIns="90000" bIns="46800" anchor="ctr"/>
+            <a:lstStyle/>
+            <a:p>
+              <a:pPr algn="ctr">
+                <a:spcBef>
+                  <a:spcPct val="0"/>
+                </a:spcBef>
+                <a:buClrTx/>
+                <a:buFontTx/>
+                <a:buNone/>
+              </a:pPr>
+              <a:r>
+                <a:rPr lang="ja-JP" altLang="en-US" sz="1000" dirty="0"/>
+                <a:t>可視化ルール</a:t>
+              </a:r>
+            </a:p>
+            <a:p>
+              <a:pPr algn="ctr">
+                <a:spcBef>
+                  <a:spcPct val="0"/>
+                </a:spcBef>
+                <a:buClrTx/>
+                <a:buFontTx/>
+                <a:buNone/>
+              </a:pPr>
+              <a:r>
+                <a:rPr lang="ja-JP" altLang="en-US" sz="1000" dirty="0"/>
+                <a:t>ファイル</a:t>
+              </a:r>
+            </a:p>
+          </p:txBody>
+        </p:sp>
+        <p:pic>
+          <p:nvPicPr>
+            <p:cNvPr id="34" name="Picture 6" descr="MCj04289610000[1]"/>
+            <p:cNvPicPr>
+              <a:picLocks noChangeAspect="1" noChangeArrowheads="1"/>
+            </p:cNvPicPr>
+            <p:nvPr/>
+          </p:nvPicPr>
+          <p:blipFill>
+            <a:blip r:embed="rId2"/>
+            <a:srcRect/>
+            <a:stretch>
+              <a:fillRect/>
+            </a:stretch>
+          </p:blipFill>
+          <p:spPr bwMode="auto">
+            <a:xfrm>
+              <a:off x="4927858" y="5929330"/>
+              <a:ext cx="1250858" cy="711200"/>
+            </a:xfrm>
+            <a:prstGeom prst="rect">
+              <a:avLst/>
+            </a:prstGeom>
+            <a:noFill/>
+            <a:effectLst>
+              <a:outerShdw dist="35921" dir="2700000" algn="ctr" rotWithShape="0">
+                <a:srgbClr val="808080">
+                  <a:alpha val="50000"/>
+                </a:srgbClr>
+              </a:outerShdw>
+            </a:effectLst>
+          </p:spPr>
+        </p:pic>
+        <p:sp>
+          <p:nvSpPr>
+            <p:cNvPr id="12" name="AutoShape 9"/>
+            <p:cNvSpPr>
+              <a:spLocks noChangeArrowheads="1"/>
+            </p:cNvSpPr>
+            <p:nvPr/>
+          </p:nvSpPr>
+          <p:spPr bwMode="auto">
+            <a:xfrm>
+              <a:off x="4371972" y="4500570"/>
+              <a:ext cx="2486044" cy="497209"/>
+            </a:xfrm>
+            <a:prstGeom prst="flowChartProcess">
+              <a:avLst/>
+            </a:prstGeom>
+            <a:solidFill>
+              <a:srgbClr val="CCFFFF"/>
+            </a:solidFill>
+            <a:ln w="9525" algn="ctr">
+              <a:solidFill>
+                <a:schemeClr val="tx1"/>
+              </a:solidFill>
+              <a:miter lim="800000"/>
+              <a:headEnd/>
+              <a:tailEnd/>
+            </a:ln>
+            <a:effectLst/>
+          </p:spPr>
+          <p:txBody>
+            <a:bodyPr wrap="none" lIns="90000" tIns="46800" rIns="90000" bIns="46800" anchor="ctr"/>
+            <a:lstStyle/>
+            <a:p>
+              <a:pPr algn="ctr">
+                <a:spcBef>
+                  <a:spcPct val="0"/>
+                </a:spcBef>
+                <a:buClrTx/>
+                <a:buFontTx/>
+                <a:buNone/>
+              </a:pPr>
+              <a:r>
+                <a:rPr lang="ja-JP" altLang="en-US" sz="1000" dirty="0"/>
+                <a:t>図形データ生成</a:t>
+              </a:r>
+            </a:p>
+          </p:txBody>
+        </p:sp>
+        <p:cxnSp>
+          <p:nvCxnSpPr>
+            <p:cNvPr id="13" name="AutoShape 10"/>
+            <p:cNvCxnSpPr>
+              <a:cxnSpLocks noChangeShapeType="1"/>
+            </p:cNvCxnSpPr>
+            <p:nvPr/>
+          </p:nvCxnSpPr>
+          <p:spPr bwMode="auto">
+            <a:xfrm rot="5400000">
+              <a:off x="4572794" y="2713826"/>
+              <a:ext cx="571504" cy="1588"/>
+            </a:xfrm>
+            <a:prstGeom prst="straightConnector1">
+              <a:avLst/>
+            </a:prstGeom>
+            <a:ln>
+              <a:headEnd/>
+              <a:tailEnd type="triangle" w="med" len="med"/>
+            </a:ln>
+          </p:spPr>
+          <p:style>
+            <a:lnRef idx="3">
+              <a:schemeClr val="accent1"/>
+            </a:lnRef>
+            <a:fillRef idx="0">
+              <a:schemeClr val="accent1"/>
+            </a:fillRef>
+            <a:effectRef idx="2">
+              <a:schemeClr val="accent1"/>
+            </a:effectRef>
+            <a:fontRef idx="minor">
+              <a:schemeClr val="tx1"/>
+            </a:fontRef>
+          </p:style>
+        </p:cxnSp>
+        <p:cxnSp>
+          <p:nvCxnSpPr>
+            <p:cNvPr id="14" name="AutoShape 11"/>
+            <p:cNvCxnSpPr>
+              <a:cxnSpLocks noChangeShapeType="1"/>
+            </p:cNvCxnSpPr>
+            <p:nvPr/>
+          </p:nvCxnSpPr>
+          <p:spPr bwMode="auto">
+            <a:xfrm rot="5400000">
+              <a:off x="6394066" y="2749942"/>
+              <a:ext cx="500066" cy="794"/>
+            </a:xfrm>
+            <a:prstGeom prst="straightConnector1">
+              <a:avLst/>
+            </a:prstGeom>
+            <a:ln>
+              <a:headEnd/>
+              <a:tailEnd type="triangle" w="med" len="med"/>
+            </a:ln>
+          </p:spPr>
+          <p:style>
+            <a:lnRef idx="3">
+              <a:schemeClr val="accent1"/>
+            </a:lnRef>
+            <a:fillRef idx="0">
+              <a:schemeClr val="accent1"/>
+            </a:fillRef>
+            <a:effectRef idx="2">
+              <a:schemeClr val="accent1"/>
+            </a:effectRef>
+            <a:fontRef idx="minor">
+              <a:schemeClr val="tx1"/>
+            </a:fontRef>
+          </p:style>
+        </p:cxnSp>
+        <p:cxnSp>
+          <p:nvCxnSpPr>
+            <p:cNvPr id="15" name="AutoShape 12"/>
+            <p:cNvCxnSpPr>
+              <a:cxnSpLocks noChangeShapeType="1"/>
+              <a:stCxn id="27" idx="4"/>
+              <a:endCxn id="12" idx="0"/>
+            </p:cNvCxnSpPr>
+            <p:nvPr/>
+          </p:nvCxnSpPr>
+          <p:spPr bwMode="auto">
+            <a:xfrm rot="5400000">
+              <a:off x="5512613" y="4393407"/>
+              <a:ext cx="209544" cy="4782"/>
+            </a:xfrm>
+            <a:prstGeom prst="straightConnector1">
+              <a:avLst/>
+            </a:prstGeom>
+            <a:noFill/>
+            <a:ln w="57150">
+              <a:solidFill>
+                <a:srgbClr val="333333"/>
+              </a:solidFill>
+              <a:round/>
+              <a:headEnd/>
+              <a:tailEnd type="triangle" w="med" len="med"/>
+            </a:ln>
+            <a:effectLst/>
+          </p:spPr>
+        </p:cxnSp>
+        <p:cxnSp>
+          <p:nvCxnSpPr>
+            <p:cNvPr id="16" name="AutoShape 13"/>
+            <p:cNvCxnSpPr>
+              <a:cxnSpLocks noChangeShapeType="1"/>
+            </p:cNvCxnSpPr>
+            <p:nvPr/>
+          </p:nvCxnSpPr>
+          <p:spPr bwMode="auto">
+            <a:xfrm>
+              <a:off x="3786182" y="4786322"/>
+              <a:ext cx="571504" cy="1588"/>
+            </a:xfrm>
+            <a:prstGeom prst="straightConnector1">
+              <a:avLst/>
+            </a:prstGeom>
+            <a:ln>
+              <a:headEnd/>
+              <a:tailEnd type="triangle" w="med" len="med"/>
+            </a:ln>
+          </p:spPr>
+          <p:style>
+            <a:lnRef idx="3">
+              <a:schemeClr val="accent3"/>
+            </a:lnRef>
+            <a:fillRef idx="0">
+              <a:schemeClr val="accent3"/>
+            </a:fillRef>
+            <a:effectRef idx="2">
+              <a:schemeClr val="accent3"/>
+            </a:effectRef>
+            <a:fontRef idx="minor">
+              <a:schemeClr val="tx1"/>
+            </a:fontRef>
+          </p:style>
+        </p:cxnSp>
+        <p:sp>
+          <p:nvSpPr>
+            <p:cNvPr id="17" name="AutoShape 16"/>
+            <p:cNvSpPr>
+              <a:spLocks noChangeArrowheads="1"/>
+            </p:cNvSpPr>
+            <p:nvPr/>
+          </p:nvSpPr>
+          <p:spPr bwMode="auto">
+            <a:xfrm>
+              <a:off x="1725618" y="5745178"/>
+              <a:ext cx="1917688" cy="508000"/>
+            </a:xfrm>
+            <a:prstGeom prst="flowChartDocument">
+              <a:avLst/>
+            </a:prstGeom>
+            <a:solidFill>
+              <a:schemeClr val="bg1"/>
+            </a:solidFill>
+            <a:ln w="9525" algn="ctr">
+              <a:solidFill>
+                <a:schemeClr val="tx1"/>
+              </a:solidFill>
+              <a:miter lim="800000"/>
+              <a:headEnd/>
+              <a:tailEnd/>
+            </a:ln>
+            <a:effectLst>
+              <a:outerShdw dist="35921" dir="2700000" algn="ctr" rotWithShape="0">
+                <a:schemeClr val="bg2">
+                  <a:alpha val="50000"/>
+                </a:schemeClr>
+              </a:outerShdw>
+            </a:effectLst>
+          </p:spPr>
+          <p:txBody>
+            <a:bodyPr wrap="none" lIns="90000" tIns="46800" rIns="90000" bIns="46800" anchor="ctr"/>
+            <a:lstStyle/>
+            <a:p>
+              <a:pPr algn="ctr">
+                <a:spcBef>
+                  <a:spcPct val="0"/>
+                </a:spcBef>
+                <a:buClrTx/>
+                <a:buFontTx/>
+                <a:buNone/>
+              </a:pPr>
+              <a:r>
+                <a:rPr lang="en-US" altLang="ja-JP" sz="1000" dirty="0"/>
+                <a:t>TLV</a:t>
+              </a:r>
+              <a:r>
+                <a:rPr lang="ja-JP" altLang="en-US" sz="1000" dirty="0"/>
+                <a:t>ファイル</a:t>
+              </a:r>
+            </a:p>
+          </p:txBody>
+        </p:sp>
+        <p:cxnSp>
+          <p:nvCxnSpPr>
+            <p:cNvPr id="18" name="AutoShape 17"/>
+            <p:cNvCxnSpPr>
+              <a:cxnSpLocks noChangeShapeType="1"/>
+            </p:cNvCxnSpPr>
+            <p:nvPr/>
+          </p:nvCxnSpPr>
+          <p:spPr bwMode="auto">
+            <a:xfrm>
+              <a:off x="3786182" y="5715016"/>
+              <a:ext cx="642942" cy="1588"/>
+            </a:xfrm>
+            <a:prstGeom prst="straightConnector1">
+              <a:avLst/>
+            </a:prstGeom>
+            <a:ln>
+              <a:headEnd type="triangle" w="med" len="med"/>
+              <a:tailEnd type="triangle" w="med" len="med"/>
+            </a:ln>
+          </p:spPr>
+          <p:style>
+            <a:lnRef idx="3">
+              <a:schemeClr val="accent4"/>
+            </a:lnRef>
+            <a:fillRef idx="0">
+              <a:schemeClr val="accent4"/>
+            </a:fillRef>
+            <a:effectRef idx="2">
+              <a:schemeClr val="accent4"/>
+            </a:effectRef>
+            <a:fontRef idx="minor">
+              <a:schemeClr val="tx1"/>
+            </a:fontRef>
+          </p:style>
+        </p:cxnSp>
+        <p:sp>
+          <p:nvSpPr>
+            <p:cNvPr id="19" name="AutoShape 19"/>
+            <p:cNvSpPr>
+              <a:spLocks noChangeArrowheads="1"/>
+            </p:cNvSpPr>
+            <p:nvPr/>
+          </p:nvSpPr>
+          <p:spPr bwMode="auto">
+            <a:xfrm>
+              <a:off x="4362447" y="3024181"/>
+              <a:ext cx="2495569" cy="497043"/>
+            </a:xfrm>
+            <a:prstGeom prst="flowChartProcess">
+              <a:avLst/>
+            </a:prstGeom>
+            <a:solidFill>
+              <a:srgbClr val="CCFFFF"/>
+            </a:solidFill>
+            <a:ln w="9525" algn="ctr">
+              <a:solidFill>
+                <a:schemeClr val="tx1"/>
+              </a:solidFill>
+              <a:miter lim="800000"/>
+              <a:headEnd/>
+              <a:tailEnd/>
+            </a:ln>
+            <a:effectLst/>
+          </p:spPr>
+          <p:txBody>
+            <a:bodyPr wrap="none" lIns="90000" tIns="46800" rIns="90000" bIns="46800" anchor="ctr"/>
+            <a:lstStyle/>
+            <a:p>
+              <a:pPr algn="ctr">
+                <a:spcBef>
+                  <a:spcPct val="0"/>
+                </a:spcBef>
+                <a:buClrTx/>
+                <a:buFontTx/>
+                <a:buNone/>
+              </a:pPr>
+              <a:r>
+                <a:rPr lang="ja-JP" altLang="en-US" sz="1000" dirty="0"/>
+                <a:t>標準形式変換</a:t>
+              </a:r>
+            </a:p>
+          </p:txBody>
+        </p:sp>
+        <p:cxnSp>
+          <p:nvCxnSpPr>
+            <p:cNvPr id="20" name="AutoShape 20"/>
+            <p:cNvCxnSpPr>
+              <a:cxnSpLocks noChangeShapeType="1"/>
+            </p:cNvCxnSpPr>
+            <p:nvPr/>
+          </p:nvCxnSpPr>
+          <p:spPr bwMode="auto">
+            <a:xfrm>
+              <a:off x="3786182" y="3286124"/>
+              <a:ext cx="571504" cy="1588"/>
+            </a:xfrm>
+            <a:prstGeom prst="straightConnector1">
+              <a:avLst/>
+            </a:prstGeom>
+            <a:ln>
+              <a:headEnd/>
+              <a:tailEnd type="triangle" w="med" len="med"/>
+            </a:ln>
+          </p:spPr>
+          <p:style>
+            <a:lnRef idx="3">
+              <a:schemeClr val="accent1"/>
+            </a:lnRef>
+            <a:fillRef idx="0">
+              <a:schemeClr val="accent1"/>
+            </a:fillRef>
+            <a:effectRef idx="2">
+              <a:schemeClr val="accent1"/>
+            </a:effectRef>
+            <a:fontRef idx="minor">
+              <a:schemeClr val="tx1"/>
+            </a:fontRef>
+          </p:style>
+        </p:cxnSp>
+        <p:sp>
+          <p:nvSpPr>
+            <p:cNvPr id="21" name="AutoShape 21"/>
+            <p:cNvSpPr>
+              <a:spLocks noChangeArrowheads="1"/>
+            </p:cNvSpPr>
+            <p:nvPr/>
+          </p:nvSpPr>
+          <p:spPr bwMode="auto">
+            <a:xfrm>
+              <a:off x="5786446" y="1447800"/>
+              <a:ext cx="1804296" cy="1052506"/>
+            </a:xfrm>
+            <a:prstGeom prst="roundRect">
+              <a:avLst>
+                <a:gd name="adj" fmla="val 16667"/>
+              </a:avLst>
+            </a:prstGeom>
+            <a:ln>
+              <a:headEnd/>
+              <a:tailEnd/>
+            </a:ln>
+          </p:spPr>
+          <p:style>
+            <a:lnRef idx="1">
+              <a:schemeClr val="accent1"/>
+            </a:lnRef>
+            <a:fillRef idx="2">
+              <a:schemeClr val="accent1"/>
+            </a:fillRef>
+            <a:effectRef idx="1">
+              <a:schemeClr val="accent1"/>
+            </a:effectRef>
+            <a:fontRef idx="minor">
+              <a:schemeClr val="dk1"/>
+            </a:fontRef>
+          </p:style>
+          <p:txBody>
+            <a:bodyPr wrap="none" lIns="90000" tIns="46800" rIns="90000" bIns="46800" anchor="ctr"/>
+            <a:lstStyle/>
+            <a:p>
+              <a:pPr algn="ctr">
+                <a:buClrTx/>
+                <a:buFontTx/>
+                <a:buNone/>
+              </a:pPr>
+              <a:endParaRPr lang="ja-JP" altLang="ja-JP" sz="1000">
+                <a:solidFill>
+                  <a:srgbClr val="FF0000"/>
+                </a:solidFill>
+              </a:endParaRPr>
+            </a:p>
+          </p:txBody>
+        </p:sp>
+        <p:sp>
+          <p:nvSpPr>
+            <p:cNvPr id="22" name="AutoShape 22"/>
+            <p:cNvSpPr>
+              <a:spLocks noChangeArrowheads="1"/>
+            </p:cNvSpPr>
+            <p:nvPr/>
+          </p:nvSpPr>
+          <p:spPr bwMode="auto">
+            <a:xfrm>
+              <a:off x="3923364" y="1447800"/>
+              <a:ext cx="1762139" cy="1018630"/>
+            </a:xfrm>
+            <a:prstGeom prst="roundRect">
+              <a:avLst>
+                <a:gd name="adj" fmla="val 16667"/>
+              </a:avLst>
+            </a:prstGeom>
+            <a:ln>
+              <a:headEnd/>
+              <a:tailEnd/>
+            </a:ln>
+          </p:spPr>
+          <p:style>
+            <a:lnRef idx="1">
+              <a:schemeClr val="accent1"/>
+            </a:lnRef>
+            <a:fillRef idx="2">
+              <a:schemeClr val="accent1"/>
+            </a:fillRef>
+            <a:effectRef idx="1">
+              <a:schemeClr val="accent1"/>
+            </a:effectRef>
+            <a:fontRef idx="minor">
+              <a:schemeClr val="dk1"/>
+            </a:fontRef>
+          </p:style>
+          <p:txBody>
+            <a:bodyPr wrap="none" lIns="90000" tIns="46800" rIns="90000" bIns="46800" anchor="ctr"/>
+            <a:lstStyle/>
+            <a:p>
+              <a:pPr algn="ctr">
+                <a:buClrTx/>
+                <a:buFontTx/>
+                <a:buNone/>
+              </a:pPr>
+              <a:endParaRPr lang="ja-JP" altLang="ja-JP" sz="1000">
+                <a:solidFill>
+                  <a:srgbClr val="FF0000"/>
+                </a:solidFill>
+              </a:endParaRPr>
+            </a:p>
+          </p:txBody>
+        </p:sp>
+        <p:sp>
+          <p:nvSpPr>
+            <p:cNvPr id="23" name="AutoShape 23"/>
+            <p:cNvSpPr>
+              <a:spLocks noChangeArrowheads="1"/>
+            </p:cNvSpPr>
+            <p:nvPr/>
+          </p:nvSpPr>
+          <p:spPr bwMode="auto">
+            <a:xfrm flipH="1">
+              <a:off x="4000496" y="1546224"/>
+              <a:ext cx="1648493" cy="739767"/>
+            </a:xfrm>
+            <a:prstGeom prst="verticalScroll">
+              <a:avLst>
+                <a:gd name="adj" fmla="val 8204"/>
+              </a:avLst>
+            </a:prstGeom>
+            <a:solidFill>
+              <a:srgbClr val="FFFFCC"/>
+            </a:solidFill>
+            <a:ln w="9525" algn="ctr">
+              <a:solidFill>
+                <a:schemeClr val="tx1"/>
+              </a:solidFill>
+              <a:round/>
+              <a:headEnd/>
+              <a:tailEnd/>
+            </a:ln>
+            <a:effectLst>
+              <a:outerShdw dist="35921" dir="2700000" algn="ctr" rotWithShape="0">
+                <a:schemeClr val="bg2">
+                  <a:alpha val="50000"/>
+                </a:schemeClr>
+              </a:outerShdw>
+            </a:effectLst>
+          </p:spPr>
+          <p:txBody>
+            <a:bodyPr wrap="none" lIns="90000" tIns="46800" rIns="90000" bIns="46800" anchor="ctr"/>
+            <a:lstStyle/>
+            <a:p>
+              <a:pPr algn="ctr">
+                <a:spcBef>
+                  <a:spcPct val="0"/>
+                </a:spcBef>
+                <a:buClrTx/>
+                <a:buFontTx/>
+                <a:buNone/>
+              </a:pPr>
+              <a:r>
+                <a:rPr lang="ja-JP" altLang="en-US" sz="1000" dirty="0"/>
+                <a:t>トレースログ</a:t>
+              </a:r>
+            </a:p>
+            <a:p>
+              <a:pPr algn="ctr">
+                <a:spcBef>
+                  <a:spcPct val="0"/>
+                </a:spcBef>
+                <a:buClrTx/>
+                <a:buFontTx/>
+                <a:buNone/>
+              </a:pPr>
+              <a:r>
+                <a:rPr lang="ja-JP" altLang="en-US" sz="1000" dirty="0"/>
+                <a:t>ファイル</a:t>
+              </a:r>
+            </a:p>
+          </p:txBody>
+        </p:sp>
+        <p:sp>
+          <p:nvSpPr>
+            <p:cNvPr id="24" name="AutoShape 24"/>
+            <p:cNvSpPr>
+              <a:spLocks noChangeArrowheads="1"/>
+            </p:cNvSpPr>
+            <p:nvPr/>
+          </p:nvSpPr>
+          <p:spPr bwMode="auto">
+            <a:xfrm>
+              <a:off x="5857884" y="1549398"/>
+              <a:ext cx="1616062" cy="808031"/>
+            </a:xfrm>
+            <a:prstGeom prst="flowChartDocument">
+              <a:avLst/>
+            </a:prstGeom>
+            <a:solidFill>
+              <a:schemeClr val="bg1"/>
+            </a:solidFill>
+            <a:ln w="9525" algn="ctr">
+              <a:solidFill>
+                <a:schemeClr val="tx1"/>
+              </a:solidFill>
+              <a:miter lim="800000"/>
+              <a:headEnd/>
+              <a:tailEnd/>
+            </a:ln>
+            <a:effectLst>
+              <a:outerShdw dist="35921" dir="2700000" algn="ctr" rotWithShape="0">
+                <a:schemeClr val="bg2">
+                  <a:alpha val="50000"/>
+                </a:schemeClr>
+              </a:outerShdw>
+            </a:effectLst>
+          </p:spPr>
+          <p:txBody>
+            <a:bodyPr wrap="none" lIns="90000" tIns="46800" rIns="90000" bIns="46800" anchor="ctr"/>
+            <a:lstStyle/>
+            <a:p>
+              <a:pPr algn="ctr">
+                <a:spcBef>
+                  <a:spcPct val="0"/>
+                </a:spcBef>
+                <a:buClrTx/>
+                <a:buFontTx/>
+                <a:buNone/>
+              </a:pPr>
+              <a:r>
+                <a:rPr lang="ja-JP" altLang="en-US" sz="1000" dirty="0"/>
+                <a:t>リソース</a:t>
+              </a:r>
+            </a:p>
+            <a:p>
+              <a:pPr algn="ctr">
+                <a:spcBef>
+                  <a:spcPct val="0"/>
+                </a:spcBef>
+                <a:buClrTx/>
+                <a:buFontTx/>
+                <a:buNone/>
+              </a:pPr>
+              <a:r>
+                <a:rPr lang="ja-JP" altLang="en-US" sz="1000" dirty="0"/>
+                <a:t>ファイル</a:t>
+              </a:r>
+            </a:p>
+          </p:txBody>
+        </p:sp>
+        <p:sp>
+          <p:nvSpPr>
+            <p:cNvPr id="25" name="AutoShape 28"/>
+            <p:cNvSpPr>
+              <a:spLocks noChangeArrowheads="1"/>
+            </p:cNvSpPr>
+            <p:nvPr/>
+          </p:nvSpPr>
+          <p:spPr bwMode="auto">
+            <a:xfrm>
+              <a:off x="1758956" y="3071810"/>
+              <a:ext cx="1917704" cy="958852"/>
+            </a:xfrm>
+            <a:prstGeom prst="flowChartMultidocument">
+              <a:avLst/>
+            </a:prstGeom>
+            <a:solidFill>
+              <a:schemeClr val="bg1"/>
+            </a:solidFill>
+            <a:ln w="9525" algn="ctr">
+              <a:solidFill>
+                <a:schemeClr val="tx1"/>
+              </a:solidFill>
+              <a:miter lim="800000"/>
+              <a:headEnd/>
+              <a:tailEnd/>
+            </a:ln>
+            <a:effectLst>
+              <a:outerShdw dist="35921" dir="2700000" algn="ctr" rotWithShape="0">
+                <a:schemeClr val="bg2">
+                  <a:alpha val="50000"/>
+                </a:schemeClr>
+              </a:outerShdw>
+            </a:effectLst>
+          </p:spPr>
+          <p:txBody>
+            <a:bodyPr wrap="none" lIns="90000" tIns="46800" rIns="90000" bIns="46800" anchor="ctr"/>
+            <a:lstStyle/>
+            <a:p>
+              <a:pPr algn="ctr">
+                <a:spcBef>
+                  <a:spcPct val="0"/>
+                </a:spcBef>
+                <a:buClrTx/>
+                <a:buFontTx/>
+                <a:buNone/>
+              </a:pPr>
+              <a:r>
+                <a:rPr lang="ja-JP" altLang="en-US" sz="1000" dirty="0"/>
+                <a:t>変換ルール</a:t>
+              </a:r>
+            </a:p>
+            <a:p>
+              <a:pPr algn="ctr">
+                <a:spcBef>
+                  <a:spcPct val="0"/>
+                </a:spcBef>
+                <a:buClrTx/>
+                <a:buFontTx/>
+                <a:buNone/>
+              </a:pPr>
+              <a:r>
+                <a:rPr lang="ja-JP" altLang="en-US" sz="1000" dirty="0"/>
+                <a:t>ファイル</a:t>
+              </a:r>
+            </a:p>
+          </p:txBody>
+        </p:sp>
+        <p:sp>
+          <p:nvSpPr>
+            <p:cNvPr id="26" name="AutoShape 29"/>
+            <p:cNvSpPr>
+              <a:spLocks noChangeArrowheads="1"/>
+            </p:cNvSpPr>
+            <p:nvPr/>
+          </p:nvSpPr>
+          <p:spPr bwMode="auto">
+            <a:xfrm>
+              <a:off x="1776418" y="2031998"/>
+              <a:ext cx="1938326" cy="971540"/>
+            </a:xfrm>
+            <a:prstGeom prst="flowChartMultidocument">
+              <a:avLst/>
+            </a:prstGeom>
+            <a:solidFill>
+              <a:schemeClr val="bg1"/>
+            </a:solidFill>
+            <a:ln w="9525" algn="ctr">
+              <a:solidFill>
+                <a:schemeClr val="tx1"/>
+              </a:solidFill>
+              <a:miter lim="800000"/>
+              <a:headEnd/>
+              <a:tailEnd/>
+            </a:ln>
+            <a:effectLst>
+              <a:outerShdw dist="35921" dir="2700000" algn="ctr" rotWithShape="0">
+                <a:schemeClr val="bg2">
+                  <a:alpha val="50000"/>
+                </a:schemeClr>
+              </a:outerShdw>
+            </a:effectLst>
+          </p:spPr>
+          <p:txBody>
+            <a:bodyPr wrap="none" lIns="90000" tIns="46800" rIns="90000" bIns="46800" anchor="ctr"/>
+            <a:lstStyle/>
+            <a:p>
+              <a:pPr algn="ctr">
+                <a:spcBef>
+                  <a:spcPct val="0"/>
+                </a:spcBef>
+                <a:buClrTx/>
+                <a:buFontTx/>
+                <a:buNone/>
+              </a:pPr>
+              <a:r>
+                <a:rPr lang="ja-JP" altLang="en-US" sz="1000" dirty="0"/>
+                <a:t>リソースヘッダ</a:t>
+              </a:r>
+            </a:p>
+            <a:p>
+              <a:pPr algn="ctr">
+                <a:spcBef>
+                  <a:spcPct val="0"/>
+                </a:spcBef>
+                <a:buClrTx/>
+                <a:buFontTx/>
+                <a:buNone/>
+              </a:pPr>
+              <a:r>
+                <a:rPr lang="ja-JP" altLang="en-US" sz="1000" dirty="0"/>
+                <a:t>ファイル</a:t>
+              </a:r>
+            </a:p>
+          </p:txBody>
+        </p:sp>
+        <p:sp>
+          <p:nvSpPr>
+            <p:cNvPr id="27" name="AutoShape 33"/>
+            <p:cNvSpPr>
+              <a:spLocks noChangeArrowheads="1"/>
+            </p:cNvSpPr>
+            <p:nvPr/>
+          </p:nvSpPr>
+          <p:spPr bwMode="auto">
+            <a:xfrm>
+              <a:off x="4357686" y="3786190"/>
+              <a:ext cx="2524180" cy="504836"/>
+            </a:xfrm>
+            <a:prstGeom prst="flowChartInputOutput">
+              <a:avLst/>
+            </a:prstGeom>
+            <a:solidFill>
+              <a:srgbClr val="FFFFCC"/>
+            </a:solidFill>
+            <a:ln w="9525" algn="ctr">
+              <a:solidFill>
+                <a:schemeClr val="tx1"/>
+              </a:solidFill>
+              <a:miter lim="800000"/>
+              <a:headEnd/>
+              <a:tailEnd/>
+            </a:ln>
+            <a:effectLst/>
+          </p:spPr>
+          <p:txBody>
+            <a:bodyPr wrap="none" lIns="90000" tIns="46800" rIns="90000" bIns="46800" anchor="ctr"/>
+            <a:lstStyle/>
+            <a:p>
+              <a:pPr algn="ctr">
+                <a:spcBef>
+                  <a:spcPct val="0"/>
+                </a:spcBef>
+                <a:buClrTx/>
+                <a:buFontTx/>
+                <a:buNone/>
+              </a:pPr>
+              <a:r>
+                <a:rPr lang="ja-JP" altLang="en-US" sz="1000" dirty="0"/>
+                <a:t>標準形式</a:t>
+              </a:r>
+            </a:p>
+            <a:p>
+              <a:pPr algn="ctr">
+                <a:spcBef>
+                  <a:spcPct val="0"/>
+                </a:spcBef>
+                <a:buClrTx/>
+                <a:buFontTx/>
+                <a:buNone/>
+              </a:pPr>
+              <a:r>
+                <a:rPr lang="ja-JP" altLang="en-US" sz="1000" dirty="0"/>
+                <a:t>トレースログ</a:t>
+              </a:r>
+            </a:p>
+          </p:txBody>
+        </p:sp>
+        <p:sp>
+          <p:nvSpPr>
+            <p:cNvPr id="28" name="Rectangle 34"/>
+            <p:cNvSpPr>
+              <a:spLocks noChangeArrowheads="1"/>
+            </p:cNvSpPr>
+            <p:nvPr/>
+          </p:nvSpPr>
+          <p:spPr bwMode="auto">
+            <a:xfrm>
+              <a:off x="4676772" y="3024182"/>
+              <a:ext cx="304800" cy="228600"/>
+            </a:xfrm>
+            <a:prstGeom prst="rect">
+              <a:avLst/>
+            </a:prstGeom>
+            <a:noFill/>
+            <a:ln w="9525" algn="ctr">
+              <a:noFill/>
+              <a:miter lim="800000"/>
+              <a:headEnd/>
+              <a:tailEnd/>
+            </a:ln>
+            <a:effectLst/>
+          </p:spPr>
+          <p:txBody>
+            <a:bodyPr wrap="none" lIns="90000" tIns="46800" rIns="90000" bIns="46800" anchor="ctr"/>
+            <a:lstStyle/>
+            <a:p>
+              <a:endParaRPr lang="ja-JP" altLang="en-US" sz="1000"/>
+            </a:p>
+          </p:txBody>
+        </p:sp>
+        <p:sp>
+          <p:nvSpPr>
+            <p:cNvPr id="29" name="Rectangle 35"/>
+            <p:cNvSpPr>
+              <a:spLocks noChangeArrowheads="1"/>
+            </p:cNvSpPr>
+            <p:nvPr/>
+          </p:nvSpPr>
+          <p:spPr bwMode="auto">
+            <a:xfrm>
+              <a:off x="5972172" y="3024182"/>
+              <a:ext cx="304800" cy="228600"/>
+            </a:xfrm>
+            <a:prstGeom prst="rect">
+              <a:avLst/>
+            </a:prstGeom>
+            <a:noFill/>
+            <a:ln w="9525" algn="ctr">
+              <a:noFill/>
+              <a:miter lim="800000"/>
+              <a:headEnd/>
+              <a:tailEnd/>
+            </a:ln>
+            <a:effectLst/>
+          </p:spPr>
+          <p:txBody>
+            <a:bodyPr wrap="none" lIns="90000" tIns="46800" rIns="90000" bIns="46800" anchor="ctr"/>
+            <a:lstStyle/>
+            <a:p>
+              <a:endParaRPr lang="ja-JP" altLang="en-US" sz="1000"/>
+            </a:p>
+          </p:txBody>
+        </p:sp>
+        <p:cxnSp>
+          <p:nvCxnSpPr>
+            <p:cNvPr id="30" name="AutoShape 36"/>
+            <p:cNvCxnSpPr>
+              <a:cxnSpLocks noChangeShapeType="1"/>
+              <a:stCxn id="19" idx="2"/>
+              <a:endCxn id="27" idx="1"/>
+            </p:cNvCxnSpPr>
+            <p:nvPr/>
+          </p:nvCxnSpPr>
+          <p:spPr bwMode="auto">
+            <a:xfrm rot="16200000" flipH="1">
+              <a:off x="5482521" y="3648935"/>
+              <a:ext cx="264966" cy="9544"/>
+            </a:xfrm>
+            <a:prstGeom prst="straightConnector1">
+              <a:avLst/>
+            </a:prstGeom>
+            <a:noFill/>
+            <a:ln w="57150">
+              <a:solidFill>
+                <a:srgbClr val="333333"/>
+              </a:solidFill>
+              <a:round/>
+              <a:headEnd/>
+              <a:tailEnd type="triangle" w="med" len="med"/>
+            </a:ln>
+            <a:effectLst/>
+          </p:spPr>
+        </p:cxnSp>
+        <p:sp>
+          <p:nvSpPr>
+            <p:cNvPr id="31" name="AutoShape 8"/>
+            <p:cNvSpPr>
+              <a:spLocks noChangeArrowheads="1"/>
+            </p:cNvSpPr>
+            <p:nvPr/>
+          </p:nvSpPr>
+          <p:spPr bwMode="auto">
+            <a:xfrm>
+              <a:off x="4371972" y="5214950"/>
+              <a:ext cx="2486044" cy="497209"/>
+            </a:xfrm>
+            <a:prstGeom prst="flowChartInputOutput">
+              <a:avLst/>
+            </a:prstGeom>
+            <a:solidFill>
+              <a:srgbClr val="FFFFCC"/>
+            </a:solidFill>
+            <a:ln w="9525" algn="ctr">
+              <a:solidFill>
+                <a:schemeClr val="tx1"/>
+              </a:solidFill>
+              <a:miter lim="800000"/>
+              <a:headEnd/>
+              <a:tailEnd/>
+            </a:ln>
+            <a:effectLst/>
+          </p:spPr>
+          <p:txBody>
+            <a:bodyPr wrap="none" lIns="90000" tIns="46800" rIns="90000" bIns="46800" anchor="ctr"/>
+            <a:lstStyle/>
+            <a:p>
+              <a:pPr algn="ctr">
+                <a:spcBef>
+                  <a:spcPct val="0"/>
+                </a:spcBef>
+                <a:buClrTx/>
+                <a:buFontTx/>
+                <a:buNone/>
+              </a:pPr>
+              <a:r>
+                <a:rPr lang="en-US" altLang="ja-JP" sz="1000" dirty="0"/>
+                <a:t>TLV</a:t>
+              </a:r>
+              <a:r>
+                <a:rPr lang="ja-JP" altLang="en-US" sz="1000" dirty="0"/>
+                <a:t>データ</a:t>
+              </a:r>
+            </a:p>
+          </p:txBody>
+        </p:sp>
+        <p:cxnSp>
+          <p:nvCxnSpPr>
+            <p:cNvPr id="32" name="AutoShape 46"/>
+            <p:cNvCxnSpPr>
+              <a:cxnSpLocks noChangeShapeType="1"/>
+              <a:stCxn id="12" idx="2"/>
+              <a:endCxn id="31" idx="1"/>
+            </p:cNvCxnSpPr>
+            <p:nvPr/>
+          </p:nvCxnSpPr>
+          <p:spPr bwMode="auto">
+            <a:xfrm rot="5400000">
+              <a:off x="5506409" y="5106364"/>
+              <a:ext cx="217171" cy="1588"/>
+            </a:xfrm>
+            <a:prstGeom prst="straightConnector1">
+              <a:avLst/>
+            </a:prstGeom>
+            <a:noFill/>
+            <a:ln w="57150">
+              <a:solidFill>
+                <a:srgbClr val="333333"/>
+              </a:solidFill>
+              <a:round/>
+              <a:headEnd/>
+              <a:tailEnd type="triangle" w="med" len="med"/>
+            </a:ln>
+            <a:effectLst/>
+          </p:spPr>
+        </p:cxnSp>
+        <p:cxnSp>
+          <p:nvCxnSpPr>
+            <p:cNvPr id="33" name="AutoShape 46"/>
+            <p:cNvCxnSpPr>
+              <a:cxnSpLocks noChangeShapeType="1"/>
+            </p:cNvCxnSpPr>
+            <p:nvPr/>
+          </p:nvCxnSpPr>
+          <p:spPr bwMode="auto">
+            <a:xfrm rot="5400000">
+              <a:off x="5499900" y="5857098"/>
+              <a:ext cx="285752" cy="1588"/>
+            </a:xfrm>
+            <a:prstGeom prst="straightConnector1">
+              <a:avLst/>
+            </a:prstGeom>
+            <a:noFill/>
+            <a:ln w="57150">
+              <a:solidFill>
+                <a:srgbClr val="333333"/>
+              </a:solidFill>
+              <a:round/>
+              <a:headEnd/>
+              <a:tailEnd type="triangle" w="med" len="med"/>
+            </a:ln>
+            <a:effectLst/>
+          </p:spPr>
+        </p:cxnSp>
+      </p:grpSp>
     </p:spTree>
   </p:cSld>
   <p:clrMapOvr>
@@ -9942,7 +13931,1704 @@
 </p:sld>
 </file>
 
-<file path=ppt/slides/slide6.xml><?xml version="1.0" encoding="utf-8"?>
+<file path=ppt/slides/slide7.xml><?xml version="1.0" encoding="utf-8"?>
+<p:sld xmlns:a="http://schemas.openxmlformats.org/drawingml/2006/main" xmlns:r="http://schemas.openxmlformats.org/officeDocument/2006/relationships" xmlns:p="http://schemas.openxmlformats.org/presentationml/2006/main">
+  <p:cSld>
+    <p:spTree>
+      <p:nvGrpSpPr>
+        <p:cNvPr id="1" name=""/>
+        <p:cNvGrpSpPr/>
+        <p:nvPr/>
+      </p:nvGrpSpPr>
+      <p:grpSpPr>
+        <a:xfrm>
+          <a:off x="0" y="0"/>
+          <a:ext cx="0" cy="0"/>
+          <a:chOff x="0" y="0"/>
+          <a:chExt cx="0" cy="0"/>
+        </a:xfrm>
+      </p:grpSpPr>
+      <p:sp>
+        <p:nvSpPr>
+          <p:cNvPr id="2" name="タイトル 1"/>
+          <p:cNvSpPr>
+            <a:spLocks noGrp="1"/>
+          </p:cNvSpPr>
+          <p:nvPr>
+            <p:ph type="title"/>
+          </p:nvPr>
+        </p:nvSpPr>
+        <p:spPr/>
+        <p:txBody>
+          <a:bodyPr/>
+          <a:lstStyle/>
+          <a:p>
+            <a:r>
+              <a:rPr kumimoji="1" lang="ja-JP" altLang="en-US" dirty="0" smtClean="0"/>
+              <a:t>プロトタイプ実装</a:t>
+            </a:r>
+            <a:endParaRPr kumimoji="1" lang="ja-JP" altLang="en-US" dirty="0"/>
+          </a:p>
+        </p:txBody>
+      </p:sp>
+      <p:sp>
+        <p:nvSpPr>
+          <p:cNvPr id="3" name="コンテンツ プレースホルダ 2"/>
+          <p:cNvSpPr>
+            <a:spLocks noGrp="1"/>
+          </p:cNvSpPr>
+          <p:nvPr>
+            <p:ph idx="1"/>
+          </p:nvPr>
+        </p:nvSpPr>
+        <p:spPr/>
+        <p:txBody>
+          <a:bodyPr>
+            <a:normAutofit/>
+          </a:bodyPr>
+          <a:lstStyle/>
+          <a:p>
+            <a:r>
+              <a:rPr lang="ja-JP" altLang="en-US" dirty="0" smtClean="0"/>
+              <a:t>変換ルールファイル</a:t>
+            </a:r>
+            <a:endParaRPr lang="en-US" altLang="ja-JP" dirty="0" smtClean="0"/>
+          </a:p>
+          <a:p>
+            <a:pPr lvl="1"/>
+            <a:r>
+              <a:rPr lang="en-US" altLang="ja-JP" dirty="0" smtClean="0"/>
+              <a:t>CPU</a:t>
+            </a:r>
+            <a:r>
+              <a:rPr lang="ja-JP" altLang="en-US" dirty="0" smtClean="0"/>
+              <a:t>にタスクがいないことを示す状態を追加</a:t>
+            </a:r>
+            <a:endParaRPr lang="en-US" altLang="ja-JP" dirty="0" smtClean="0"/>
+          </a:p>
+          <a:p>
+            <a:pPr lvl="1"/>
+            <a:r>
+              <a:rPr kumimoji="1" lang="ja-JP" altLang="en-US" dirty="0" smtClean="0"/>
+              <a:t>マイグレート時は元の状態を継承</a:t>
+            </a:r>
+            <a:endParaRPr kumimoji="1" lang="en-US" altLang="ja-JP" dirty="0" smtClean="0"/>
+          </a:p>
+          <a:p>
+            <a:pPr lvl="2"/>
+            <a:r>
+              <a:rPr lang="ja-JP" altLang="en-US" dirty="0" smtClean="0"/>
+              <a:t>例）実行可能状態</a:t>
+            </a:r>
+            <a:r>
+              <a:rPr lang="en-US" altLang="ja-JP" dirty="0" smtClean="0">
+                <a:sym typeface="Wingdings" pitchFamily="2" charset="2"/>
+              </a:rPr>
+              <a:t></a:t>
+            </a:r>
+            <a:r>
+              <a:rPr lang="ja-JP" altLang="en-US" dirty="0" smtClean="0">
+                <a:sym typeface="Wingdings" pitchFamily="2" charset="2"/>
+              </a:rPr>
+              <a:t>実行可能状態</a:t>
+            </a:r>
+            <a:endParaRPr lang="en-US" altLang="ja-JP" dirty="0" smtClean="0"/>
+          </a:p>
+          <a:p>
+            <a:pPr lvl="2"/>
+            <a:r>
+              <a:rPr lang="ja-JP" altLang="en-US" dirty="0" smtClean="0"/>
+              <a:t>例外）実行状態</a:t>
+            </a:r>
+            <a:r>
+              <a:rPr lang="en-US" altLang="ja-JP" dirty="0" smtClean="0">
+                <a:sym typeface="Wingdings" pitchFamily="2" charset="2"/>
+              </a:rPr>
+              <a:t></a:t>
+            </a:r>
+            <a:r>
+              <a:rPr lang="ja-JP" altLang="en-US" dirty="0" smtClean="0">
+                <a:sym typeface="Wingdings" pitchFamily="2" charset="2"/>
+              </a:rPr>
+              <a:t>実行可能状態</a:t>
+            </a:r>
+            <a:endParaRPr kumimoji="1" lang="en-US" altLang="ja-JP" dirty="0" smtClean="0"/>
+          </a:p>
+          <a:p>
+            <a:r>
+              <a:rPr lang="ja-JP" altLang="en-US" dirty="0" smtClean="0"/>
+              <a:t>可視化ルールファイル</a:t>
+            </a:r>
+            <a:endParaRPr lang="en-US" altLang="ja-JP" dirty="0" smtClean="0"/>
+          </a:p>
+          <a:p>
+            <a:pPr lvl="1"/>
+            <a:r>
+              <a:rPr lang="en-US" altLang="ja-JP" dirty="0" smtClean="0"/>
+              <a:t>CPU</a:t>
+            </a:r>
+            <a:r>
+              <a:rPr lang="ja-JP" altLang="en-US" dirty="0" smtClean="0"/>
+              <a:t>にタスクがいないときは</a:t>
+            </a:r>
+            <a:r>
+              <a:rPr lang="en-US" altLang="ja-JP" dirty="0" smtClean="0"/>
+              <a:t/>
+            </a:r>
+            <a:br>
+              <a:rPr lang="en-US" altLang="ja-JP" dirty="0" smtClean="0"/>
+            </a:br>
+            <a:r>
+              <a:rPr lang="ja-JP" altLang="en-US" dirty="0" smtClean="0"/>
+              <a:t>背景色も表示しない</a:t>
+            </a:r>
+            <a:endParaRPr lang="en-US" altLang="ja-JP" dirty="0" smtClean="0"/>
+          </a:p>
+        </p:txBody>
+      </p:sp>
+      <p:sp>
+        <p:nvSpPr>
+          <p:cNvPr id="4" name="スライド番号プレースホルダ 3"/>
+          <p:cNvSpPr>
+            <a:spLocks noGrp="1"/>
+          </p:cNvSpPr>
+          <p:nvPr>
+            <p:ph type="sldNum" sz="quarter" idx="12"/>
+          </p:nvPr>
+        </p:nvSpPr>
+        <p:spPr/>
+        <p:txBody>
+          <a:bodyPr/>
+          <a:lstStyle/>
+          <a:p>
+            <a:fld id="{A67DFC8C-1F5E-4254-A57A-68887A1C3919}" type="slidenum">
+              <a:rPr lang="ja-JP" altLang="en-US" smtClean="0"/>
+              <a:pPr/>
+              <a:t>7</a:t>
+            </a:fld>
+            <a:endParaRPr lang="ja-JP" altLang="en-US"/>
+          </a:p>
+        </p:txBody>
+      </p:sp>
+      <p:grpSp>
+        <p:nvGrpSpPr>
+          <p:cNvPr id="5" name="グループ化 116"/>
+          <p:cNvGrpSpPr>
+            <a:grpSpLocks noChangeAspect="1"/>
+          </p:cNvGrpSpPr>
+          <p:nvPr/>
+        </p:nvGrpSpPr>
+        <p:grpSpPr>
+          <a:xfrm>
+            <a:off x="5929322" y="3929066"/>
+            <a:ext cx="2983363" cy="2596365"/>
+            <a:chOff x="1624017" y="1447800"/>
+            <a:chExt cx="5966725" cy="5192730"/>
+          </a:xfrm>
+        </p:grpSpPr>
+        <p:grpSp>
+          <p:nvGrpSpPr>
+            <p:cNvPr id="6" name="グループ化 52"/>
+            <p:cNvGrpSpPr/>
+            <p:nvPr/>
+          </p:nvGrpSpPr>
+          <p:grpSpPr>
+            <a:xfrm>
+              <a:off x="1624018" y="5643578"/>
+              <a:ext cx="2162164" cy="711200"/>
+              <a:chOff x="838200" y="5970606"/>
+              <a:chExt cx="1524000" cy="711200"/>
+            </a:xfrm>
+          </p:grpSpPr>
+          <p:sp>
+            <p:nvSpPr>
+              <p:cNvPr id="40" name="AutoShape 15"/>
+              <p:cNvSpPr>
+                <a:spLocks noChangeArrowheads="1"/>
+              </p:cNvSpPr>
+              <p:nvPr/>
+            </p:nvSpPr>
+            <p:spPr bwMode="auto">
+              <a:xfrm>
+                <a:off x="838200" y="5970606"/>
+                <a:ext cx="1524000" cy="711200"/>
+              </a:xfrm>
+              <a:prstGeom prst="roundRect">
+                <a:avLst>
+                  <a:gd name="adj" fmla="val 11574"/>
+                </a:avLst>
+              </a:prstGeom>
+              <a:ln>
+                <a:headEnd/>
+                <a:tailEnd/>
+              </a:ln>
+            </p:spPr>
+            <p:style>
+              <a:lnRef idx="1">
+                <a:schemeClr val="accent4"/>
+              </a:lnRef>
+              <a:fillRef idx="2">
+                <a:schemeClr val="accent4"/>
+              </a:fillRef>
+              <a:effectRef idx="1">
+                <a:schemeClr val="accent4"/>
+              </a:effectRef>
+              <a:fontRef idx="minor">
+                <a:schemeClr val="dk1"/>
+              </a:fontRef>
+            </p:style>
+            <p:txBody>
+              <a:bodyPr wrap="none" lIns="90000" tIns="46800" rIns="90000" bIns="46800" anchor="ctr"/>
+              <a:lstStyle/>
+              <a:p>
+                <a:pPr algn="ctr">
+                  <a:buClrTx/>
+                  <a:buFontTx/>
+                  <a:buNone/>
+                </a:pPr>
+                <a:endParaRPr lang="ja-JP" altLang="ja-JP" sz="1000">
+                  <a:solidFill>
+                    <a:srgbClr val="FF0000"/>
+                  </a:solidFill>
+                </a:endParaRPr>
+              </a:p>
+            </p:txBody>
+          </p:sp>
+          <p:sp>
+            <p:nvSpPr>
+              <p:cNvPr id="41" name="Rectangle 39"/>
+              <p:cNvSpPr>
+                <a:spLocks noChangeArrowheads="1"/>
+              </p:cNvSpPr>
+              <p:nvPr/>
+            </p:nvSpPr>
+            <p:spPr bwMode="auto">
+              <a:xfrm>
+                <a:off x="1905000" y="5996006"/>
+                <a:ext cx="457200" cy="457200"/>
+              </a:xfrm>
+              <a:prstGeom prst="rect">
+                <a:avLst/>
+              </a:prstGeom>
+              <a:noFill/>
+              <a:ln w="9525" algn="ctr">
+                <a:noFill/>
+                <a:miter lim="800000"/>
+                <a:headEnd/>
+                <a:tailEnd/>
+              </a:ln>
+              <a:effectLst/>
+            </p:spPr>
+            <p:txBody>
+              <a:bodyPr wrap="none" anchor="ctr"/>
+              <a:lstStyle/>
+              <a:p>
+                <a:endParaRPr lang="ja-JP" altLang="en-US" sz="1000"/>
+              </a:p>
+            </p:txBody>
+          </p:sp>
+        </p:grpSp>
+        <p:grpSp>
+          <p:nvGrpSpPr>
+            <p:cNvPr id="7" name="グループ化 49"/>
+            <p:cNvGrpSpPr/>
+            <p:nvPr/>
+          </p:nvGrpSpPr>
+          <p:grpSpPr>
+            <a:xfrm>
+              <a:off x="1624018" y="4214818"/>
+              <a:ext cx="2162164" cy="1369371"/>
+              <a:chOff x="838200" y="3606800"/>
+              <a:chExt cx="1524000" cy="965200"/>
+            </a:xfrm>
+          </p:grpSpPr>
+          <p:sp>
+            <p:nvSpPr>
+              <p:cNvPr id="38" name="AutoShape 4"/>
+              <p:cNvSpPr>
+                <a:spLocks noChangeArrowheads="1"/>
+              </p:cNvSpPr>
+              <p:nvPr/>
+            </p:nvSpPr>
+            <p:spPr bwMode="auto">
+              <a:xfrm>
+                <a:off x="838200" y="3606800"/>
+                <a:ext cx="1524000" cy="914400"/>
+              </a:xfrm>
+              <a:prstGeom prst="roundRect">
+                <a:avLst>
+                  <a:gd name="adj" fmla="val 11574"/>
+                </a:avLst>
+              </a:prstGeom>
+              <a:ln>
+                <a:headEnd/>
+                <a:tailEnd/>
+              </a:ln>
+            </p:spPr>
+            <p:style>
+              <a:lnRef idx="1">
+                <a:schemeClr val="accent3"/>
+              </a:lnRef>
+              <a:fillRef idx="2">
+                <a:schemeClr val="accent3"/>
+              </a:fillRef>
+              <a:effectRef idx="1">
+                <a:schemeClr val="accent3"/>
+              </a:effectRef>
+              <a:fontRef idx="minor">
+                <a:schemeClr val="dk1"/>
+              </a:fontRef>
+            </p:style>
+            <p:txBody>
+              <a:bodyPr wrap="none" lIns="90000" tIns="46800" rIns="90000" bIns="46800" anchor="ctr"/>
+              <a:lstStyle/>
+              <a:p>
+                <a:pPr algn="ctr">
+                  <a:buClrTx/>
+                  <a:buFontTx/>
+                  <a:buNone/>
+                </a:pPr>
+                <a:endParaRPr lang="ja-JP" altLang="ja-JP" sz="1000">
+                  <a:solidFill>
+                    <a:schemeClr val="bg1"/>
+                  </a:solidFill>
+                </a:endParaRPr>
+              </a:p>
+            </p:txBody>
+          </p:sp>
+          <p:sp>
+            <p:nvSpPr>
+              <p:cNvPr id="39" name="Rectangle 40"/>
+              <p:cNvSpPr>
+                <a:spLocks noChangeArrowheads="1"/>
+              </p:cNvSpPr>
+              <p:nvPr/>
+            </p:nvSpPr>
+            <p:spPr bwMode="auto">
+              <a:xfrm>
+                <a:off x="1905000" y="4114800"/>
+                <a:ext cx="457200" cy="457200"/>
+              </a:xfrm>
+              <a:prstGeom prst="rect">
+                <a:avLst/>
+              </a:prstGeom>
+              <a:noFill/>
+              <a:ln w="9525" algn="ctr">
+                <a:noFill/>
+                <a:miter lim="800000"/>
+                <a:headEnd/>
+                <a:tailEnd/>
+              </a:ln>
+              <a:effectLst/>
+            </p:spPr>
+            <p:txBody>
+              <a:bodyPr wrap="none" anchor="ctr"/>
+              <a:lstStyle/>
+              <a:p>
+                <a:endParaRPr lang="ja-JP" altLang="en-US" sz="1000"/>
+              </a:p>
+            </p:txBody>
+          </p:sp>
+        </p:grpSp>
+        <p:grpSp>
+          <p:nvGrpSpPr>
+            <p:cNvPr id="8" name="グループ化 48"/>
+            <p:cNvGrpSpPr/>
+            <p:nvPr/>
+          </p:nvGrpSpPr>
+          <p:grpSpPr>
+            <a:xfrm>
+              <a:off x="1624017" y="1879600"/>
+              <a:ext cx="2155981" cy="2263780"/>
+              <a:chOff x="838200" y="1879600"/>
+              <a:chExt cx="1524000" cy="1600200"/>
+            </a:xfrm>
+          </p:grpSpPr>
+          <p:sp>
+            <p:nvSpPr>
+              <p:cNvPr id="36" name="AutoShape 27"/>
+              <p:cNvSpPr>
+                <a:spLocks noChangeArrowheads="1"/>
+              </p:cNvSpPr>
+              <p:nvPr/>
+            </p:nvSpPr>
+            <p:spPr bwMode="auto">
+              <a:xfrm>
+                <a:off x="838200" y="1879600"/>
+                <a:ext cx="1524000" cy="1600200"/>
+              </a:xfrm>
+              <a:prstGeom prst="roundRect">
+                <a:avLst>
+                  <a:gd name="adj" fmla="val 9509"/>
+                </a:avLst>
+              </a:prstGeom>
+              <a:ln>
+                <a:headEnd/>
+                <a:tailEnd/>
+              </a:ln>
+            </p:spPr>
+            <p:style>
+              <a:lnRef idx="1">
+                <a:schemeClr val="accent1"/>
+              </a:lnRef>
+              <a:fillRef idx="2">
+                <a:schemeClr val="accent1"/>
+              </a:fillRef>
+              <a:effectRef idx="1">
+                <a:schemeClr val="accent1"/>
+              </a:effectRef>
+              <a:fontRef idx="minor">
+                <a:schemeClr val="dk1"/>
+              </a:fontRef>
+            </p:style>
+            <p:txBody>
+              <a:bodyPr wrap="none" lIns="90000" tIns="46800" rIns="90000" bIns="46800"/>
+              <a:lstStyle/>
+              <a:p>
+                <a:pPr algn="ctr">
+                  <a:buClrTx/>
+                  <a:buFontTx/>
+                  <a:buNone/>
+                </a:pPr>
+                <a:endParaRPr lang="ja-JP" altLang="ja-JP" sz="1000">
+                  <a:solidFill>
+                    <a:srgbClr val="FF0000"/>
+                  </a:solidFill>
+                </a:endParaRPr>
+              </a:p>
+            </p:txBody>
+          </p:sp>
+          <p:sp>
+            <p:nvSpPr>
+              <p:cNvPr id="37" name="Rectangle 30"/>
+              <p:cNvSpPr>
+                <a:spLocks noChangeArrowheads="1"/>
+              </p:cNvSpPr>
+              <p:nvPr/>
+            </p:nvSpPr>
+            <p:spPr bwMode="auto">
+              <a:xfrm>
+                <a:off x="1863725" y="2743200"/>
+                <a:ext cx="498475" cy="457200"/>
+              </a:xfrm>
+              <a:prstGeom prst="rect">
+                <a:avLst/>
+              </a:prstGeom>
+              <a:noFill/>
+              <a:ln w="9525" algn="ctr">
+                <a:noFill/>
+                <a:miter lim="800000"/>
+                <a:headEnd/>
+                <a:tailEnd/>
+              </a:ln>
+              <a:effectLst/>
+            </p:spPr>
+            <p:txBody>
+              <a:bodyPr wrap="none" anchor="ctr"/>
+              <a:lstStyle/>
+              <a:p>
+                <a:endParaRPr lang="ja-JP" altLang="en-US" sz="1000"/>
+              </a:p>
+            </p:txBody>
+          </p:sp>
+        </p:grpSp>
+        <p:sp>
+          <p:nvSpPr>
+            <p:cNvPr id="9" name="AutoShape 50"/>
+            <p:cNvSpPr>
+              <a:spLocks noChangeArrowheads="1"/>
+            </p:cNvSpPr>
+            <p:nvPr/>
+          </p:nvSpPr>
+          <p:spPr bwMode="auto">
+            <a:xfrm>
+              <a:off x="4143371" y="2643182"/>
+              <a:ext cx="2812871" cy="3214710"/>
+            </a:xfrm>
+            <a:prstGeom prst="roundRect">
+              <a:avLst>
+                <a:gd name="adj" fmla="val 8940"/>
+              </a:avLst>
+            </a:prstGeom>
+            <a:gradFill rotWithShape="1">
+              <a:gsLst>
+                <a:gs pos="0">
+                  <a:srgbClr val="FFCC00"/>
+                </a:gs>
+                <a:gs pos="100000">
+                  <a:srgbClr val="FFDB43"/>
+                </a:gs>
+              </a:gsLst>
+              <a:lin ang="5400000" scaled="1"/>
+            </a:gradFill>
+            <a:ln w="38100" algn="ctr">
+              <a:solidFill>
+                <a:srgbClr val="FF9900"/>
+              </a:solidFill>
+              <a:round/>
+              <a:headEnd/>
+              <a:tailEnd/>
+            </a:ln>
+            <a:effectLst>
+              <a:outerShdw dist="35921" dir="2700000" algn="ctr" rotWithShape="0">
+                <a:schemeClr val="bg2">
+                  <a:alpha val="50000"/>
+                </a:schemeClr>
+              </a:outerShdw>
+            </a:effectLst>
+          </p:spPr>
+          <p:txBody>
+            <a:bodyPr wrap="none" lIns="90000" tIns="0" rIns="90000" bIns="10800"/>
+            <a:lstStyle/>
+            <a:p>
+              <a:pPr algn="ctr">
+                <a:buClrTx/>
+                <a:buFontTx/>
+                <a:buNone/>
+              </a:pPr>
+              <a:r>
+                <a:rPr lang="en-US" altLang="ja-JP" sz="1000" b="1" dirty="0">
+                  <a:solidFill>
+                    <a:srgbClr val="FF6600"/>
+                  </a:solidFill>
+                </a:rPr>
+                <a:t>TLV</a:t>
+              </a:r>
+            </a:p>
+          </p:txBody>
+        </p:sp>
+        <p:sp>
+          <p:nvSpPr>
+            <p:cNvPr id="10" name="AutoShape 5"/>
+            <p:cNvSpPr>
+              <a:spLocks noChangeArrowheads="1"/>
+            </p:cNvSpPr>
+            <p:nvPr/>
+          </p:nvSpPr>
+          <p:spPr bwMode="auto">
+            <a:xfrm>
+              <a:off x="1725618" y="4316418"/>
+              <a:ext cx="1917688" cy="1032601"/>
+            </a:xfrm>
+            <a:prstGeom prst="flowChartMultidocument">
+              <a:avLst/>
+            </a:prstGeom>
+            <a:solidFill>
+              <a:schemeClr val="bg1"/>
+            </a:solidFill>
+            <a:ln w="9525" algn="ctr">
+              <a:solidFill>
+                <a:schemeClr val="tx1"/>
+              </a:solidFill>
+              <a:miter lim="800000"/>
+              <a:headEnd/>
+              <a:tailEnd/>
+            </a:ln>
+            <a:effectLst>
+              <a:outerShdw dist="35921" dir="2700000" algn="ctr" rotWithShape="0">
+                <a:schemeClr val="bg2">
+                  <a:alpha val="50000"/>
+                </a:schemeClr>
+              </a:outerShdw>
+            </a:effectLst>
+          </p:spPr>
+          <p:txBody>
+            <a:bodyPr wrap="none" lIns="90000" tIns="46800" rIns="90000" bIns="46800" anchor="ctr"/>
+            <a:lstStyle/>
+            <a:p>
+              <a:pPr algn="ctr">
+                <a:spcBef>
+                  <a:spcPct val="0"/>
+                </a:spcBef>
+                <a:buClrTx/>
+                <a:buFontTx/>
+                <a:buNone/>
+              </a:pPr>
+              <a:r>
+                <a:rPr lang="ja-JP" altLang="en-US" sz="1000" dirty="0"/>
+                <a:t>可視化ルール</a:t>
+              </a:r>
+            </a:p>
+            <a:p>
+              <a:pPr algn="ctr">
+                <a:spcBef>
+                  <a:spcPct val="0"/>
+                </a:spcBef>
+                <a:buClrTx/>
+                <a:buFontTx/>
+                <a:buNone/>
+              </a:pPr>
+              <a:r>
+                <a:rPr lang="ja-JP" altLang="en-US" sz="1000" dirty="0"/>
+                <a:t>ファイル</a:t>
+              </a:r>
+            </a:p>
+          </p:txBody>
+        </p:sp>
+        <p:pic>
+          <p:nvPicPr>
+            <p:cNvPr id="34" name="Picture 6" descr="MCj04289610000[1]"/>
+            <p:cNvPicPr>
+              <a:picLocks noChangeAspect="1" noChangeArrowheads="1"/>
+            </p:cNvPicPr>
+            <p:nvPr/>
+          </p:nvPicPr>
+          <p:blipFill>
+            <a:blip r:embed="rId2"/>
+            <a:srcRect/>
+            <a:stretch>
+              <a:fillRect/>
+            </a:stretch>
+          </p:blipFill>
+          <p:spPr bwMode="auto">
+            <a:xfrm>
+              <a:off x="4927858" y="5929330"/>
+              <a:ext cx="1250858" cy="711200"/>
+            </a:xfrm>
+            <a:prstGeom prst="rect">
+              <a:avLst/>
+            </a:prstGeom>
+            <a:noFill/>
+            <a:effectLst>
+              <a:outerShdw dist="35921" dir="2700000" algn="ctr" rotWithShape="0">
+                <a:srgbClr val="808080">
+                  <a:alpha val="50000"/>
+                </a:srgbClr>
+              </a:outerShdw>
+            </a:effectLst>
+          </p:spPr>
+        </p:pic>
+        <p:sp>
+          <p:nvSpPr>
+            <p:cNvPr id="12" name="AutoShape 9"/>
+            <p:cNvSpPr>
+              <a:spLocks noChangeArrowheads="1"/>
+            </p:cNvSpPr>
+            <p:nvPr/>
+          </p:nvSpPr>
+          <p:spPr bwMode="auto">
+            <a:xfrm>
+              <a:off x="4371972" y="4500570"/>
+              <a:ext cx="2486044" cy="497209"/>
+            </a:xfrm>
+            <a:prstGeom prst="flowChartProcess">
+              <a:avLst/>
+            </a:prstGeom>
+            <a:solidFill>
+              <a:srgbClr val="CCFFFF"/>
+            </a:solidFill>
+            <a:ln w="9525" algn="ctr">
+              <a:solidFill>
+                <a:schemeClr val="tx1"/>
+              </a:solidFill>
+              <a:miter lim="800000"/>
+              <a:headEnd/>
+              <a:tailEnd/>
+            </a:ln>
+            <a:effectLst/>
+          </p:spPr>
+          <p:txBody>
+            <a:bodyPr wrap="none" lIns="90000" tIns="46800" rIns="90000" bIns="46800" anchor="ctr"/>
+            <a:lstStyle/>
+            <a:p>
+              <a:pPr algn="ctr">
+                <a:spcBef>
+                  <a:spcPct val="0"/>
+                </a:spcBef>
+                <a:buClrTx/>
+                <a:buFontTx/>
+                <a:buNone/>
+              </a:pPr>
+              <a:r>
+                <a:rPr lang="ja-JP" altLang="en-US" sz="1000" dirty="0"/>
+                <a:t>図形データ生成</a:t>
+              </a:r>
+            </a:p>
+          </p:txBody>
+        </p:sp>
+        <p:cxnSp>
+          <p:nvCxnSpPr>
+            <p:cNvPr id="13" name="AutoShape 10"/>
+            <p:cNvCxnSpPr>
+              <a:cxnSpLocks noChangeShapeType="1"/>
+            </p:cNvCxnSpPr>
+            <p:nvPr/>
+          </p:nvCxnSpPr>
+          <p:spPr bwMode="auto">
+            <a:xfrm rot="5400000">
+              <a:off x="4572794" y="2713826"/>
+              <a:ext cx="571504" cy="1588"/>
+            </a:xfrm>
+            <a:prstGeom prst="straightConnector1">
+              <a:avLst/>
+            </a:prstGeom>
+            <a:ln>
+              <a:headEnd/>
+              <a:tailEnd type="triangle" w="med" len="med"/>
+            </a:ln>
+          </p:spPr>
+          <p:style>
+            <a:lnRef idx="3">
+              <a:schemeClr val="accent1"/>
+            </a:lnRef>
+            <a:fillRef idx="0">
+              <a:schemeClr val="accent1"/>
+            </a:fillRef>
+            <a:effectRef idx="2">
+              <a:schemeClr val="accent1"/>
+            </a:effectRef>
+            <a:fontRef idx="minor">
+              <a:schemeClr val="tx1"/>
+            </a:fontRef>
+          </p:style>
+        </p:cxnSp>
+        <p:cxnSp>
+          <p:nvCxnSpPr>
+            <p:cNvPr id="14" name="AutoShape 11"/>
+            <p:cNvCxnSpPr>
+              <a:cxnSpLocks noChangeShapeType="1"/>
+            </p:cNvCxnSpPr>
+            <p:nvPr/>
+          </p:nvCxnSpPr>
+          <p:spPr bwMode="auto">
+            <a:xfrm rot="5400000">
+              <a:off x="6394066" y="2749942"/>
+              <a:ext cx="500066" cy="794"/>
+            </a:xfrm>
+            <a:prstGeom prst="straightConnector1">
+              <a:avLst/>
+            </a:prstGeom>
+            <a:ln>
+              <a:headEnd/>
+              <a:tailEnd type="triangle" w="med" len="med"/>
+            </a:ln>
+          </p:spPr>
+          <p:style>
+            <a:lnRef idx="3">
+              <a:schemeClr val="accent1"/>
+            </a:lnRef>
+            <a:fillRef idx="0">
+              <a:schemeClr val="accent1"/>
+            </a:fillRef>
+            <a:effectRef idx="2">
+              <a:schemeClr val="accent1"/>
+            </a:effectRef>
+            <a:fontRef idx="minor">
+              <a:schemeClr val="tx1"/>
+            </a:fontRef>
+          </p:style>
+        </p:cxnSp>
+        <p:cxnSp>
+          <p:nvCxnSpPr>
+            <p:cNvPr id="15" name="AutoShape 12"/>
+            <p:cNvCxnSpPr>
+              <a:cxnSpLocks noChangeShapeType="1"/>
+              <a:stCxn id="27" idx="4"/>
+              <a:endCxn id="12" idx="0"/>
+            </p:cNvCxnSpPr>
+            <p:nvPr/>
+          </p:nvCxnSpPr>
+          <p:spPr bwMode="auto">
+            <a:xfrm rot="5400000">
+              <a:off x="5512613" y="4393407"/>
+              <a:ext cx="209544" cy="4782"/>
+            </a:xfrm>
+            <a:prstGeom prst="straightConnector1">
+              <a:avLst/>
+            </a:prstGeom>
+            <a:noFill/>
+            <a:ln w="57150">
+              <a:solidFill>
+                <a:srgbClr val="333333"/>
+              </a:solidFill>
+              <a:round/>
+              <a:headEnd/>
+              <a:tailEnd type="triangle" w="med" len="med"/>
+            </a:ln>
+            <a:effectLst/>
+          </p:spPr>
+        </p:cxnSp>
+        <p:cxnSp>
+          <p:nvCxnSpPr>
+            <p:cNvPr id="16" name="AutoShape 13"/>
+            <p:cNvCxnSpPr>
+              <a:cxnSpLocks noChangeShapeType="1"/>
+            </p:cNvCxnSpPr>
+            <p:nvPr/>
+          </p:nvCxnSpPr>
+          <p:spPr bwMode="auto">
+            <a:xfrm>
+              <a:off x="3786182" y="4786322"/>
+              <a:ext cx="571504" cy="1588"/>
+            </a:xfrm>
+            <a:prstGeom prst="straightConnector1">
+              <a:avLst/>
+            </a:prstGeom>
+            <a:ln>
+              <a:headEnd/>
+              <a:tailEnd type="triangle" w="med" len="med"/>
+            </a:ln>
+          </p:spPr>
+          <p:style>
+            <a:lnRef idx="3">
+              <a:schemeClr val="accent3"/>
+            </a:lnRef>
+            <a:fillRef idx="0">
+              <a:schemeClr val="accent3"/>
+            </a:fillRef>
+            <a:effectRef idx="2">
+              <a:schemeClr val="accent3"/>
+            </a:effectRef>
+            <a:fontRef idx="minor">
+              <a:schemeClr val="tx1"/>
+            </a:fontRef>
+          </p:style>
+        </p:cxnSp>
+        <p:sp>
+          <p:nvSpPr>
+            <p:cNvPr id="17" name="AutoShape 16"/>
+            <p:cNvSpPr>
+              <a:spLocks noChangeArrowheads="1"/>
+            </p:cNvSpPr>
+            <p:nvPr/>
+          </p:nvSpPr>
+          <p:spPr bwMode="auto">
+            <a:xfrm>
+              <a:off x="1725618" y="5745178"/>
+              <a:ext cx="1917688" cy="508000"/>
+            </a:xfrm>
+            <a:prstGeom prst="flowChartDocument">
+              <a:avLst/>
+            </a:prstGeom>
+            <a:solidFill>
+              <a:schemeClr val="bg1"/>
+            </a:solidFill>
+            <a:ln w="9525" algn="ctr">
+              <a:solidFill>
+                <a:schemeClr val="tx1"/>
+              </a:solidFill>
+              <a:miter lim="800000"/>
+              <a:headEnd/>
+              <a:tailEnd/>
+            </a:ln>
+            <a:effectLst>
+              <a:outerShdw dist="35921" dir="2700000" algn="ctr" rotWithShape="0">
+                <a:schemeClr val="bg2">
+                  <a:alpha val="50000"/>
+                </a:schemeClr>
+              </a:outerShdw>
+            </a:effectLst>
+          </p:spPr>
+          <p:txBody>
+            <a:bodyPr wrap="none" lIns="90000" tIns="46800" rIns="90000" bIns="46800" anchor="ctr"/>
+            <a:lstStyle/>
+            <a:p>
+              <a:pPr algn="ctr">
+                <a:spcBef>
+                  <a:spcPct val="0"/>
+                </a:spcBef>
+                <a:buClrTx/>
+                <a:buFontTx/>
+                <a:buNone/>
+              </a:pPr>
+              <a:r>
+                <a:rPr lang="en-US" altLang="ja-JP" sz="1000" dirty="0"/>
+                <a:t>TLV</a:t>
+              </a:r>
+              <a:r>
+                <a:rPr lang="ja-JP" altLang="en-US" sz="1000" dirty="0"/>
+                <a:t>ファイル</a:t>
+              </a:r>
+            </a:p>
+          </p:txBody>
+        </p:sp>
+        <p:cxnSp>
+          <p:nvCxnSpPr>
+            <p:cNvPr id="18" name="AutoShape 17"/>
+            <p:cNvCxnSpPr>
+              <a:cxnSpLocks noChangeShapeType="1"/>
+            </p:cNvCxnSpPr>
+            <p:nvPr/>
+          </p:nvCxnSpPr>
+          <p:spPr bwMode="auto">
+            <a:xfrm>
+              <a:off x="3786182" y="5715016"/>
+              <a:ext cx="642942" cy="1588"/>
+            </a:xfrm>
+            <a:prstGeom prst="straightConnector1">
+              <a:avLst/>
+            </a:prstGeom>
+            <a:ln>
+              <a:headEnd type="triangle" w="med" len="med"/>
+              <a:tailEnd type="triangle" w="med" len="med"/>
+            </a:ln>
+          </p:spPr>
+          <p:style>
+            <a:lnRef idx="3">
+              <a:schemeClr val="accent4"/>
+            </a:lnRef>
+            <a:fillRef idx="0">
+              <a:schemeClr val="accent4"/>
+            </a:fillRef>
+            <a:effectRef idx="2">
+              <a:schemeClr val="accent4"/>
+            </a:effectRef>
+            <a:fontRef idx="minor">
+              <a:schemeClr val="tx1"/>
+            </a:fontRef>
+          </p:style>
+        </p:cxnSp>
+        <p:sp>
+          <p:nvSpPr>
+            <p:cNvPr id="19" name="AutoShape 19"/>
+            <p:cNvSpPr>
+              <a:spLocks noChangeArrowheads="1"/>
+            </p:cNvSpPr>
+            <p:nvPr/>
+          </p:nvSpPr>
+          <p:spPr bwMode="auto">
+            <a:xfrm>
+              <a:off x="4362447" y="3024181"/>
+              <a:ext cx="2495569" cy="497043"/>
+            </a:xfrm>
+            <a:prstGeom prst="flowChartProcess">
+              <a:avLst/>
+            </a:prstGeom>
+            <a:solidFill>
+              <a:srgbClr val="CCFFFF"/>
+            </a:solidFill>
+            <a:ln w="9525" algn="ctr">
+              <a:solidFill>
+                <a:schemeClr val="tx1"/>
+              </a:solidFill>
+              <a:miter lim="800000"/>
+              <a:headEnd/>
+              <a:tailEnd/>
+            </a:ln>
+            <a:effectLst/>
+          </p:spPr>
+          <p:txBody>
+            <a:bodyPr wrap="none" lIns="90000" tIns="46800" rIns="90000" bIns="46800" anchor="ctr"/>
+            <a:lstStyle/>
+            <a:p>
+              <a:pPr algn="ctr">
+                <a:spcBef>
+                  <a:spcPct val="0"/>
+                </a:spcBef>
+                <a:buClrTx/>
+                <a:buFontTx/>
+                <a:buNone/>
+              </a:pPr>
+              <a:r>
+                <a:rPr lang="ja-JP" altLang="en-US" sz="1000" dirty="0"/>
+                <a:t>標準形式変換</a:t>
+              </a:r>
+            </a:p>
+          </p:txBody>
+        </p:sp>
+        <p:cxnSp>
+          <p:nvCxnSpPr>
+            <p:cNvPr id="20" name="AutoShape 20"/>
+            <p:cNvCxnSpPr>
+              <a:cxnSpLocks noChangeShapeType="1"/>
+            </p:cNvCxnSpPr>
+            <p:nvPr/>
+          </p:nvCxnSpPr>
+          <p:spPr bwMode="auto">
+            <a:xfrm>
+              <a:off x="3786182" y="3286124"/>
+              <a:ext cx="571504" cy="1588"/>
+            </a:xfrm>
+            <a:prstGeom prst="straightConnector1">
+              <a:avLst/>
+            </a:prstGeom>
+            <a:ln>
+              <a:headEnd/>
+              <a:tailEnd type="triangle" w="med" len="med"/>
+            </a:ln>
+          </p:spPr>
+          <p:style>
+            <a:lnRef idx="3">
+              <a:schemeClr val="accent1"/>
+            </a:lnRef>
+            <a:fillRef idx="0">
+              <a:schemeClr val="accent1"/>
+            </a:fillRef>
+            <a:effectRef idx="2">
+              <a:schemeClr val="accent1"/>
+            </a:effectRef>
+            <a:fontRef idx="minor">
+              <a:schemeClr val="tx1"/>
+            </a:fontRef>
+          </p:style>
+        </p:cxnSp>
+        <p:sp>
+          <p:nvSpPr>
+            <p:cNvPr id="21" name="AutoShape 21"/>
+            <p:cNvSpPr>
+              <a:spLocks noChangeArrowheads="1"/>
+            </p:cNvSpPr>
+            <p:nvPr/>
+          </p:nvSpPr>
+          <p:spPr bwMode="auto">
+            <a:xfrm>
+              <a:off x="5786446" y="1447800"/>
+              <a:ext cx="1804296" cy="1052506"/>
+            </a:xfrm>
+            <a:prstGeom prst="roundRect">
+              <a:avLst>
+                <a:gd name="adj" fmla="val 16667"/>
+              </a:avLst>
+            </a:prstGeom>
+            <a:ln>
+              <a:headEnd/>
+              <a:tailEnd/>
+            </a:ln>
+          </p:spPr>
+          <p:style>
+            <a:lnRef idx="1">
+              <a:schemeClr val="accent1"/>
+            </a:lnRef>
+            <a:fillRef idx="2">
+              <a:schemeClr val="accent1"/>
+            </a:fillRef>
+            <a:effectRef idx="1">
+              <a:schemeClr val="accent1"/>
+            </a:effectRef>
+            <a:fontRef idx="minor">
+              <a:schemeClr val="dk1"/>
+            </a:fontRef>
+          </p:style>
+          <p:txBody>
+            <a:bodyPr wrap="none" lIns="90000" tIns="46800" rIns="90000" bIns="46800" anchor="ctr"/>
+            <a:lstStyle/>
+            <a:p>
+              <a:pPr algn="ctr">
+                <a:buClrTx/>
+                <a:buFontTx/>
+                <a:buNone/>
+              </a:pPr>
+              <a:endParaRPr lang="ja-JP" altLang="ja-JP" sz="1000">
+                <a:solidFill>
+                  <a:srgbClr val="FF0000"/>
+                </a:solidFill>
+              </a:endParaRPr>
+            </a:p>
+          </p:txBody>
+        </p:sp>
+        <p:sp>
+          <p:nvSpPr>
+            <p:cNvPr id="22" name="AutoShape 22"/>
+            <p:cNvSpPr>
+              <a:spLocks noChangeArrowheads="1"/>
+            </p:cNvSpPr>
+            <p:nvPr/>
+          </p:nvSpPr>
+          <p:spPr bwMode="auto">
+            <a:xfrm>
+              <a:off x="3923364" y="1447800"/>
+              <a:ext cx="1762139" cy="1018630"/>
+            </a:xfrm>
+            <a:prstGeom prst="roundRect">
+              <a:avLst>
+                <a:gd name="adj" fmla="val 16667"/>
+              </a:avLst>
+            </a:prstGeom>
+            <a:ln>
+              <a:headEnd/>
+              <a:tailEnd/>
+            </a:ln>
+          </p:spPr>
+          <p:style>
+            <a:lnRef idx="1">
+              <a:schemeClr val="accent1"/>
+            </a:lnRef>
+            <a:fillRef idx="2">
+              <a:schemeClr val="accent1"/>
+            </a:fillRef>
+            <a:effectRef idx="1">
+              <a:schemeClr val="accent1"/>
+            </a:effectRef>
+            <a:fontRef idx="minor">
+              <a:schemeClr val="dk1"/>
+            </a:fontRef>
+          </p:style>
+          <p:txBody>
+            <a:bodyPr wrap="none" lIns="90000" tIns="46800" rIns="90000" bIns="46800" anchor="ctr"/>
+            <a:lstStyle/>
+            <a:p>
+              <a:pPr algn="ctr">
+                <a:buClrTx/>
+                <a:buFontTx/>
+                <a:buNone/>
+              </a:pPr>
+              <a:endParaRPr lang="ja-JP" altLang="ja-JP" sz="1000">
+                <a:solidFill>
+                  <a:srgbClr val="FF0000"/>
+                </a:solidFill>
+              </a:endParaRPr>
+            </a:p>
+          </p:txBody>
+        </p:sp>
+        <p:sp>
+          <p:nvSpPr>
+            <p:cNvPr id="23" name="AutoShape 23"/>
+            <p:cNvSpPr>
+              <a:spLocks noChangeArrowheads="1"/>
+            </p:cNvSpPr>
+            <p:nvPr/>
+          </p:nvSpPr>
+          <p:spPr bwMode="auto">
+            <a:xfrm flipH="1">
+              <a:off x="4000496" y="1546224"/>
+              <a:ext cx="1648493" cy="739767"/>
+            </a:xfrm>
+            <a:prstGeom prst="verticalScroll">
+              <a:avLst>
+                <a:gd name="adj" fmla="val 8204"/>
+              </a:avLst>
+            </a:prstGeom>
+            <a:solidFill>
+              <a:srgbClr val="FFFFCC"/>
+            </a:solidFill>
+            <a:ln w="9525" algn="ctr">
+              <a:solidFill>
+                <a:schemeClr val="tx1"/>
+              </a:solidFill>
+              <a:round/>
+              <a:headEnd/>
+              <a:tailEnd/>
+            </a:ln>
+            <a:effectLst>
+              <a:outerShdw dist="35921" dir="2700000" algn="ctr" rotWithShape="0">
+                <a:schemeClr val="bg2">
+                  <a:alpha val="50000"/>
+                </a:schemeClr>
+              </a:outerShdw>
+            </a:effectLst>
+          </p:spPr>
+          <p:txBody>
+            <a:bodyPr wrap="none" lIns="90000" tIns="46800" rIns="90000" bIns="46800" anchor="ctr"/>
+            <a:lstStyle/>
+            <a:p>
+              <a:pPr algn="ctr">
+                <a:spcBef>
+                  <a:spcPct val="0"/>
+                </a:spcBef>
+                <a:buClrTx/>
+                <a:buFontTx/>
+                <a:buNone/>
+              </a:pPr>
+              <a:r>
+                <a:rPr lang="ja-JP" altLang="en-US" sz="1000" dirty="0"/>
+                <a:t>トレースログ</a:t>
+              </a:r>
+            </a:p>
+            <a:p>
+              <a:pPr algn="ctr">
+                <a:spcBef>
+                  <a:spcPct val="0"/>
+                </a:spcBef>
+                <a:buClrTx/>
+                <a:buFontTx/>
+                <a:buNone/>
+              </a:pPr>
+              <a:r>
+                <a:rPr lang="ja-JP" altLang="en-US" sz="1000" dirty="0"/>
+                <a:t>ファイル</a:t>
+              </a:r>
+            </a:p>
+          </p:txBody>
+        </p:sp>
+        <p:sp>
+          <p:nvSpPr>
+            <p:cNvPr id="24" name="AutoShape 24"/>
+            <p:cNvSpPr>
+              <a:spLocks noChangeArrowheads="1"/>
+            </p:cNvSpPr>
+            <p:nvPr/>
+          </p:nvSpPr>
+          <p:spPr bwMode="auto">
+            <a:xfrm>
+              <a:off x="5857884" y="1549398"/>
+              <a:ext cx="1616062" cy="808031"/>
+            </a:xfrm>
+            <a:prstGeom prst="flowChartDocument">
+              <a:avLst/>
+            </a:prstGeom>
+            <a:solidFill>
+              <a:schemeClr val="bg1"/>
+            </a:solidFill>
+            <a:ln w="9525" algn="ctr">
+              <a:solidFill>
+                <a:schemeClr val="tx1"/>
+              </a:solidFill>
+              <a:miter lim="800000"/>
+              <a:headEnd/>
+              <a:tailEnd/>
+            </a:ln>
+            <a:effectLst>
+              <a:outerShdw dist="35921" dir="2700000" algn="ctr" rotWithShape="0">
+                <a:schemeClr val="bg2">
+                  <a:alpha val="50000"/>
+                </a:schemeClr>
+              </a:outerShdw>
+            </a:effectLst>
+          </p:spPr>
+          <p:txBody>
+            <a:bodyPr wrap="none" lIns="90000" tIns="46800" rIns="90000" bIns="46800" anchor="ctr"/>
+            <a:lstStyle/>
+            <a:p>
+              <a:pPr algn="ctr">
+                <a:spcBef>
+                  <a:spcPct val="0"/>
+                </a:spcBef>
+                <a:buClrTx/>
+                <a:buFontTx/>
+                <a:buNone/>
+              </a:pPr>
+              <a:r>
+                <a:rPr lang="ja-JP" altLang="en-US" sz="1000" dirty="0"/>
+                <a:t>リソース</a:t>
+              </a:r>
+            </a:p>
+            <a:p>
+              <a:pPr algn="ctr">
+                <a:spcBef>
+                  <a:spcPct val="0"/>
+                </a:spcBef>
+                <a:buClrTx/>
+                <a:buFontTx/>
+                <a:buNone/>
+              </a:pPr>
+              <a:r>
+                <a:rPr lang="ja-JP" altLang="en-US" sz="1000" dirty="0"/>
+                <a:t>ファイル</a:t>
+              </a:r>
+            </a:p>
+          </p:txBody>
+        </p:sp>
+        <p:sp>
+          <p:nvSpPr>
+            <p:cNvPr id="25" name="AutoShape 28"/>
+            <p:cNvSpPr>
+              <a:spLocks noChangeArrowheads="1"/>
+            </p:cNvSpPr>
+            <p:nvPr/>
+          </p:nvSpPr>
+          <p:spPr bwMode="auto">
+            <a:xfrm>
+              <a:off x="1758956" y="3071810"/>
+              <a:ext cx="1917704" cy="958852"/>
+            </a:xfrm>
+            <a:prstGeom prst="flowChartMultidocument">
+              <a:avLst/>
+            </a:prstGeom>
+            <a:solidFill>
+              <a:schemeClr val="bg1"/>
+            </a:solidFill>
+            <a:ln w="9525" algn="ctr">
+              <a:solidFill>
+                <a:schemeClr val="tx1"/>
+              </a:solidFill>
+              <a:miter lim="800000"/>
+              <a:headEnd/>
+              <a:tailEnd/>
+            </a:ln>
+            <a:effectLst>
+              <a:outerShdw dist="35921" dir="2700000" algn="ctr" rotWithShape="0">
+                <a:schemeClr val="bg2">
+                  <a:alpha val="50000"/>
+                </a:schemeClr>
+              </a:outerShdw>
+            </a:effectLst>
+          </p:spPr>
+          <p:txBody>
+            <a:bodyPr wrap="none" lIns="90000" tIns="46800" rIns="90000" bIns="46800" anchor="ctr"/>
+            <a:lstStyle/>
+            <a:p>
+              <a:pPr algn="ctr">
+                <a:spcBef>
+                  <a:spcPct val="0"/>
+                </a:spcBef>
+                <a:buClrTx/>
+                <a:buFontTx/>
+                <a:buNone/>
+              </a:pPr>
+              <a:r>
+                <a:rPr lang="ja-JP" altLang="en-US" sz="1000" dirty="0"/>
+                <a:t>変換ルール</a:t>
+              </a:r>
+            </a:p>
+            <a:p>
+              <a:pPr algn="ctr">
+                <a:spcBef>
+                  <a:spcPct val="0"/>
+                </a:spcBef>
+                <a:buClrTx/>
+                <a:buFontTx/>
+                <a:buNone/>
+              </a:pPr>
+              <a:r>
+                <a:rPr lang="ja-JP" altLang="en-US" sz="1000" dirty="0"/>
+                <a:t>ファイル</a:t>
+              </a:r>
+            </a:p>
+          </p:txBody>
+        </p:sp>
+        <p:sp>
+          <p:nvSpPr>
+            <p:cNvPr id="26" name="AutoShape 29"/>
+            <p:cNvSpPr>
+              <a:spLocks noChangeArrowheads="1"/>
+            </p:cNvSpPr>
+            <p:nvPr/>
+          </p:nvSpPr>
+          <p:spPr bwMode="auto">
+            <a:xfrm>
+              <a:off x="1776418" y="2031998"/>
+              <a:ext cx="1938326" cy="971540"/>
+            </a:xfrm>
+            <a:prstGeom prst="flowChartMultidocument">
+              <a:avLst/>
+            </a:prstGeom>
+            <a:solidFill>
+              <a:schemeClr val="bg1"/>
+            </a:solidFill>
+            <a:ln w="9525" algn="ctr">
+              <a:solidFill>
+                <a:schemeClr val="tx1"/>
+              </a:solidFill>
+              <a:miter lim="800000"/>
+              <a:headEnd/>
+              <a:tailEnd/>
+            </a:ln>
+            <a:effectLst>
+              <a:outerShdw dist="35921" dir="2700000" algn="ctr" rotWithShape="0">
+                <a:schemeClr val="bg2">
+                  <a:alpha val="50000"/>
+                </a:schemeClr>
+              </a:outerShdw>
+            </a:effectLst>
+          </p:spPr>
+          <p:txBody>
+            <a:bodyPr wrap="none" lIns="90000" tIns="46800" rIns="90000" bIns="46800" anchor="ctr"/>
+            <a:lstStyle/>
+            <a:p>
+              <a:pPr algn="ctr">
+                <a:spcBef>
+                  <a:spcPct val="0"/>
+                </a:spcBef>
+                <a:buClrTx/>
+                <a:buFontTx/>
+                <a:buNone/>
+              </a:pPr>
+              <a:r>
+                <a:rPr lang="ja-JP" altLang="en-US" sz="1000" dirty="0"/>
+                <a:t>リソースヘッダ</a:t>
+              </a:r>
+            </a:p>
+            <a:p>
+              <a:pPr algn="ctr">
+                <a:spcBef>
+                  <a:spcPct val="0"/>
+                </a:spcBef>
+                <a:buClrTx/>
+                <a:buFontTx/>
+                <a:buNone/>
+              </a:pPr>
+              <a:r>
+                <a:rPr lang="ja-JP" altLang="en-US" sz="1000" dirty="0"/>
+                <a:t>ファイル</a:t>
+              </a:r>
+            </a:p>
+          </p:txBody>
+        </p:sp>
+        <p:sp>
+          <p:nvSpPr>
+            <p:cNvPr id="27" name="AutoShape 33"/>
+            <p:cNvSpPr>
+              <a:spLocks noChangeArrowheads="1"/>
+            </p:cNvSpPr>
+            <p:nvPr/>
+          </p:nvSpPr>
+          <p:spPr bwMode="auto">
+            <a:xfrm>
+              <a:off x="4357686" y="3786190"/>
+              <a:ext cx="2524180" cy="504836"/>
+            </a:xfrm>
+            <a:prstGeom prst="flowChartInputOutput">
+              <a:avLst/>
+            </a:prstGeom>
+            <a:solidFill>
+              <a:srgbClr val="FFFFCC"/>
+            </a:solidFill>
+            <a:ln w="9525" algn="ctr">
+              <a:solidFill>
+                <a:schemeClr val="tx1"/>
+              </a:solidFill>
+              <a:miter lim="800000"/>
+              <a:headEnd/>
+              <a:tailEnd/>
+            </a:ln>
+            <a:effectLst/>
+          </p:spPr>
+          <p:txBody>
+            <a:bodyPr wrap="none" lIns="90000" tIns="46800" rIns="90000" bIns="46800" anchor="ctr"/>
+            <a:lstStyle/>
+            <a:p>
+              <a:pPr algn="ctr">
+                <a:spcBef>
+                  <a:spcPct val="0"/>
+                </a:spcBef>
+                <a:buClrTx/>
+                <a:buFontTx/>
+                <a:buNone/>
+              </a:pPr>
+              <a:r>
+                <a:rPr lang="ja-JP" altLang="en-US" sz="1000" dirty="0"/>
+                <a:t>標準形式</a:t>
+              </a:r>
+            </a:p>
+            <a:p>
+              <a:pPr algn="ctr">
+                <a:spcBef>
+                  <a:spcPct val="0"/>
+                </a:spcBef>
+                <a:buClrTx/>
+                <a:buFontTx/>
+                <a:buNone/>
+              </a:pPr>
+              <a:r>
+                <a:rPr lang="ja-JP" altLang="en-US" sz="1000" dirty="0"/>
+                <a:t>トレースログ</a:t>
+              </a:r>
+            </a:p>
+          </p:txBody>
+        </p:sp>
+        <p:sp>
+          <p:nvSpPr>
+            <p:cNvPr id="28" name="Rectangle 34"/>
+            <p:cNvSpPr>
+              <a:spLocks noChangeArrowheads="1"/>
+            </p:cNvSpPr>
+            <p:nvPr/>
+          </p:nvSpPr>
+          <p:spPr bwMode="auto">
+            <a:xfrm>
+              <a:off x="4676772" y="3024182"/>
+              <a:ext cx="304800" cy="228600"/>
+            </a:xfrm>
+            <a:prstGeom prst="rect">
+              <a:avLst/>
+            </a:prstGeom>
+            <a:noFill/>
+            <a:ln w="9525" algn="ctr">
+              <a:noFill/>
+              <a:miter lim="800000"/>
+              <a:headEnd/>
+              <a:tailEnd/>
+            </a:ln>
+            <a:effectLst/>
+          </p:spPr>
+          <p:txBody>
+            <a:bodyPr wrap="none" lIns="90000" tIns="46800" rIns="90000" bIns="46800" anchor="ctr"/>
+            <a:lstStyle/>
+            <a:p>
+              <a:endParaRPr lang="ja-JP" altLang="en-US" sz="1000"/>
+            </a:p>
+          </p:txBody>
+        </p:sp>
+        <p:sp>
+          <p:nvSpPr>
+            <p:cNvPr id="29" name="Rectangle 35"/>
+            <p:cNvSpPr>
+              <a:spLocks noChangeArrowheads="1"/>
+            </p:cNvSpPr>
+            <p:nvPr/>
+          </p:nvSpPr>
+          <p:spPr bwMode="auto">
+            <a:xfrm>
+              <a:off x="5972172" y="3024182"/>
+              <a:ext cx="304800" cy="228600"/>
+            </a:xfrm>
+            <a:prstGeom prst="rect">
+              <a:avLst/>
+            </a:prstGeom>
+            <a:noFill/>
+            <a:ln w="9525" algn="ctr">
+              <a:noFill/>
+              <a:miter lim="800000"/>
+              <a:headEnd/>
+              <a:tailEnd/>
+            </a:ln>
+            <a:effectLst/>
+          </p:spPr>
+          <p:txBody>
+            <a:bodyPr wrap="none" lIns="90000" tIns="46800" rIns="90000" bIns="46800" anchor="ctr"/>
+            <a:lstStyle/>
+            <a:p>
+              <a:endParaRPr lang="ja-JP" altLang="en-US" sz="1000"/>
+            </a:p>
+          </p:txBody>
+        </p:sp>
+        <p:cxnSp>
+          <p:nvCxnSpPr>
+            <p:cNvPr id="30" name="AutoShape 36"/>
+            <p:cNvCxnSpPr>
+              <a:cxnSpLocks noChangeShapeType="1"/>
+              <a:stCxn id="19" idx="2"/>
+              <a:endCxn id="27" idx="1"/>
+            </p:cNvCxnSpPr>
+            <p:nvPr/>
+          </p:nvCxnSpPr>
+          <p:spPr bwMode="auto">
+            <a:xfrm rot="16200000" flipH="1">
+              <a:off x="5482521" y="3648935"/>
+              <a:ext cx="264966" cy="9544"/>
+            </a:xfrm>
+            <a:prstGeom prst="straightConnector1">
+              <a:avLst/>
+            </a:prstGeom>
+            <a:noFill/>
+            <a:ln w="57150">
+              <a:solidFill>
+                <a:srgbClr val="333333"/>
+              </a:solidFill>
+              <a:round/>
+              <a:headEnd/>
+              <a:tailEnd type="triangle" w="med" len="med"/>
+            </a:ln>
+            <a:effectLst/>
+          </p:spPr>
+        </p:cxnSp>
+        <p:sp>
+          <p:nvSpPr>
+            <p:cNvPr id="31" name="AutoShape 8"/>
+            <p:cNvSpPr>
+              <a:spLocks noChangeArrowheads="1"/>
+            </p:cNvSpPr>
+            <p:nvPr/>
+          </p:nvSpPr>
+          <p:spPr bwMode="auto">
+            <a:xfrm>
+              <a:off x="4371972" y="5214950"/>
+              <a:ext cx="2486044" cy="497209"/>
+            </a:xfrm>
+            <a:prstGeom prst="flowChartInputOutput">
+              <a:avLst/>
+            </a:prstGeom>
+            <a:solidFill>
+              <a:srgbClr val="FFFFCC"/>
+            </a:solidFill>
+            <a:ln w="9525" algn="ctr">
+              <a:solidFill>
+                <a:schemeClr val="tx1"/>
+              </a:solidFill>
+              <a:miter lim="800000"/>
+              <a:headEnd/>
+              <a:tailEnd/>
+            </a:ln>
+            <a:effectLst/>
+          </p:spPr>
+          <p:txBody>
+            <a:bodyPr wrap="none" lIns="90000" tIns="46800" rIns="90000" bIns="46800" anchor="ctr"/>
+            <a:lstStyle/>
+            <a:p>
+              <a:pPr algn="ctr">
+                <a:spcBef>
+                  <a:spcPct val="0"/>
+                </a:spcBef>
+                <a:buClrTx/>
+                <a:buFontTx/>
+                <a:buNone/>
+              </a:pPr>
+              <a:r>
+                <a:rPr lang="en-US" altLang="ja-JP" sz="1000" dirty="0"/>
+                <a:t>TLV</a:t>
+              </a:r>
+              <a:r>
+                <a:rPr lang="ja-JP" altLang="en-US" sz="1000" dirty="0"/>
+                <a:t>データ</a:t>
+              </a:r>
+            </a:p>
+          </p:txBody>
+        </p:sp>
+        <p:cxnSp>
+          <p:nvCxnSpPr>
+            <p:cNvPr id="32" name="AutoShape 46"/>
+            <p:cNvCxnSpPr>
+              <a:cxnSpLocks noChangeShapeType="1"/>
+              <a:stCxn id="12" idx="2"/>
+              <a:endCxn id="31" idx="1"/>
+            </p:cNvCxnSpPr>
+            <p:nvPr/>
+          </p:nvCxnSpPr>
+          <p:spPr bwMode="auto">
+            <a:xfrm rot="5400000">
+              <a:off x="5506409" y="5106364"/>
+              <a:ext cx="217171" cy="1588"/>
+            </a:xfrm>
+            <a:prstGeom prst="straightConnector1">
+              <a:avLst/>
+            </a:prstGeom>
+            <a:noFill/>
+            <a:ln w="57150">
+              <a:solidFill>
+                <a:srgbClr val="333333"/>
+              </a:solidFill>
+              <a:round/>
+              <a:headEnd/>
+              <a:tailEnd type="triangle" w="med" len="med"/>
+            </a:ln>
+            <a:effectLst/>
+          </p:spPr>
+        </p:cxnSp>
+        <p:cxnSp>
+          <p:nvCxnSpPr>
+            <p:cNvPr id="33" name="AutoShape 46"/>
+            <p:cNvCxnSpPr>
+              <a:cxnSpLocks noChangeShapeType="1"/>
+            </p:cNvCxnSpPr>
+            <p:nvPr/>
+          </p:nvCxnSpPr>
+          <p:spPr bwMode="auto">
+            <a:xfrm rot="5400000">
+              <a:off x="5499900" y="5857098"/>
+              <a:ext cx="285752" cy="1588"/>
+            </a:xfrm>
+            <a:prstGeom prst="straightConnector1">
+              <a:avLst/>
+            </a:prstGeom>
+            <a:noFill/>
+            <a:ln w="57150">
+              <a:solidFill>
+                <a:srgbClr val="333333"/>
+              </a:solidFill>
+              <a:round/>
+              <a:headEnd/>
+              <a:tailEnd type="triangle" w="med" len="med"/>
+            </a:ln>
+            <a:effectLst/>
+          </p:spPr>
+        </p:cxnSp>
+      </p:grpSp>
+    </p:spTree>
+  </p:cSld>
+  <p:clrMapOvr>
+    <a:masterClrMapping/>
+  </p:clrMapOvr>
+  <p:timing>
+    <p:tnLst>
+      <p:par>
+        <p:cTn id="1" dur="indefinite" restart="never" nodeType="tmRoot"/>
+      </p:par>
+    </p:tnLst>
+  </p:timing>
+</p:sld>
+</file>
+
+<file path=ppt/slides/slide8.xml><?xml version="1.0" encoding="utf-8"?>
 <p:sld xmlns:a="http://schemas.openxmlformats.org/drawingml/2006/main" xmlns:r="http://schemas.openxmlformats.org/officeDocument/2006/relationships" xmlns:p="http://schemas.openxmlformats.org/presentationml/2006/main">
   <p:cSld>
     <p:spTree>
@@ -10033,7 +15719,7 @@
             <a:fld id="{A67DFC8C-1F5E-4254-A57A-68887A1C3919}" type="slidenum">
               <a:rPr lang="ja-JP" altLang="en-US" smtClean="0"/>
               <a:pPr/>
-              <a:t>6</a:t>
+              <a:t>8</a:t>
             </a:fld>
             <a:endParaRPr lang="ja-JP" altLang="en-US"/>
           </a:p>
@@ -10264,7 +15950,7 @@
 </p:sld>
 </file>
 
-<file path=ppt/slides/slide7.xml><?xml version="1.0" encoding="utf-8"?>
+<file path=ppt/slides/slide9.xml><?xml version="1.0" encoding="utf-8"?>
 <p:sld xmlns:a="http://schemas.openxmlformats.org/drawingml/2006/main" xmlns:r="http://schemas.openxmlformats.org/officeDocument/2006/relationships" xmlns:p="http://schemas.openxmlformats.org/presentationml/2006/main">
   <p:cSld>
     <p:spTree>
@@ -10329,34 +16015,55 @@
             <a:pPr lvl="1"/>
             <a:r>
               <a:rPr kumimoji="1" lang="ja-JP" altLang="en-US" dirty="0" smtClean="0"/>
-              <a:t>マイグレート</a:t>
+              <a:t>マイグレート時に、タスク立ち上がり時のような矢印を表示</a:t>
+            </a:r>
+            <a:endParaRPr kumimoji="1" lang="en-US" altLang="ja-JP" dirty="0" smtClean="0"/>
+          </a:p>
+          <a:p>
+            <a:endParaRPr lang="en-US" altLang="ja-JP" dirty="0" smtClean="0"/>
+          </a:p>
+          <a:p>
+            <a:r>
+              <a:rPr kumimoji="1" lang="en-US" altLang="ja-JP" dirty="0" smtClean="0"/>
+              <a:t>OS</a:t>
             </a:r>
             <a:r>
               <a:rPr kumimoji="1" lang="ja-JP" altLang="en-US" dirty="0" smtClean="0"/>
-              <a:t>時に、タスク立ち上がり時のような矢印を</a:t>
-            </a:r>
+              <a:t>・アプリケーション開発者</a:t>
+            </a:r>
+            <a:r>
+              <a:rPr kumimoji="1" lang="en-US" altLang="ja-JP" dirty="0" smtClean="0"/>
+              <a:t/>
+            </a:r>
+            <a:br>
+              <a:rPr kumimoji="1" lang="en-US" altLang="ja-JP" dirty="0" smtClean="0"/>
+            </a:br>
             <a:r>
               <a:rPr kumimoji="1" lang="ja-JP" altLang="en-US" dirty="0" smtClean="0"/>
-              <a:t>表示</a:t>
+              <a:t>から要求抽出</a:t>
             </a:r>
             <a:endParaRPr kumimoji="1" lang="en-US" altLang="ja-JP" dirty="0" smtClean="0"/>
           </a:p>
           <a:p>
-            <a:pPr lvl="1"/>
-            <a:endParaRPr lang="en-US" altLang="ja-JP" dirty="0" smtClean="0"/>
-          </a:p>
-          <a:p>
-            <a:pPr lvl="1"/>
+            <a:r>
+              <a:rPr lang="ja-JP" altLang="en-US" dirty="0" smtClean="0"/>
+              <a:t>リリース</a:t>
+            </a:r>
+            <a:r>
+              <a:rPr lang="ja-JP" altLang="en-US" dirty="0" smtClean="0"/>
+              <a:t>に向けたテスト</a:t>
+            </a:r>
             <a:endParaRPr kumimoji="1" lang="en-US" altLang="ja-JP" dirty="0" smtClean="0"/>
           </a:p>
           <a:p>
             <a:r>
-              <a:rPr lang="ja-JP" altLang="en-US" dirty="0" smtClean="0"/>
-              <a:t>リリースに向けたテスト</a:t>
-            </a:r>
-            <a:endParaRPr kumimoji="1" lang="en-US" altLang="ja-JP" dirty="0" smtClean="0"/>
-          </a:p>
-          <a:p>
+              <a:rPr kumimoji="1" lang="en-US" altLang="ja-JP" dirty="0" smtClean="0"/>
+              <a:t>TLV</a:t>
+            </a:r>
+            <a:r>
+              <a:rPr kumimoji="1" lang="ja-JP" altLang="en-US" dirty="0" smtClean="0"/>
+              <a:t>本体の改良</a:t>
+            </a:r>
             <a:endParaRPr kumimoji="1" lang="ja-JP" altLang="en-US" dirty="0"/>
           </a:p>
         </p:txBody>
@@ -10379,7 +16086,7 @@
             <a:fld id="{A67DFC8C-1F5E-4254-A57A-68887A1C3919}" type="slidenum">
               <a:rPr lang="ja-JP" altLang="en-US" smtClean="0"/>
               <a:pPr/>
-              <a:t>7</a:t>
+              <a:t>9</a:t>
             </a:fld>
             <a:endParaRPr lang="ja-JP" altLang="en-US"/>
           </a:p>
@@ -10430,399 +16137,6 @@
       </p:par>
     </p:tnLst>
   </p:timing>
-</p:sld>
-</file>
-
-<file path=ppt/slides/slide8.xml><?xml version="1.0" encoding="utf-8"?>
-<p:sld xmlns:a="http://schemas.openxmlformats.org/drawingml/2006/main" xmlns:r="http://schemas.openxmlformats.org/officeDocument/2006/relationships" xmlns:p="http://schemas.openxmlformats.org/presentationml/2006/main">
-  <p:cSld>
-    <p:spTree>
-      <p:nvGrpSpPr>
-        <p:cNvPr id="1" name=""/>
-        <p:cNvGrpSpPr/>
-        <p:nvPr/>
-      </p:nvGrpSpPr>
-      <p:grpSpPr>
-        <a:xfrm>
-          <a:off x="0" y="0"/>
-          <a:ext cx="0" cy="0"/>
-          <a:chOff x="0" y="0"/>
-          <a:chExt cx="0" cy="0"/>
-        </a:xfrm>
-      </p:grpSpPr>
-      <p:sp>
-        <p:nvSpPr>
-          <p:cNvPr id="2" name="タイトル 1"/>
-          <p:cNvSpPr>
-            <a:spLocks noGrp="1"/>
-          </p:cNvSpPr>
-          <p:nvPr>
-            <p:ph type="title"/>
-          </p:nvPr>
-        </p:nvSpPr>
-        <p:spPr/>
-        <p:txBody>
-          <a:bodyPr/>
-          <a:lstStyle/>
-          <a:p>
-            <a:r>
-              <a:rPr kumimoji="1" lang="ja-JP" altLang="en-US" dirty="0" smtClean="0"/>
-              <a:t>今後の予定</a:t>
-            </a:r>
-            <a:endParaRPr kumimoji="1" lang="ja-JP" altLang="en-US" dirty="0"/>
-          </a:p>
-        </p:txBody>
-      </p:sp>
-      <p:sp>
-        <p:nvSpPr>
-          <p:cNvPr id="4" name="スライド番号プレースホルダ 3"/>
-          <p:cNvSpPr>
-            <a:spLocks noGrp="1"/>
-          </p:cNvSpPr>
-          <p:nvPr>
-            <p:ph type="sldNum" sz="quarter" idx="12"/>
-          </p:nvPr>
-        </p:nvSpPr>
-        <p:spPr/>
-        <p:txBody>
-          <a:bodyPr>
-            <a:normAutofit fontScale="85000" lnSpcReduction="20000"/>
-          </a:bodyPr>
-          <a:lstStyle/>
-          <a:p>
-            <a:fld id="{A67DFC8C-1F5E-4254-A57A-68887A1C3919}" type="slidenum">
-              <a:rPr lang="ja-JP" altLang="en-US" smtClean="0"/>
-              <a:pPr/>
-              <a:t>8</a:t>
-            </a:fld>
-            <a:endParaRPr lang="ja-JP" altLang="en-US"/>
-          </a:p>
-        </p:txBody>
-      </p:sp>
-      <p:graphicFrame>
-        <p:nvGraphicFramePr>
-          <p:cNvPr id="5" name="コンテンツ プレースホルダ 4"/>
-          <p:cNvGraphicFramePr>
-            <a:graphicFrameLocks noGrp="1"/>
-          </p:cNvGraphicFramePr>
-          <p:nvPr>
-            <p:ph sz="quarter" idx="1"/>
-          </p:nvPr>
-        </p:nvGraphicFramePr>
-        <p:xfrm>
-          <a:off x="612775" y="1600200"/>
-          <a:ext cx="8153400" cy="2103120"/>
-        </p:xfrm>
-        <a:graphic>
-          <a:graphicData uri="http://schemas.openxmlformats.org/drawingml/2006/table">
-            <a:tbl>
-              <a:tblPr firstCol="1">
-                <a:tableStyleId>{5C22544A-7EE6-4342-B048-85BDC9FD1C3A}</a:tableStyleId>
-              </a:tblPr>
-              <a:tblGrid>
-                <a:gridCol w="4076700"/>
-                <a:gridCol w="4076700"/>
-              </a:tblGrid>
-              <a:tr h="370840">
-                <a:tc>
-                  <a:txBody>
-                    <a:bodyPr/>
-                    <a:lstStyle/>
-                    <a:p>
-                      <a:r>
-                        <a:rPr kumimoji="1" lang="ja-JP" altLang="en-US" dirty="0" smtClean="0"/>
-                        <a:t>フェーズ</a:t>
-                      </a:r>
-                      <a:r>
-                        <a:rPr kumimoji="1" lang="en-US" altLang="ja-JP" dirty="0" smtClean="0"/>
-                        <a:t>4</a:t>
-                      </a:r>
-                    </a:p>
-                    <a:p>
-                      <a:r>
-                        <a:rPr kumimoji="1" lang="ja-JP" altLang="en-US" dirty="0" smtClean="0"/>
-                        <a:t>（</a:t>
-                      </a:r>
-                      <a:r>
-                        <a:rPr kumimoji="1" lang="en-US" altLang="ja-JP" dirty="0" smtClean="0"/>
-                        <a:t>2009</a:t>
-                      </a:r>
-                      <a:r>
-                        <a:rPr kumimoji="1" lang="ja-JP" altLang="en-US" dirty="0" smtClean="0"/>
-                        <a:t>年度前期）</a:t>
-                      </a:r>
-                      <a:endParaRPr kumimoji="1" lang="ja-JP" altLang="en-US" dirty="0"/>
-                    </a:p>
-                  </a:txBody>
-                  <a:tcPr marL="90593" marR="90593"/>
-                </a:tc>
-                <a:tc>
-                  <a:txBody>
-                    <a:bodyPr/>
-                    <a:lstStyle/>
-                    <a:p>
-                      <a:pPr>
-                        <a:buFont typeface="Wingdings" pitchFamily="2" charset="2"/>
-                        <a:buChar char="l"/>
-                      </a:pPr>
-                      <a:r>
-                        <a:rPr kumimoji="1" lang="ja-JP" altLang="en-US" dirty="0" smtClean="0"/>
-                        <a:t>要件定義の継続実施</a:t>
-                      </a:r>
-                      <a:endParaRPr kumimoji="1" lang="en-US" altLang="ja-JP" dirty="0" smtClean="0"/>
-                    </a:p>
-                    <a:p>
-                      <a:pPr>
-                        <a:buFont typeface="Wingdings" pitchFamily="2" charset="2"/>
-                        <a:buChar char="l"/>
-                      </a:pPr>
-                      <a:r>
-                        <a:rPr kumimoji="1" lang="ja-JP" altLang="en-US" dirty="0" smtClean="0"/>
-                        <a:t>プロトタイプの実装</a:t>
-                      </a:r>
-                      <a:endParaRPr kumimoji="1" lang="en-US" altLang="ja-JP" dirty="0" smtClean="0"/>
-                    </a:p>
-                    <a:p>
-                      <a:pPr>
-                        <a:buFont typeface="Wingdings" pitchFamily="2" charset="2"/>
-                        <a:buChar char="l"/>
-                      </a:pPr>
-                      <a:r>
-                        <a:rPr kumimoji="1" lang="ja-JP" altLang="en-US" dirty="0" smtClean="0"/>
-                        <a:t>正式版リリースに向けて、テストの実施</a:t>
-                      </a:r>
-                      <a:endParaRPr kumimoji="1" lang="ja-JP" altLang="en-US" dirty="0"/>
-                    </a:p>
-                  </a:txBody>
-                  <a:tcPr marL="90593" marR="90593"/>
-                </a:tc>
-              </a:tr>
-              <a:tr h="370840">
-                <a:tc>
-                  <a:txBody>
-                    <a:bodyPr/>
-                    <a:lstStyle/>
-                    <a:p>
-                      <a:r>
-                        <a:rPr kumimoji="1" lang="ja-JP" altLang="en-US" dirty="0" smtClean="0"/>
-                        <a:t>フェーズ</a:t>
-                      </a:r>
-                      <a:r>
-                        <a:rPr kumimoji="1" lang="en-US" altLang="ja-JP" dirty="0" smtClean="0"/>
-                        <a:t>5</a:t>
-                      </a:r>
-                    </a:p>
-                    <a:p>
-                      <a:r>
-                        <a:rPr kumimoji="1" lang="ja-JP" altLang="en-US" dirty="0" smtClean="0"/>
-                        <a:t>（</a:t>
-                      </a:r>
-                      <a:r>
-                        <a:rPr kumimoji="1" lang="en-US" altLang="ja-JP" dirty="0" smtClean="0"/>
-                        <a:t>20009</a:t>
-                      </a:r>
-                      <a:r>
-                        <a:rPr kumimoji="1" lang="ja-JP" altLang="en-US" dirty="0" smtClean="0"/>
-                        <a:t>年度後期）</a:t>
-                      </a:r>
-                      <a:endParaRPr kumimoji="1" lang="ja-JP" altLang="en-US" dirty="0"/>
-                    </a:p>
-                  </a:txBody>
-                  <a:tcPr marL="90593" marR="90593"/>
-                </a:tc>
-                <a:tc>
-                  <a:txBody>
-                    <a:bodyPr/>
-                    <a:lstStyle/>
-                    <a:p>
-                      <a:pPr>
-                        <a:buFont typeface="Wingdings" pitchFamily="2" charset="2"/>
-                        <a:buChar char="l"/>
-                      </a:pPr>
-                      <a:r>
-                        <a:rPr kumimoji="1" lang="ja-JP" altLang="en-US" dirty="0" smtClean="0"/>
-                        <a:t>可視化ルールモジュールのリファクタリング</a:t>
-                      </a:r>
-                      <a:endParaRPr kumimoji="1" lang="en-US" altLang="ja-JP" dirty="0" smtClean="0"/>
-                    </a:p>
-                    <a:p>
-                      <a:pPr lvl="1">
-                        <a:buFont typeface="Wingdings" pitchFamily="2" charset="2"/>
-                        <a:buChar char="l"/>
-                      </a:pPr>
-                      <a:r>
-                        <a:rPr kumimoji="1" lang="ja-JP" altLang="en-US" dirty="0" smtClean="0"/>
-                        <a:t>現在の構造は拡張にむかない</a:t>
-                      </a:r>
-                      <a:endParaRPr kumimoji="1" lang="en-US" altLang="ja-JP" dirty="0" smtClean="0"/>
-                    </a:p>
-                    <a:p>
-                      <a:pPr>
-                        <a:buFont typeface="Wingdings" pitchFamily="2" charset="2"/>
-                        <a:buChar char="l"/>
-                      </a:pPr>
-                      <a:r>
-                        <a:rPr kumimoji="1" lang="ja-JP" altLang="en-US" dirty="0" smtClean="0"/>
-                        <a:t>可視化ルールの拡張</a:t>
-                      </a:r>
-                      <a:endParaRPr kumimoji="1" lang="ja-JP" altLang="en-US" dirty="0"/>
-                    </a:p>
-                  </a:txBody>
-                  <a:tcPr marL="90593" marR="90593"/>
-                </a:tc>
-              </a:tr>
-            </a:tbl>
-          </a:graphicData>
-        </a:graphic>
-      </p:graphicFrame>
-    </p:spTree>
-  </p:cSld>
-  <p:clrMapOvr>
-    <a:masterClrMapping/>
-  </p:clrMapOvr>
-</p:sld>
-</file>
-
-<file path=ppt/slides/slide9.xml><?xml version="1.0" encoding="utf-8"?>
-<p:sld xmlns:a="http://schemas.openxmlformats.org/drawingml/2006/main" xmlns:r="http://schemas.openxmlformats.org/officeDocument/2006/relationships" xmlns:p="http://schemas.openxmlformats.org/presentationml/2006/main">
-  <p:cSld>
-    <p:spTree>
-      <p:nvGrpSpPr>
-        <p:cNvPr id="1" name=""/>
-        <p:cNvGrpSpPr/>
-        <p:nvPr/>
-      </p:nvGrpSpPr>
-      <p:grpSpPr>
-        <a:xfrm>
-          <a:off x="0" y="0"/>
-          <a:ext cx="0" cy="0"/>
-          <a:chOff x="0" y="0"/>
-          <a:chExt cx="0" cy="0"/>
-        </a:xfrm>
-      </p:grpSpPr>
-      <p:sp>
-        <p:nvSpPr>
-          <p:cNvPr id="2" name="タイトル 1"/>
-          <p:cNvSpPr>
-            <a:spLocks noGrp="1"/>
-          </p:cNvSpPr>
-          <p:nvPr>
-            <p:ph type="title"/>
-          </p:nvPr>
-        </p:nvSpPr>
-        <p:spPr/>
-        <p:txBody>
-          <a:bodyPr/>
-          <a:lstStyle/>
-          <a:p>
-            <a:r>
-              <a:rPr kumimoji="1" lang="ja-JP" altLang="en-US" dirty="0" smtClean="0"/>
-              <a:t>まとめ</a:t>
-            </a:r>
-            <a:endParaRPr kumimoji="1" lang="ja-JP" altLang="en-US" dirty="0"/>
-          </a:p>
-        </p:txBody>
-      </p:sp>
-      <p:sp>
-        <p:nvSpPr>
-          <p:cNvPr id="4" name="スライド番号プレースホルダ 3"/>
-          <p:cNvSpPr>
-            <a:spLocks noGrp="1"/>
-          </p:cNvSpPr>
-          <p:nvPr>
-            <p:ph type="sldNum" sz="quarter" idx="12"/>
-          </p:nvPr>
-        </p:nvSpPr>
-        <p:spPr/>
-        <p:txBody>
-          <a:bodyPr>
-            <a:normAutofit fontScale="85000" lnSpcReduction="20000"/>
-          </a:bodyPr>
-          <a:lstStyle/>
-          <a:p>
-            <a:fld id="{A67DFC8C-1F5E-4254-A57A-68887A1C3919}" type="slidenum">
-              <a:rPr lang="ja-JP" altLang="en-US" smtClean="0"/>
-              <a:pPr/>
-              <a:t>9</a:t>
-            </a:fld>
-            <a:endParaRPr lang="ja-JP" altLang="en-US"/>
-          </a:p>
-        </p:txBody>
-      </p:sp>
-      <p:sp>
-        <p:nvSpPr>
-          <p:cNvPr id="3" name="コンテンツ プレースホルダ 2"/>
-          <p:cNvSpPr>
-            <a:spLocks noGrp="1"/>
-          </p:cNvSpPr>
-          <p:nvPr>
-            <p:ph sz="quarter" idx="1"/>
-          </p:nvPr>
-        </p:nvSpPr>
-        <p:spPr/>
-        <p:txBody>
-          <a:bodyPr/>
-          <a:lstStyle/>
-          <a:p>
-            <a:r>
-              <a:rPr kumimoji="1" lang="ja-JP" altLang="en-US" dirty="0" smtClean="0"/>
-              <a:t>マルチコア環境でのデバッグには、トレースログの可視化が必要</a:t>
-            </a:r>
-            <a:endParaRPr kumimoji="1" lang="en-US" altLang="ja-JP" dirty="0" smtClean="0"/>
-          </a:p>
-          <a:p>
-            <a:pPr lvl="1"/>
-            <a:r>
-              <a:rPr lang="ja-JP" altLang="en-US" dirty="0" smtClean="0"/>
-              <a:t>本</a:t>
-            </a:r>
-            <a:r>
-              <a:rPr lang="en-US" altLang="ja-JP" dirty="0" smtClean="0"/>
-              <a:t>OJL</a:t>
-            </a:r>
-            <a:r>
-              <a:rPr lang="ja-JP" altLang="en-US" dirty="0" smtClean="0"/>
-              <a:t>は可視化ツールの開発が目的</a:t>
-            </a:r>
-            <a:endParaRPr lang="en-US" altLang="ja-JP" dirty="0" smtClean="0"/>
-          </a:p>
-          <a:p>
-            <a:pPr lvl="1"/>
-            <a:r>
-              <a:rPr kumimoji="1" lang="ja-JP" altLang="en-US" dirty="0" smtClean="0"/>
-              <a:t>フェーズ分割して実施</a:t>
-            </a:r>
-            <a:endParaRPr kumimoji="1" lang="en-US" altLang="ja-JP" dirty="0" smtClean="0"/>
-          </a:p>
-          <a:p>
-            <a:r>
-              <a:rPr kumimoji="1" lang="en-US" altLang="ja-JP" dirty="0" smtClean="0"/>
-              <a:t>2008</a:t>
-            </a:r>
-            <a:r>
-              <a:rPr kumimoji="1" lang="ja-JP" altLang="en-US" dirty="0" smtClean="0"/>
-              <a:t>年度後期は、テストと機能拡張のための要件定義を実施</a:t>
-            </a:r>
-            <a:endParaRPr kumimoji="1" lang="en-US" altLang="ja-JP" dirty="0" smtClean="0"/>
-          </a:p>
-          <a:p>
-            <a:r>
-              <a:rPr lang="en-US" altLang="ja-JP" dirty="0" smtClean="0"/>
-              <a:t>2009</a:t>
-            </a:r>
-            <a:r>
-              <a:rPr lang="ja-JP" altLang="en-US" dirty="0" smtClean="0"/>
-              <a:t>年度は、機能拡張と正式版リリースを目指す</a:t>
-            </a:r>
-            <a:endParaRPr kumimoji="1" lang="ja-JP" altLang="en-US" dirty="0"/>
-          </a:p>
-        </p:txBody>
-      </p:sp>
-    </p:spTree>
-  </p:cSld>
-  <p:clrMapOvr>
-    <a:masterClrMapping/>
-  </p:clrMapOvr>
 </p:sld>
 </file>
 

--- a/doc/phase3/communications/ojl-1st-comm-yanagi.pptx
+++ b/doc/phase3/communications/ojl-1st-comm-yanagi.pptx
@@ -6,10 +6,10 @@
     <p:sldMasterId id="2147483660" r:id="rId2"/>
   </p:sldMasterIdLst>
   <p:notesMasterIdLst>
-    <p:notesMasterId r:id="rId14"/>
+    <p:notesMasterId r:id="rId15"/>
   </p:notesMasterIdLst>
   <p:handoutMasterIdLst>
-    <p:handoutMasterId r:id="rId15"/>
+    <p:handoutMasterId r:id="rId16"/>
   </p:handoutMasterIdLst>
   <p:sldIdLst>
     <p:sldId id="256" r:id="rId3"/>
@@ -21,8 +21,9 @@
     <p:sldId id="272" r:id="rId9"/>
     <p:sldId id="268" r:id="rId10"/>
     <p:sldId id="269" r:id="rId11"/>
-    <p:sldId id="263" r:id="rId12"/>
-    <p:sldId id="264" r:id="rId13"/>
+    <p:sldId id="273" r:id="rId12"/>
+    <p:sldId id="263" r:id="rId13"/>
+    <p:sldId id="264" r:id="rId14"/>
   </p:sldIdLst>
   <p:sldSz cx="9144000" cy="6858000" type="screen4x3"/>
   <p:notesSz cx="6858000" cy="9144000"/>
@@ -743,7 +744,7 @@
             <a:fld id="{AA4ACE21-550E-47E0-940B-7B5295AC8B55}" type="slidenum">
               <a:rPr kumimoji="1" lang="ja-JP" altLang="en-US" smtClean="0"/>
               <a:pPr/>
-              <a:t>10</a:t>
+              <a:t>11</a:t>
             </a:fld>
             <a:endParaRPr kumimoji="1" lang="ja-JP" altLang="en-US"/>
           </a:p>
@@ -833,7 +834,7 @@
             <a:fld id="{AA4ACE21-550E-47E0-940B-7B5295AC8B55}" type="slidenum">
               <a:rPr kumimoji="1" lang="ja-JP" altLang="en-US" smtClean="0"/>
               <a:pPr/>
-              <a:t>11</a:t>
+              <a:t>12</a:t>
             </a:fld>
             <a:endParaRPr kumimoji="1" lang="ja-JP" altLang="en-US"/>
           </a:p>
@@ -8120,6 +8121,97 @@
       </p:grpSpPr>
       <p:sp>
         <p:nvSpPr>
+          <p:cNvPr id="5" name="タイトル 4"/>
+          <p:cNvSpPr>
+            <a:spLocks noGrp="1"/>
+          </p:cNvSpPr>
+          <p:nvPr>
+            <p:ph type="title"/>
+          </p:nvPr>
+        </p:nvSpPr>
+        <p:spPr/>
+        <p:txBody>
+          <a:bodyPr>
+            <a:normAutofit/>
+          </a:bodyPr>
+          <a:lstStyle/>
+          <a:p>
+            <a:r>
+              <a:rPr lang="ja-JP" altLang="en-US" dirty="0" smtClean="0"/>
+              <a:t>トレースログ可視化</a:t>
+            </a:r>
+            <a:r>
+              <a:rPr lang="ja-JP" altLang="en-US" dirty="0" smtClean="0"/>
+              <a:t>ツール</a:t>
+            </a:r>
+            <a:r>
+              <a:rPr lang="ja-JP" altLang="en-US" dirty="0" smtClean="0"/>
+              <a:t>全体</a:t>
+            </a:r>
+            <a:endParaRPr kumimoji="1" lang="ja-JP" altLang="en-US" dirty="0"/>
+          </a:p>
+        </p:txBody>
+      </p:sp>
+      <p:sp>
+        <p:nvSpPr>
+          <p:cNvPr id="3" name="スライド番号プレースホルダ 2"/>
+          <p:cNvSpPr>
+            <a:spLocks noGrp="1"/>
+          </p:cNvSpPr>
+          <p:nvPr>
+            <p:ph type="sldNum" sz="quarter" idx="11"/>
+          </p:nvPr>
+        </p:nvSpPr>
+        <p:spPr/>
+        <p:txBody>
+          <a:bodyPr>
+            <a:normAutofit/>
+          </a:bodyPr>
+          <a:lstStyle/>
+          <a:p>
+            <a:fld id="{A67DFC8C-1F5E-4254-A57A-68887A1C3919}" type="slidenum">
+              <a:rPr lang="ja-JP" altLang="en-US" smtClean="0"/>
+              <a:pPr/>
+              <a:t>10</a:t>
+            </a:fld>
+            <a:endParaRPr lang="ja-JP" altLang="en-US"/>
+          </a:p>
+        </p:txBody>
+      </p:sp>
+    </p:spTree>
+  </p:cSld>
+  <p:clrMapOvr>
+    <a:masterClrMapping/>
+  </p:clrMapOvr>
+  <p:timing>
+    <p:tnLst>
+      <p:par>
+        <p:cTn id="1" dur="indefinite" restart="never" nodeType="tmRoot"/>
+      </p:par>
+    </p:tnLst>
+  </p:timing>
+</p:sld>
+</file>
+
+<file path=ppt/slides/slide11.xml><?xml version="1.0" encoding="utf-8"?>
+<p:sld xmlns:a="http://schemas.openxmlformats.org/drawingml/2006/main" xmlns:r="http://schemas.openxmlformats.org/officeDocument/2006/relationships" xmlns:p="http://schemas.openxmlformats.org/presentationml/2006/main">
+  <p:cSld>
+    <p:spTree>
+      <p:nvGrpSpPr>
+        <p:cNvPr id="1" name=""/>
+        <p:cNvGrpSpPr/>
+        <p:nvPr/>
+      </p:nvGrpSpPr>
+      <p:grpSpPr>
+        <a:xfrm>
+          <a:off x="0" y="0"/>
+          <a:ext cx="0" cy="0"/>
+          <a:chOff x="0" y="0"/>
+          <a:chExt cx="0" cy="0"/>
+        </a:xfrm>
+      </p:grpSpPr>
+      <p:sp>
+        <p:nvSpPr>
           <p:cNvPr id="2" name="タイトル 1"/>
           <p:cNvSpPr>
             <a:spLocks noGrp="1"/>
@@ -8161,7 +8253,7 @@
             <a:fld id="{A67DFC8C-1F5E-4254-A57A-68887A1C3919}" type="slidenum">
               <a:rPr lang="ja-JP" altLang="en-US" smtClean="0"/>
               <a:pPr/>
-              <a:t>10</a:t>
+              <a:t>11</a:t>
             </a:fld>
             <a:endParaRPr lang="ja-JP" altLang="en-US"/>
           </a:p>
@@ -8230,11 +8322,7 @@
                       </a:br>
                       <a:r>
                         <a:rPr kumimoji="1" lang="ja-JP" altLang="en-US" sz="2800" dirty="0" smtClean="0"/>
-                        <a:t>前期</a:t>
-                      </a:r>
-                      <a:r>
-                        <a:rPr kumimoji="1" lang="ja-JP" altLang="en-US" sz="2800" dirty="0" smtClean="0"/>
-                        <a:t>）</a:t>
+                        <a:t>前期）</a:t>
                       </a:r>
                       <a:endParaRPr kumimoji="1" lang="ja-JP" altLang="en-US" sz="2800" dirty="0"/>
                     </a:p>
@@ -8274,11 +8362,7 @@
                       </a:pPr>
                       <a:r>
                         <a:rPr kumimoji="1" lang="ja-JP" altLang="en-US" sz="2800" dirty="0" smtClean="0"/>
-                        <a:t>正式版リリースに向けて</a:t>
-                      </a:r>
-                      <a:r>
-                        <a:rPr kumimoji="1" lang="ja-JP" altLang="en-US" sz="2800" dirty="0" smtClean="0"/>
-                        <a:t>、</a:t>
+                        <a:t>正式版リリースに向けて、</a:t>
                       </a:r>
                       <a:r>
                         <a:rPr kumimoji="1" lang="en-US" altLang="ja-JP" sz="2800" dirty="0" smtClean="0"/>
@@ -8289,11 +8373,7 @@
                       </a:br>
                       <a:r>
                         <a:rPr kumimoji="1" lang="ja-JP" altLang="en-US" sz="2800" dirty="0" smtClean="0"/>
-                        <a:t>　テスト</a:t>
-                      </a:r>
-                      <a:r>
-                        <a:rPr kumimoji="1" lang="ja-JP" altLang="en-US" sz="2800" dirty="0" smtClean="0"/>
-                        <a:t>の実施</a:t>
+                        <a:t>　テストの実施</a:t>
                       </a:r>
                       <a:endParaRPr kumimoji="1" lang="ja-JP" altLang="en-US" sz="2800" dirty="0"/>
                     </a:p>
@@ -8340,11 +8420,7 @@
                       </a:br>
                       <a:r>
                         <a:rPr kumimoji="1" lang="ja-JP" altLang="en-US" sz="2800" dirty="0" smtClean="0"/>
-                        <a:t>後期</a:t>
-                      </a:r>
-                      <a:r>
-                        <a:rPr kumimoji="1" lang="ja-JP" altLang="en-US" sz="2800" dirty="0" smtClean="0"/>
-                        <a:t>）</a:t>
+                        <a:t>後期）</a:t>
                       </a:r>
                       <a:endParaRPr kumimoji="1" lang="ja-JP" altLang="en-US" sz="2800" dirty="0"/>
                     </a:p>
@@ -8362,11 +8438,7 @@
                       </a:pPr>
                       <a:r>
                         <a:rPr kumimoji="1" lang="ja-JP" altLang="en-US" sz="2800" dirty="0" smtClean="0"/>
-                        <a:t>可視化ルールモジュール</a:t>
-                      </a:r>
-                      <a:r>
-                        <a:rPr kumimoji="1" lang="ja-JP" altLang="en-US" sz="2800" dirty="0" smtClean="0"/>
-                        <a:t>の</a:t>
+                        <a:t>可視化ルールモジュールの</a:t>
                       </a:r>
                       <a:r>
                         <a:rPr kumimoji="1" lang="en-US" altLang="ja-JP" sz="2800" dirty="0" smtClean="0"/>
@@ -8426,7 +8498,7 @@
 </p:sld>
 </file>
 
-<file path=ppt/slides/slide11.xml><?xml version="1.0" encoding="utf-8"?>
+<file path=ppt/slides/slide12.xml><?xml version="1.0" encoding="utf-8"?>
 <p:sld xmlns:a="http://schemas.openxmlformats.org/drawingml/2006/main" xmlns:r="http://schemas.openxmlformats.org/officeDocument/2006/relationships" xmlns:p="http://schemas.openxmlformats.org/presentationml/2006/main">
   <p:cSld>
     <p:spTree>
@@ -8486,7 +8558,7 @@
             <a:fld id="{A67DFC8C-1F5E-4254-A57A-68887A1C3919}" type="slidenum">
               <a:rPr lang="ja-JP" altLang="en-US" smtClean="0"/>
               <a:pPr/>
-              <a:t>11</a:t>
+              <a:t>12</a:t>
             </a:fld>
             <a:endParaRPr lang="ja-JP" altLang="en-US"/>
           </a:p>
@@ -8544,11 +8616,7 @@
             </a:r>
             <a:r>
               <a:rPr kumimoji="1" lang="ja-JP" altLang="en-US" dirty="0" smtClean="0"/>
-              <a:t>年度</a:t>
-            </a:r>
-            <a:r>
-              <a:rPr kumimoji="1" lang="ja-JP" altLang="en-US" dirty="0" smtClean="0"/>
-              <a:t>後期</a:t>
+              <a:t>年度後期</a:t>
             </a:r>
             <a:r>
               <a:rPr kumimoji="1" lang="en-US" altLang="ja-JP" dirty="0" smtClean="0"/>
@@ -8559,11 +8627,7 @@
             </a:br>
             <a:r>
               <a:rPr kumimoji="1" lang="ja-JP" altLang="en-US" dirty="0" smtClean="0"/>
-              <a:t>テスト</a:t>
-            </a:r>
-            <a:r>
-              <a:rPr kumimoji="1" lang="ja-JP" altLang="en-US" dirty="0" smtClean="0"/>
-              <a:t>と機能拡張のための要件定義を実施</a:t>
+              <a:t>テストと機能拡張のための要件定義を実施</a:t>
             </a:r>
             <a:endParaRPr kumimoji="1" lang="en-US" altLang="ja-JP" dirty="0" smtClean="0"/>
           </a:p>
@@ -8585,11 +8649,7 @@
             </a:br>
             <a:r>
               <a:rPr lang="ja-JP" altLang="en-US" dirty="0" smtClean="0"/>
-              <a:t>機能</a:t>
-            </a:r>
-            <a:r>
-              <a:rPr lang="ja-JP" altLang="en-US" dirty="0" smtClean="0"/>
-              <a:t>拡張と正式版リリースを目指す</a:t>
+              <a:t>機能拡張と正式版リリースを目指す</a:t>
             </a:r>
             <a:endParaRPr kumimoji="1" lang="ja-JP" altLang="en-US" dirty="0"/>
           </a:p>
@@ -8681,19 +8741,7 @@
             <a:pPr lvl="1"/>
             <a:r>
               <a:rPr lang="ja-JP" altLang="en-US" dirty="0" smtClean="0"/>
-              <a:t>どんな要求</a:t>
-            </a:r>
-            <a:r>
-              <a:rPr lang="ja-JP" altLang="en-US" dirty="0" smtClean="0"/>
-              <a:t>が</a:t>
-            </a:r>
-            <a:r>
-              <a:rPr lang="ja-JP" altLang="en-US" dirty="0" smtClean="0"/>
-              <a:t>考えられる</a:t>
-            </a:r>
-            <a:r>
-              <a:rPr lang="ja-JP" altLang="en-US" dirty="0" smtClean="0"/>
-              <a:t>か？</a:t>
+              <a:t>どんな要求が考えられるか？</a:t>
             </a:r>
             <a:endParaRPr lang="en-US" altLang="ja-JP" dirty="0" smtClean="0"/>
           </a:p>
@@ -16047,11 +16095,7 @@
           <a:p>
             <a:r>
               <a:rPr lang="ja-JP" altLang="en-US" dirty="0" smtClean="0"/>
-              <a:t>リリース</a:t>
-            </a:r>
-            <a:r>
-              <a:rPr lang="ja-JP" altLang="en-US" dirty="0" smtClean="0"/>
-              <a:t>に向けたテスト</a:t>
+              <a:t>リリースに向けたテスト</a:t>
             </a:r>
             <a:endParaRPr kumimoji="1" lang="en-US" altLang="ja-JP" dirty="0" smtClean="0"/>
           </a:p>
@@ -16094,7 +16138,7 @@
       </p:sp>
       <p:pic>
         <p:nvPicPr>
-          <p:cNvPr id="2051" name="Picture 3"/>
+          <p:cNvPr id="1027" name="Picture 3"/>
           <p:cNvPicPr>
             <a:picLocks noChangeAspect="1" noChangeArrowheads="1"/>
           </p:cNvPicPr>
@@ -16109,21 +16153,56 @@
         </p:blipFill>
         <p:spPr bwMode="auto">
           <a:xfrm>
-            <a:off x="5500694" y="2714620"/>
-            <a:ext cx="2991268" cy="2743584"/>
+            <a:off x="7143768" y="2786058"/>
+            <a:ext cx="1181264" cy="1105054"/>
           </a:xfrm>
           <a:prstGeom prst="rect">
             <a:avLst/>
           </a:prstGeom>
-          <a:noFill/>
-          <a:ln w="9525">
-            <a:noFill/>
-            <a:miter lim="800000"/>
-            <a:headEnd/>
-            <a:tailEnd/>
+          <a:solidFill>
+            <a:srgbClr val="FFFFFF">
+              <a:shade val="85000"/>
+            </a:srgbClr>
+          </a:solidFill>
+          <a:ln w="190500" cap="rnd">
+            <a:solidFill>
+              <a:srgbClr val="FFFFFF"/>
+            </a:solidFill>
           </a:ln>
-          <a:effectLst/>
+          <a:effectLst>
+            <a:outerShdw blurRad="50000" algn="tl" rotWithShape="0">
+              <a:srgbClr val="000000">
+                <a:alpha val="41000"/>
+              </a:srgbClr>
+            </a:outerShdw>
+          </a:effectLst>
+          <a:scene3d>
+            <a:camera prst="orthographicFront"/>
+            <a:lightRig rig="twoPt" dir="t">
+              <a:rot lat="0" lon="0" rev="7800000"/>
+            </a:lightRig>
+          </a:scene3d>
+          <a:sp3d contourW="6350">
+            <a:bevelT w="50800" h="16510"/>
+            <a:contourClr>
+              <a:srgbClr val="C0C0C0"/>
+            </a:contourClr>
+          </a:sp3d>
         </p:spPr>
+        <p:style>
+          <a:lnRef idx="2">
+            <a:schemeClr val="dk1"/>
+          </a:lnRef>
+          <a:fillRef idx="1">
+            <a:schemeClr val="lt1"/>
+          </a:fillRef>
+          <a:effectRef idx="0">
+            <a:schemeClr val="dk1"/>
+          </a:effectRef>
+          <a:fontRef idx="minor">
+            <a:schemeClr val="dk1"/>
+          </a:fontRef>
+        </p:style>
       </p:pic>
     </p:spTree>
   </p:cSld>

--- a/doc/phase3/communications/ojl-1st-comm-yanagi.pptx
+++ b/doc/phase3/communications/ojl-1st-comm-yanagi.pptx
@@ -8138,15 +8138,7 @@
           <a:p>
             <a:r>
               <a:rPr lang="ja-JP" altLang="en-US" dirty="0" smtClean="0"/>
-              <a:t>トレースログ可視化</a:t>
-            </a:r>
-            <a:r>
-              <a:rPr lang="ja-JP" altLang="en-US" dirty="0" smtClean="0"/>
-              <a:t>ツール</a:t>
-            </a:r>
-            <a:r>
-              <a:rPr lang="ja-JP" altLang="en-US" dirty="0" smtClean="0"/>
-              <a:t>全体</a:t>
+              <a:t>トレースログ可視化ツール全体</a:t>
             </a:r>
             <a:endParaRPr kumimoji="1" lang="ja-JP" altLang="en-US" dirty="0"/>
           </a:p>
@@ -12398,8 +12390,19 @@
               <a:rPr lang="ja-JP" altLang="en-US" dirty="0" smtClean="0">
                 <a:sym typeface="Wingdings" pitchFamily="2" charset="2"/>
               </a:rPr>
-              <a:t>速やかに実装を行うため</a:t>
-            </a:r>
+              <a:t>速やかに実装を行う</a:t>
+            </a:r>
+            <a:r>
+              <a:rPr lang="ja-JP" altLang="en-US" dirty="0" smtClean="0">
+                <a:sym typeface="Wingdings" pitchFamily="2" charset="2"/>
+              </a:rPr>
+              <a:t>ため</a:t>
+            </a:r>
+            <a:endParaRPr lang="en-US" altLang="ja-JP" dirty="0" smtClean="0">
+              <a:sym typeface="Wingdings" pitchFamily="2" charset="2"/>
+            </a:endParaRPr>
+          </a:p>
+          <a:p>
             <a:endParaRPr kumimoji="1" lang="en-US" altLang="ja-JP" dirty="0" smtClean="0"/>
           </a:p>
           <a:p>
@@ -12413,7 +12416,18 @@
             <a:pPr lvl="1"/>
             <a:r>
               <a:rPr kumimoji="1" lang="ja-JP" altLang="en-US" dirty="0" smtClean="0"/>
-              <a:t>行数：タスク数</a:t>
+              <a:t>行数の変更</a:t>
+            </a:r>
+            <a:r>
+              <a:rPr kumimoji="1" lang="en-US" altLang="ja-JP" dirty="0" smtClean="0"/>
+              <a:t/>
+            </a:r>
+            <a:br>
+              <a:rPr kumimoji="1" lang="en-US" altLang="ja-JP" dirty="0" smtClean="0"/>
+            </a:br>
+            <a:r>
+              <a:rPr kumimoji="1" lang="ja-JP" altLang="en-US" dirty="0" smtClean="0"/>
+              <a:t>タスク数</a:t>
             </a:r>
             <a:r>
               <a:rPr kumimoji="1" lang="en-US" altLang="ja-JP" dirty="0" smtClean="0">
@@ -13964,6 +13978,45 @@
           </p:spPr>
         </p:cxnSp>
       </p:grpSp>
+      <p:sp>
+        <p:nvSpPr>
+          <p:cNvPr id="42" name="円/楕円 41"/>
+          <p:cNvSpPr/>
+          <p:nvPr/>
+        </p:nvSpPr>
+        <p:spPr>
+          <a:xfrm>
+            <a:off x="8001024" y="3857628"/>
+            <a:ext cx="928694" cy="642942"/>
+          </a:xfrm>
+          <a:prstGeom prst="ellipse">
+            <a:avLst/>
+          </a:prstGeom>
+          <a:noFill/>
+        </p:spPr>
+        <p:style>
+          <a:lnRef idx="2">
+            <a:schemeClr val="accent2"/>
+          </a:lnRef>
+          <a:fillRef idx="1">
+            <a:schemeClr val="lt1"/>
+          </a:fillRef>
+          <a:effectRef idx="0">
+            <a:schemeClr val="accent2"/>
+          </a:effectRef>
+          <a:fontRef idx="minor">
+            <a:schemeClr val="dk1"/>
+          </a:fontRef>
+        </p:style>
+        <p:txBody>
+          <a:bodyPr rtlCol="0" anchor="ctr"/>
+          <a:lstStyle/>
+          <a:p>
+            <a:pPr algn="ctr"/>
+            <a:endParaRPr kumimoji="1" lang="ja-JP" altLang="en-US"/>
+          </a:p>
+        </p:txBody>
+      </p:sp>
     </p:spTree>
   </p:cSld>
   <p:clrMapOvr>
@@ -14050,7 +14103,19 @@
             </a:r>
             <a:r>
               <a:rPr lang="ja-JP" altLang="en-US" dirty="0" smtClean="0"/>
-              <a:t>にタスクがいないことを示す状態を追加</a:t>
+              <a:t>にタスクがいないことを示す状態を</a:t>
+            </a:r>
+            <a:r>
+              <a:rPr lang="ja-JP" altLang="en-US" dirty="0" smtClean="0"/>
+              <a:t>追加</a:t>
+            </a:r>
+            <a:endParaRPr lang="en-US" altLang="ja-JP" dirty="0" smtClean="0"/>
+          </a:p>
+          <a:p>
+            <a:pPr lvl="1"/>
+            <a:r>
+              <a:rPr lang="ja-JP" altLang="en-US" dirty="0" smtClean="0"/>
+              <a:t>マイグレート時に行を移動するよう修正</a:t>
             </a:r>
             <a:endParaRPr lang="en-US" altLang="ja-JP" dirty="0" smtClean="0"/>
           </a:p>
@@ -15661,6 +15726,84 @@
           </p:spPr>
         </p:cxnSp>
       </p:grpSp>
+      <p:sp>
+        <p:nvSpPr>
+          <p:cNvPr id="42" name="円/楕円 41"/>
+          <p:cNvSpPr/>
+          <p:nvPr/>
+        </p:nvSpPr>
+        <p:spPr>
+          <a:xfrm>
+            <a:off x="5929322" y="4643446"/>
+            <a:ext cx="928694" cy="642942"/>
+          </a:xfrm>
+          <a:prstGeom prst="ellipse">
+            <a:avLst/>
+          </a:prstGeom>
+          <a:noFill/>
+        </p:spPr>
+        <p:style>
+          <a:lnRef idx="2">
+            <a:schemeClr val="accent2"/>
+          </a:lnRef>
+          <a:fillRef idx="1">
+            <a:schemeClr val="lt1"/>
+          </a:fillRef>
+          <a:effectRef idx="0">
+            <a:schemeClr val="accent2"/>
+          </a:effectRef>
+          <a:fontRef idx="minor">
+            <a:schemeClr val="dk1"/>
+          </a:fontRef>
+        </p:style>
+        <p:txBody>
+          <a:bodyPr rtlCol="0" anchor="ctr"/>
+          <a:lstStyle/>
+          <a:p>
+            <a:pPr algn="ctr"/>
+            <a:endParaRPr kumimoji="1" lang="ja-JP" altLang="en-US"/>
+          </a:p>
+        </p:txBody>
+      </p:sp>
+      <p:sp>
+        <p:nvSpPr>
+          <p:cNvPr id="79" name="円/楕円 78"/>
+          <p:cNvSpPr/>
+          <p:nvPr/>
+        </p:nvSpPr>
+        <p:spPr>
+          <a:xfrm>
+            <a:off x="5929322" y="5286388"/>
+            <a:ext cx="928694" cy="642942"/>
+          </a:xfrm>
+          <a:prstGeom prst="ellipse">
+            <a:avLst/>
+          </a:prstGeom>
+          <a:noFill/>
+        </p:spPr>
+        <p:style>
+          <a:lnRef idx="2">
+            <a:schemeClr val="accent2"/>
+          </a:lnRef>
+          <a:fillRef idx="1">
+            <a:schemeClr val="lt1"/>
+          </a:fillRef>
+          <a:effectRef idx="0">
+            <a:schemeClr val="accent2"/>
+          </a:effectRef>
+          <a:fontRef idx="minor">
+            <a:schemeClr val="dk1"/>
+          </a:fontRef>
+        </p:style>
+        <p:txBody>
+          <a:bodyPr rtlCol="0" anchor="ctr"/>
+          <a:lstStyle/>
+          <a:p>
+            <a:pPr algn="ctr"/>
+            <a:endParaRPr kumimoji="1" lang="ja-JP" altLang="en-US"/>
+          </a:p>
+        </p:txBody>
+      </p:sp>
     </p:spTree>
   </p:cSld>
   <p:clrMapOvr>
@@ -16063,21 +16206,15 @@
             <a:pPr lvl="1"/>
             <a:r>
               <a:rPr kumimoji="1" lang="ja-JP" altLang="en-US" dirty="0" smtClean="0"/>
-              <a:t>マイグレート時に、タスク立ち上がり時のような矢印を表示</a:t>
-            </a:r>
-            <a:endParaRPr kumimoji="1" lang="en-US" altLang="ja-JP" dirty="0" smtClean="0"/>
-          </a:p>
-          <a:p>
-            <a:endParaRPr lang="en-US" altLang="ja-JP" dirty="0" smtClean="0"/>
-          </a:p>
-          <a:p>
-            <a:r>
-              <a:rPr kumimoji="1" lang="en-US" altLang="ja-JP" dirty="0" smtClean="0"/>
-              <a:t>OS</a:t>
+              <a:t>タスク</a:t>
             </a:r>
             <a:r>
               <a:rPr kumimoji="1" lang="ja-JP" altLang="en-US" dirty="0" smtClean="0"/>
-              <a:t>・アプリケーション開発者</a:t>
+              <a:t>立ち上がり時のような矢印</a:t>
+            </a:r>
+            <a:r>
+              <a:rPr kumimoji="1" lang="ja-JP" altLang="en-US" dirty="0" smtClean="0"/>
+              <a:t>を</a:t>
             </a:r>
             <a:r>
               <a:rPr kumimoji="1" lang="en-US" altLang="ja-JP" dirty="0" smtClean="0"/>
@@ -16088,7 +16225,26 @@
             </a:br>
             <a:r>
               <a:rPr kumimoji="1" lang="ja-JP" altLang="en-US" dirty="0" smtClean="0"/>
-              <a:t>から要求抽出</a:t>
+              <a:t>マイグレート時にも表示</a:t>
+            </a:r>
+            <a:endParaRPr lang="en-US" altLang="ja-JP" dirty="0" smtClean="0"/>
+          </a:p>
+          <a:p>
+            <a:r>
+              <a:rPr kumimoji="1" lang="en-US" altLang="ja-JP" dirty="0" smtClean="0"/>
+              <a:t>OS</a:t>
+            </a:r>
+            <a:r>
+              <a:rPr kumimoji="1" lang="ja-JP" altLang="en-US" dirty="0" smtClean="0"/>
+              <a:t>・アプリケーション</a:t>
+            </a:r>
+            <a:r>
+              <a:rPr kumimoji="1" lang="ja-JP" altLang="en-US" dirty="0" smtClean="0"/>
+              <a:t>開発者から要求</a:t>
+            </a:r>
+            <a:r>
+              <a:rPr kumimoji="1" lang="ja-JP" altLang="en-US" dirty="0" smtClean="0"/>
+              <a:t>抽出</a:t>
             </a:r>
             <a:endParaRPr kumimoji="1" lang="en-US" altLang="ja-JP" dirty="0" smtClean="0"/>
           </a:p>
@@ -16153,7 +16309,7 @@
         </p:blipFill>
         <p:spPr bwMode="auto">
           <a:xfrm>
-            <a:off x="7143768" y="2786058"/>
+            <a:off x="7143768" y="1928802"/>
             <a:ext cx="1181264" cy="1105054"/>
           </a:xfrm>
           <a:prstGeom prst="rect">
